--- a/学习资料/RA/RA系统培训/RA_券不计销售说明.pptx
+++ b/学习资料/RA/RA系统培训/RA_券不计销售说明.pptx
@@ -7,10 +7,9 @@
   <p:sldIdLst>
     <p:sldId id="258" r:id="rId2"/>
     <p:sldId id="275" r:id="rId3"/>
-    <p:sldId id="279" r:id="rId4"/>
-    <p:sldId id="257" r:id="rId5"/>
-    <p:sldId id="265" r:id="rId6"/>
-    <p:sldId id="267" r:id="rId7"/>
+    <p:sldId id="257" r:id="rId4"/>
+    <p:sldId id="265" r:id="rId5"/>
+    <p:sldId id="267" r:id="rId6"/>
   </p:sldIdLst>
   <p:sldSz cx="12192000" cy="6858000"/>
   <p:notesSz cx="6858000" cy="9144000"/>
@@ -887,7 +886,7 @@
         <a:p>
           <a:r>
             <a:rPr lang="zh-CN" altLang="en-US" dirty="0" smtClean="0"/>
-            <a:t>报表简介</a:t>
+            <a:t>新增事实定义说明</a:t>
           </a:r>
           <a:endParaRPr lang="zh-CN" altLang="en-US" dirty="0"/>
         </a:p>
@@ -924,7 +923,7 @@
         <a:p>
           <a:r>
             <a:rPr lang="zh-CN" altLang="en-US" dirty="0" smtClean="0"/>
-            <a:t>事实定义说明</a:t>
+            <a:t>注意要点</a:t>
           </a:r>
           <a:endParaRPr lang="zh-CN" altLang="en-US" dirty="0"/>
         </a:p>
@@ -952,43 +951,6 @@
         </a:p>
       </dgm:t>
     </dgm:pt>
-    <dgm:pt modelId="{E799A64E-C038-411A-BE76-B53A75A170AE}">
-      <dgm:prSet phldrT="[文本]"/>
-      <dgm:spPr/>
-      <dgm:t>
-        <a:bodyPr/>
-        <a:lstStyle/>
-        <a:p>
-          <a:r>
-            <a:rPr lang="zh-CN" altLang="en-US" dirty="0" smtClean="0"/>
-            <a:t>注意要点</a:t>
-          </a:r>
-          <a:endParaRPr lang="zh-CN" altLang="en-US" dirty="0"/>
-        </a:p>
-      </dgm:t>
-    </dgm:pt>
-    <dgm:pt modelId="{7EE05FEA-E059-4867-B262-02C2113376CA}" type="parTrans" cxnId="{BDFA648C-BB03-481B-B405-A21FF6D9B996}">
-      <dgm:prSet/>
-      <dgm:spPr/>
-      <dgm:t>
-        <a:bodyPr/>
-        <a:lstStyle/>
-        <a:p>
-          <a:endParaRPr lang="zh-CN" altLang="en-US"/>
-        </a:p>
-      </dgm:t>
-    </dgm:pt>
-    <dgm:pt modelId="{16FBD699-3824-4112-9146-B9DC17AF5228}" type="sibTrans" cxnId="{BDFA648C-BB03-481B-B405-A21FF6D9B996}">
-      <dgm:prSet/>
-      <dgm:spPr/>
-      <dgm:t>
-        <a:bodyPr/>
-        <a:lstStyle/>
-        <a:p>
-          <a:endParaRPr lang="zh-CN" altLang="en-US"/>
-        </a:p>
-      </dgm:t>
-    </dgm:pt>
     <dgm:pt modelId="{0F7F084F-D0A6-4EE6-9C6A-89A683CD8091}">
       <dgm:prSet phldrT="[文本]"/>
       <dgm:spPr/>
@@ -998,7 +960,7 @@
         <a:p>
           <a:r>
             <a:rPr lang="zh-CN" altLang="en-US" dirty="0" smtClean="0"/>
-            <a:t>关联分析介绍</a:t>
+            <a:t>券的说明</a:t>
           </a:r>
           <a:endParaRPr lang="zh-CN" altLang="en-US" dirty="0"/>
         </a:p>
@@ -1052,7 +1014,7 @@
       <dgm:spPr/>
     </dgm:pt>
     <dgm:pt modelId="{D65A9297-9415-4134-90C2-75B8B5DBBE3A}" type="pres">
-      <dgm:prSet presAssocID="{FAB1057F-1E23-4D6F-9B46-8AFDBAD2D653}" presName="srcNode" presStyleLbl="node1" presStyleIdx="0" presStyleCnt="4"/>
+      <dgm:prSet presAssocID="{FAB1057F-1E23-4D6F-9B46-8AFDBAD2D653}" presName="srcNode" presStyleLbl="node1" presStyleIdx="0" presStyleCnt="3"/>
       <dgm:spPr/>
     </dgm:pt>
     <dgm:pt modelId="{ADE8B486-37B3-4627-9C1D-988A9EB0AB71}" type="pres">
@@ -1067,15 +1029,15 @@
       </dgm:t>
     </dgm:pt>
     <dgm:pt modelId="{47F859DB-0B61-4424-A5C0-C15607446BE1}" type="pres">
-      <dgm:prSet presAssocID="{FAB1057F-1E23-4D6F-9B46-8AFDBAD2D653}" presName="extraNode" presStyleLbl="node1" presStyleIdx="0" presStyleCnt="4"/>
+      <dgm:prSet presAssocID="{FAB1057F-1E23-4D6F-9B46-8AFDBAD2D653}" presName="extraNode" presStyleLbl="node1" presStyleIdx="0" presStyleCnt="3"/>
       <dgm:spPr/>
     </dgm:pt>
     <dgm:pt modelId="{15B5D2D1-102B-4CC9-A702-429DAF779602}" type="pres">
-      <dgm:prSet presAssocID="{FAB1057F-1E23-4D6F-9B46-8AFDBAD2D653}" presName="dstNode" presStyleLbl="node1" presStyleIdx="0" presStyleCnt="4"/>
+      <dgm:prSet presAssocID="{FAB1057F-1E23-4D6F-9B46-8AFDBAD2D653}" presName="dstNode" presStyleLbl="node1" presStyleIdx="0" presStyleCnt="3"/>
       <dgm:spPr/>
     </dgm:pt>
     <dgm:pt modelId="{C3DEFA39-A364-4D3F-AB85-BA5C0DB7045A}" type="pres">
-      <dgm:prSet presAssocID="{0F7F084F-D0A6-4EE6-9C6A-89A683CD8091}" presName="text_1" presStyleLbl="node1" presStyleIdx="0" presStyleCnt="4">
+      <dgm:prSet presAssocID="{0F7F084F-D0A6-4EE6-9C6A-89A683CD8091}" presName="text_1" presStyleLbl="node1" presStyleIdx="0" presStyleCnt="3">
         <dgm:presLayoutVars>
           <dgm:bulletEnabled val="1"/>
         </dgm:presLayoutVars>
@@ -1094,11 +1056,11 @@
       <dgm:spPr/>
     </dgm:pt>
     <dgm:pt modelId="{143CE96C-2FCE-4BB8-A82E-460679A7B0FA}" type="pres">
-      <dgm:prSet presAssocID="{0F7F084F-D0A6-4EE6-9C6A-89A683CD8091}" presName="accentRepeatNode" presStyleLbl="solidFgAcc1" presStyleIdx="0" presStyleCnt="4"/>
+      <dgm:prSet presAssocID="{0F7F084F-D0A6-4EE6-9C6A-89A683CD8091}" presName="accentRepeatNode" presStyleLbl="solidFgAcc1" presStyleIdx="0" presStyleCnt="3"/>
       <dgm:spPr/>
     </dgm:pt>
     <dgm:pt modelId="{F27487A8-5B3A-447E-9CAE-8A5167DDA027}" type="pres">
-      <dgm:prSet presAssocID="{3E6F915B-86C9-48D4-B217-94AA03B2143E}" presName="text_2" presStyleLbl="node1" presStyleIdx="1" presStyleCnt="4">
+      <dgm:prSet presAssocID="{3E6F915B-86C9-48D4-B217-94AA03B2143E}" presName="text_2" presStyleLbl="node1" presStyleIdx="1" presStyleCnt="3">
         <dgm:presLayoutVars>
           <dgm:bulletEnabled val="1"/>
         </dgm:presLayoutVars>
@@ -1117,11 +1079,11 @@
       <dgm:spPr/>
     </dgm:pt>
     <dgm:pt modelId="{AAC2C797-70A2-465D-AD38-01F226FB1A3D}" type="pres">
-      <dgm:prSet presAssocID="{3E6F915B-86C9-48D4-B217-94AA03B2143E}" presName="accentRepeatNode" presStyleLbl="solidFgAcc1" presStyleIdx="1" presStyleCnt="4"/>
+      <dgm:prSet presAssocID="{3E6F915B-86C9-48D4-B217-94AA03B2143E}" presName="accentRepeatNode" presStyleLbl="solidFgAcc1" presStyleIdx="1" presStyleCnt="3"/>
       <dgm:spPr/>
     </dgm:pt>
     <dgm:pt modelId="{B905C6FB-27DE-4F54-A83B-4E8B02F1BBB6}" type="pres">
-      <dgm:prSet presAssocID="{C236B15B-3641-4B04-A4FC-B69CBBB32D0E}" presName="text_3" presStyleLbl="node1" presStyleIdx="2" presStyleCnt="4">
+      <dgm:prSet presAssocID="{C236B15B-3641-4B04-A4FC-B69CBBB32D0E}" presName="text_3" presStyleLbl="node1" presStyleIdx="2" presStyleCnt="3">
         <dgm:presLayoutVars>
           <dgm:bulletEnabled val="1"/>
         </dgm:presLayoutVars>
@@ -1140,44 +1102,19 @@
       <dgm:spPr/>
     </dgm:pt>
     <dgm:pt modelId="{0FDFAB1B-38CA-42DE-9797-FECF5870B0BC}" type="pres">
-      <dgm:prSet presAssocID="{C236B15B-3641-4B04-A4FC-B69CBBB32D0E}" presName="accentRepeatNode" presStyleLbl="solidFgAcc1" presStyleIdx="2" presStyleCnt="4"/>
-      <dgm:spPr/>
-    </dgm:pt>
-    <dgm:pt modelId="{DF95F39A-C926-4BC1-9382-3C937C29D15F}" type="pres">
-      <dgm:prSet presAssocID="{E799A64E-C038-411A-BE76-B53A75A170AE}" presName="text_4" presStyleLbl="node1" presStyleIdx="3" presStyleCnt="4">
-        <dgm:presLayoutVars>
-          <dgm:bulletEnabled val="1"/>
-        </dgm:presLayoutVars>
-      </dgm:prSet>
-      <dgm:spPr/>
-      <dgm:t>
-        <a:bodyPr/>
-        <a:lstStyle/>
-        <a:p>
-          <a:endParaRPr lang="zh-CN" altLang="en-US"/>
-        </a:p>
-      </dgm:t>
-    </dgm:pt>
-    <dgm:pt modelId="{E6CA84C4-BDED-4A93-A76C-D76A302365B3}" type="pres">
-      <dgm:prSet presAssocID="{E799A64E-C038-411A-BE76-B53A75A170AE}" presName="accent_4" presStyleCnt="0"/>
-      <dgm:spPr/>
-    </dgm:pt>
-    <dgm:pt modelId="{8EE72BC1-0F74-446F-B92A-C25A46FB65F3}" type="pres">
-      <dgm:prSet presAssocID="{E799A64E-C038-411A-BE76-B53A75A170AE}" presName="accentRepeatNode" presStyleLbl="solidFgAcc1" presStyleIdx="3" presStyleCnt="4"/>
+      <dgm:prSet presAssocID="{C236B15B-3641-4B04-A4FC-B69CBBB32D0E}" presName="accentRepeatNode" presStyleLbl="solidFgAcc1" presStyleIdx="2" presStyleCnt="3"/>
       <dgm:spPr/>
     </dgm:pt>
   </dgm:ptLst>
   <dgm:cxnLst>
+    <dgm:cxn modelId="{C2B51373-EF64-47BD-8AAD-EF3F4F5B48F5}" type="presOf" srcId="{0438D6DC-2486-467D-B38D-09CF37F530DF}" destId="{ADE8B486-37B3-4627-9C1D-988A9EB0AB71}" srcOrd="0" destOrd="0" presId="urn:microsoft.com/office/officeart/2008/layout/VerticalCurvedList"/>
     <dgm:cxn modelId="{2B4B1132-FD23-4B35-AAC9-A15F96B1A1E7}" srcId="{FAB1057F-1E23-4D6F-9B46-8AFDBAD2D653}" destId="{C236B15B-3641-4B04-A4FC-B69CBBB32D0E}" srcOrd="2" destOrd="0" parTransId="{6F9EA3C3-2580-4D5C-8A79-C0563E0283F0}" sibTransId="{22DE0433-A961-4E08-892D-32E1F02523AA}"/>
     <dgm:cxn modelId="{C8516BE3-BB49-4B4A-A26C-FEEEE8F19D12}" type="presOf" srcId="{3E6F915B-86C9-48D4-B217-94AA03B2143E}" destId="{F27487A8-5B3A-447E-9CAE-8A5167DDA027}" srcOrd="0" destOrd="0" presId="urn:microsoft.com/office/officeart/2008/layout/VerticalCurvedList"/>
+    <dgm:cxn modelId="{D9806B6C-D8E9-4BB9-B85D-C270E4570CE3}" srcId="{FAB1057F-1E23-4D6F-9B46-8AFDBAD2D653}" destId="{0F7F084F-D0A6-4EE6-9C6A-89A683CD8091}" srcOrd="0" destOrd="0" parTransId="{90D6EF8A-A0D0-4A79-9FA7-9219A53B2E88}" sibTransId="{0438D6DC-2486-467D-B38D-09CF37F530DF}"/>
+    <dgm:cxn modelId="{8345D659-6404-4FE1-867F-9C75CC3FB694}" type="presOf" srcId="{0F7F084F-D0A6-4EE6-9C6A-89A683CD8091}" destId="{C3DEFA39-A364-4D3F-AB85-BA5C0DB7045A}" srcOrd="0" destOrd="0" presId="urn:microsoft.com/office/officeart/2008/layout/VerticalCurvedList"/>
+    <dgm:cxn modelId="{C646F17A-75F0-4BB6-AA05-607F69D1C942}" type="presOf" srcId="{C236B15B-3641-4B04-A4FC-B69CBBB32D0E}" destId="{B905C6FB-27DE-4F54-A83B-4E8B02F1BBB6}" srcOrd="0" destOrd="0" presId="urn:microsoft.com/office/officeart/2008/layout/VerticalCurvedList"/>
+    <dgm:cxn modelId="{D58481ED-5F61-4594-AE8B-829F9B8CA83C}" type="presOf" srcId="{FAB1057F-1E23-4D6F-9B46-8AFDBAD2D653}" destId="{38CCFEB1-18A9-49DE-A3B8-F879A9D2C31F}" srcOrd="0" destOrd="0" presId="urn:microsoft.com/office/officeart/2008/layout/VerticalCurvedList"/>
     <dgm:cxn modelId="{F9573E21-1561-4C51-8BB7-BC783D07D96A}" srcId="{FAB1057F-1E23-4D6F-9B46-8AFDBAD2D653}" destId="{3E6F915B-86C9-48D4-B217-94AA03B2143E}" srcOrd="1" destOrd="0" parTransId="{0A749D68-BC92-4F69-9FC4-EA90566A5EF7}" sibTransId="{50BF4BFA-2B12-442A-9CC6-AD0693D7B115}"/>
-    <dgm:cxn modelId="{BDFA648C-BB03-481B-B405-A21FF6D9B996}" srcId="{FAB1057F-1E23-4D6F-9B46-8AFDBAD2D653}" destId="{E799A64E-C038-411A-BE76-B53A75A170AE}" srcOrd="3" destOrd="0" parTransId="{7EE05FEA-E059-4867-B262-02C2113376CA}" sibTransId="{16FBD699-3824-4112-9146-B9DC17AF5228}"/>
-    <dgm:cxn modelId="{D58481ED-5F61-4594-AE8B-829F9B8CA83C}" type="presOf" srcId="{FAB1057F-1E23-4D6F-9B46-8AFDBAD2D653}" destId="{38CCFEB1-18A9-49DE-A3B8-F879A9D2C31F}" srcOrd="0" destOrd="0" presId="urn:microsoft.com/office/officeart/2008/layout/VerticalCurvedList"/>
-    <dgm:cxn modelId="{2305BFF6-2C8D-402F-B96F-C13A2F8BB49F}" type="presOf" srcId="{E799A64E-C038-411A-BE76-B53A75A170AE}" destId="{DF95F39A-C926-4BC1-9382-3C937C29D15F}" srcOrd="0" destOrd="0" presId="urn:microsoft.com/office/officeart/2008/layout/VerticalCurvedList"/>
-    <dgm:cxn modelId="{C2B51373-EF64-47BD-8AAD-EF3F4F5B48F5}" type="presOf" srcId="{0438D6DC-2486-467D-B38D-09CF37F530DF}" destId="{ADE8B486-37B3-4627-9C1D-988A9EB0AB71}" srcOrd="0" destOrd="0" presId="urn:microsoft.com/office/officeart/2008/layout/VerticalCurvedList"/>
-    <dgm:cxn modelId="{D9806B6C-D8E9-4BB9-B85D-C270E4570CE3}" srcId="{FAB1057F-1E23-4D6F-9B46-8AFDBAD2D653}" destId="{0F7F084F-D0A6-4EE6-9C6A-89A683CD8091}" srcOrd="0" destOrd="0" parTransId="{90D6EF8A-A0D0-4A79-9FA7-9219A53B2E88}" sibTransId="{0438D6DC-2486-467D-B38D-09CF37F530DF}"/>
-    <dgm:cxn modelId="{C646F17A-75F0-4BB6-AA05-607F69D1C942}" type="presOf" srcId="{C236B15B-3641-4B04-A4FC-B69CBBB32D0E}" destId="{B905C6FB-27DE-4F54-A83B-4E8B02F1BBB6}" srcOrd="0" destOrd="0" presId="urn:microsoft.com/office/officeart/2008/layout/VerticalCurvedList"/>
-    <dgm:cxn modelId="{8345D659-6404-4FE1-867F-9C75CC3FB694}" type="presOf" srcId="{0F7F084F-D0A6-4EE6-9C6A-89A683CD8091}" destId="{C3DEFA39-A364-4D3F-AB85-BA5C0DB7045A}" srcOrd="0" destOrd="0" presId="urn:microsoft.com/office/officeart/2008/layout/VerticalCurvedList"/>
     <dgm:cxn modelId="{CFDB7B06-B937-49DD-9050-287BD82BEBBB}" type="presParOf" srcId="{38CCFEB1-18A9-49DE-A3B8-F879A9D2C31F}" destId="{90FF4EFD-CD0F-4475-A484-6676F69F2ADE}" srcOrd="0" destOrd="0" presId="urn:microsoft.com/office/officeart/2008/layout/VerticalCurvedList"/>
     <dgm:cxn modelId="{888AB50F-DD63-4B0D-9AC8-98802A675B58}" type="presParOf" srcId="{90FF4EFD-CD0F-4475-A484-6676F69F2ADE}" destId="{540F49D4-F4F3-4F72-BAE1-D23F15D20CE6}" srcOrd="0" destOrd="0" presId="urn:microsoft.com/office/officeart/2008/layout/VerticalCurvedList"/>
     <dgm:cxn modelId="{80FCBFBB-0056-4A6C-9089-C63F9AEBD859}" type="presParOf" srcId="{540F49D4-F4F3-4F72-BAE1-D23F15D20CE6}" destId="{D65A9297-9415-4134-90C2-75B8B5DBBE3A}" srcOrd="0" destOrd="0" presId="urn:microsoft.com/office/officeart/2008/layout/VerticalCurvedList"/>
@@ -1193,9 +1130,6 @@
     <dgm:cxn modelId="{DFB87260-CB5E-42DA-A44C-462D59131DCB}" type="presParOf" srcId="{90FF4EFD-CD0F-4475-A484-6676F69F2ADE}" destId="{B905C6FB-27DE-4F54-A83B-4E8B02F1BBB6}" srcOrd="5" destOrd="0" presId="urn:microsoft.com/office/officeart/2008/layout/VerticalCurvedList"/>
     <dgm:cxn modelId="{F9F3C0C5-94F2-4209-8F92-498970AA7FB7}" type="presParOf" srcId="{90FF4EFD-CD0F-4475-A484-6676F69F2ADE}" destId="{CFC6058D-E76A-4946-83D0-01891BE9E942}" srcOrd="6" destOrd="0" presId="urn:microsoft.com/office/officeart/2008/layout/VerticalCurvedList"/>
     <dgm:cxn modelId="{E1B30739-A348-4C03-96DC-E22F6F7FAB45}" type="presParOf" srcId="{CFC6058D-E76A-4946-83D0-01891BE9E942}" destId="{0FDFAB1B-38CA-42DE-9797-FECF5870B0BC}" srcOrd="0" destOrd="0" presId="urn:microsoft.com/office/officeart/2008/layout/VerticalCurvedList"/>
-    <dgm:cxn modelId="{4A24A4B3-E1E5-43E1-B198-05C4D1AAE60C}" type="presParOf" srcId="{90FF4EFD-CD0F-4475-A484-6676F69F2ADE}" destId="{DF95F39A-C926-4BC1-9382-3C937C29D15F}" srcOrd="7" destOrd="0" presId="urn:microsoft.com/office/officeart/2008/layout/VerticalCurvedList"/>
-    <dgm:cxn modelId="{82A139AA-7960-4401-AB35-227BADEF5282}" type="presParOf" srcId="{90FF4EFD-CD0F-4475-A484-6676F69F2ADE}" destId="{E6CA84C4-BDED-4A93-A76C-D76A302365B3}" srcOrd="8" destOrd="0" presId="urn:microsoft.com/office/officeart/2008/layout/VerticalCurvedList"/>
-    <dgm:cxn modelId="{37E75B28-91A5-41F1-BDE5-91A8FB849F83}" type="presParOf" srcId="{E6CA84C4-BDED-4A93-A76C-D76A302365B3}" destId="{8EE72BC1-0F74-446F-B92A-C25A46FB65F3}" srcOrd="0" destOrd="0" presId="urn:microsoft.com/office/officeart/2008/layout/VerticalCurvedList"/>
   </dgm:cxnLst>
   <dgm:bg/>
   <dgm:whole/>
@@ -1268,8 +1202,8 @@
       </dsp:nvSpPr>
       <dsp:spPr>
         <a:xfrm>
-          <a:off x="492024" y="334530"/>
-          <a:ext cx="9963850" cy="669409"/>
+          <a:off x="604289" y="435133"/>
+          <a:ext cx="9851585" cy="870267"/>
         </a:xfrm>
         <a:prstGeom prst="rect">
           <a:avLst/>
@@ -1311,12 +1245,12 @@
         </a:fontRef>
       </dsp:style>
       <dsp:txBody>
-        <a:bodyPr spcFirstLastPara="0" vert="horz" wrap="square" lIns="531344" tIns="83820" rIns="83820" bIns="83820" numCol="1" spcCol="1270" anchor="ctr" anchorCtr="0">
+        <a:bodyPr spcFirstLastPara="0" vert="horz" wrap="square" lIns="690775" tIns="109220" rIns="109220" bIns="109220" numCol="1" spcCol="1270" anchor="ctr" anchorCtr="0">
           <a:noAutofit/>
         </a:bodyPr>
         <a:lstStyle/>
         <a:p>
-          <a:pPr lvl="0" algn="l" defTabSz="1466850">
+          <a:pPr lvl="0" algn="l" defTabSz="1911350">
             <a:lnSpc>
               <a:spcPct val="90000"/>
             </a:lnSpc>
@@ -1328,15 +1262,15 @@
             </a:spcAft>
           </a:pPr>
           <a:r>
-            <a:rPr lang="zh-CN" altLang="en-US" sz="3300" kern="1200" dirty="0" smtClean="0"/>
-            <a:t>关联分析介绍</a:t>
+            <a:rPr lang="zh-CN" altLang="en-US" sz="4300" kern="1200" dirty="0" smtClean="0"/>
+            <a:t>券的说明</a:t>
           </a:r>
-          <a:endParaRPr lang="zh-CN" altLang="en-US" sz="3300" kern="1200" dirty="0"/>
+          <a:endParaRPr lang="zh-CN" altLang="en-US" sz="4300" kern="1200" dirty="0"/>
         </a:p>
       </dsp:txBody>
       <dsp:txXfrm>
-        <a:off x="492024" y="334530"/>
-        <a:ext cx="9963850" cy="669409"/>
+        <a:off x="604289" y="435133"/>
+        <a:ext cx="9851585" cy="870267"/>
       </dsp:txXfrm>
     </dsp:sp>
     <dsp:sp modelId="{143CE96C-2FCE-4BB8-A82E-460679A7B0FA}">
@@ -1346,8 +1280,8 @@
       </dsp:nvSpPr>
       <dsp:spPr>
         <a:xfrm>
-          <a:off x="73643" y="250854"/>
-          <a:ext cx="836762" cy="836762"/>
+          <a:off x="60372" y="326350"/>
+          <a:ext cx="1087834" cy="1087834"/>
         </a:xfrm>
         <a:prstGeom prst="ellipse">
           <a:avLst/>
@@ -1394,8 +1328,8 @@
       </dsp:nvSpPr>
       <dsp:spPr>
         <a:xfrm>
-          <a:off x="875812" y="1338819"/>
-          <a:ext cx="9580062" cy="669409"/>
+          <a:off x="920631" y="1740535"/>
+          <a:ext cx="9535243" cy="870267"/>
         </a:xfrm>
         <a:prstGeom prst="rect">
           <a:avLst/>
@@ -1437,12 +1371,12 @@
         </a:fontRef>
       </dsp:style>
       <dsp:txBody>
-        <a:bodyPr spcFirstLastPara="0" vert="horz" wrap="square" lIns="531344" tIns="83820" rIns="83820" bIns="83820" numCol="1" spcCol="1270" anchor="ctr" anchorCtr="0">
+        <a:bodyPr spcFirstLastPara="0" vert="horz" wrap="square" lIns="690775" tIns="109220" rIns="109220" bIns="109220" numCol="1" spcCol="1270" anchor="ctr" anchorCtr="0">
           <a:noAutofit/>
         </a:bodyPr>
         <a:lstStyle/>
         <a:p>
-          <a:pPr lvl="0" algn="l" defTabSz="1466850">
+          <a:pPr lvl="0" algn="l" defTabSz="1911350">
             <a:lnSpc>
               <a:spcPct val="90000"/>
             </a:lnSpc>
@@ -1454,15 +1388,15 @@
             </a:spcAft>
           </a:pPr>
           <a:r>
-            <a:rPr lang="zh-CN" altLang="en-US" sz="3300" kern="1200" dirty="0" smtClean="0"/>
-            <a:t>报表简介</a:t>
+            <a:rPr lang="zh-CN" altLang="en-US" sz="4300" kern="1200" dirty="0" smtClean="0"/>
+            <a:t>新增事实定义说明</a:t>
           </a:r>
-          <a:endParaRPr lang="zh-CN" altLang="en-US" sz="3300" kern="1200" dirty="0"/>
+          <a:endParaRPr lang="zh-CN" altLang="en-US" sz="4300" kern="1200" dirty="0"/>
         </a:p>
       </dsp:txBody>
       <dsp:txXfrm>
-        <a:off x="875812" y="1338819"/>
-        <a:ext cx="9580062" cy="669409"/>
+        <a:off x="920631" y="1740535"/>
+        <a:ext cx="9535243" cy="870267"/>
       </dsp:txXfrm>
     </dsp:sp>
     <dsp:sp modelId="{AAC2C797-70A2-465D-AD38-01F226FB1A3D}">
@@ -1472,8 +1406,8 @@
       </dsp:nvSpPr>
       <dsp:spPr>
         <a:xfrm>
-          <a:off x="457431" y="1255143"/>
-          <a:ext cx="836762" cy="836762"/>
+          <a:off x="376714" y="1631751"/>
+          <a:ext cx="1087834" cy="1087834"/>
         </a:xfrm>
         <a:prstGeom prst="ellipse">
           <a:avLst/>
@@ -1520,8 +1454,8 @@
       </dsp:nvSpPr>
       <dsp:spPr>
         <a:xfrm>
-          <a:off x="875812" y="2343108"/>
-          <a:ext cx="9580062" cy="669409"/>
+          <a:off x="604289" y="3045936"/>
+          <a:ext cx="9851585" cy="870267"/>
         </a:xfrm>
         <a:prstGeom prst="rect">
           <a:avLst/>
@@ -1563,12 +1497,12 @@
         </a:fontRef>
       </dsp:style>
       <dsp:txBody>
-        <a:bodyPr spcFirstLastPara="0" vert="horz" wrap="square" lIns="531344" tIns="83820" rIns="83820" bIns="83820" numCol="1" spcCol="1270" anchor="ctr" anchorCtr="0">
+        <a:bodyPr spcFirstLastPara="0" vert="horz" wrap="square" lIns="690775" tIns="109220" rIns="109220" bIns="109220" numCol="1" spcCol="1270" anchor="ctr" anchorCtr="0">
           <a:noAutofit/>
         </a:bodyPr>
         <a:lstStyle/>
         <a:p>
-          <a:pPr lvl="0" algn="l" defTabSz="1466850">
+          <a:pPr lvl="0" algn="l" defTabSz="1911350">
             <a:lnSpc>
               <a:spcPct val="90000"/>
             </a:lnSpc>
@@ -1580,15 +1514,15 @@
             </a:spcAft>
           </a:pPr>
           <a:r>
-            <a:rPr lang="zh-CN" altLang="en-US" sz="3300" kern="1200" dirty="0" smtClean="0"/>
-            <a:t>事实定义说明</a:t>
+            <a:rPr lang="zh-CN" altLang="en-US" sz="4300" kern="1200" dirty="0" smtClean="0"/>
+            <a:t>注意要点</a:t>
           </a:r>
-          <a:endParaRPr lang="zh-CN" altLang="en-US" sz="3300" kern="1200" dirty="0"/>
+          <a:endParaRPr lang="zh-CN" altLang="en-US" sz="4300" kern="1200" dirty="0"/>
         </a:p>
       </dsp:txBody>
       <dsp:txXfrm>
-        <a:off x="875812" y="2343108"/>
-        <a:ext cx="9580062" cy="669409"/>
+        <a:off x="604289" y="3045936"/>
+        <a:ext cx="9851585" cy="870267"/>
       </dsp:txXfrm>
     </dsp:sp>
     <dsp:sp modelId="{0FDFAB1B-38CA-42DE-9797-FECF5870B0BC}">
@@ -1598,134 +1532,8 @@
       </dsp:nvSpPr>
       <dsp:spPr>
         <a:xfrm>
-          <a:off x="457431" y="2259432"/>
-          <a:ext cx="836762" cy="836762"/>
-        </a:xfrm>
-        <a:prstGeom prst="ellipse">
-          <a:avLst/>
-        </a:prstGeom>
-        <a:solidFill>
-          <a:schemeClr val="lt1">
-            <a:hueOff val="0"/>
-            <a:satOff val="0"/>
-            <a:lumOff val="0"/>
-            <a:alphaOff val="0"/>
-          </a:schemeClr>
-        </a:solidFill>
-        <a:ln w="12700" cap="flat" cmpd="sng" algn="ctr">
-          <a:solidFill>
-            <a:schemeClr val="accent1">
-              <a:hueOff val="0"/>
-              <a:satOff val="0"/>
-              <a:lumOff val="0"/>
-              <a:alphaOff val="0"/>
-            </a:schemeClr>
-          </a:solidFill>
-          <a:prstDash val="solid"/>
-          <a:miter lim="800000"/>
-        </a:ln>
-        <a:effectLst/>
-      </dsp:spPr>
-      <dsp:style>
-        <a:lnRef idx="2">
-          <a:scrgbClr r="0" g="0" b="0"/>
-        </a:lnRef>
-        <a:fillRef idx="1">
-          <a:scrgbClr r="0" g="0" b="0"/>
-        </a:fillRef>
-        <a:effectRef idx="0">
-          <a:scrgbClr r="0" g="0" b="0"/>
-        </a:effectRef>
-        <a:fontRef idx="minor"/>
-      </dsp:style>
-    </dsp:sp>
-    <dsp:sp modelId="{DF95F39A-C926-4BC1-9382-3C937C29D15F}">
-      <dsp:nvSpPr>
-        <dsp:cNvPr id="0" name=""/>
-        <dsp:cNvSpPr/>
-      </dsp:nvSpPr>
-      <dsp:spPr>
-        <a:xfrm>
-          <a:off x="492024" y="3347397"/>
-          <a:ext cx="9963850" cy="669409"/>
-        </a:xfrm>
-        <a:prstGeom prst="rect">
-          <a:avLst/>
-        </a:prstGeom>
-        <a:solidFill>
-          <a:schemeClr val="accent1">
-            <a:hueOff val="0"/>
-            <a:satOff val="0"/>
-            <a:lumOff val="0"/>
-            <a:alphaOff val="0"/>
-          </a:schemeClr>
-        </a:solidFill>
-        <a:ln w="12700" cap="flat" cmpd="sng" algn="ctr">
-          <a:solidFill>
-            <a:schemeClr val="lt1">
-              <a:hueOff val="0"/>
-              <a:satOff val="0"/>
-              <a:lumOff val="0"/>
-              <a:alphaOff val="0"/>
-            </a:schemeClr>
-          </a:solidFill>
-          <a:prstDash val="solid"/>
-          <a:miter lim="800000"/>
-        </a:ln>
-        <a:effectLst/>
-      </dsp:spPr>
-      <dsp:style>
-        <a:lnRef idx="2">
-          <a:scrgbClr r="0" g="0" b="0"/>
-        </a:lnRef>
-        <a:fillRef idx="1">
-          <a:scrgbClr r="0" g="0" b="0"/>
-        </a:fillRef>
-        <a:effectRef idx="0">
-          <a:scrgbClr r="0" g="0" b="0"/>
-        </a:effectRef>
-        <a:fontRef idx="minor">
-          <a:schemeClr val="lt1"/>
-        </a:fontRef>
-      </dsp:style>
-      <dsp:txBody>
-        <a:bodyPr spcFirstLastPara="0" vert="horz" wrap="square" lIns="531344" tIns="83820" rIns="83820" bIns="83820" numCol="1" spcCol="1270" anchor="ctr" anchorCtr="0">
-          <a:noAutofit/>
-        </a:bodyPr>
-        <a:lstStyle/>
-        <a:p>
-          <a:pPr lvl="0" algn="l" defTabSz="1466850">
-            <a:lnSpc>
-              <a:spcPct val="90000"/>
-            </a:lnSpc>
-            <a:spcBef>
-              <a:spcPct val="0"/>
-            </a:spcBef>
-            <a:spcAft>
-              <a:spcPct val="35000"/>
-            </a:spcAft>
-          </a:pPr>
-          <a:r>
-            <a:rPr lang="zh-CN" altLang="en-US" sz="3300" kern="1200" dirty="0" smtClean="0"/>
-            <a:t>注意要点</a:t>
-          </a:r>
-          <a:endParaRPr lang="zh-CN" altLang="en-US" sz="3300" kern="1200" dirty="0"/>
-        </a:p>
-      </dsp:txBody>
-      <dsp:txXfrm>
-        <a:off x="492024" y="3347397"/>
-        <a:ext cx="9963850" cy="669409"/>
-      </dsp:txXfrm>
-    </dsp:sp>
-    <dsp:sp modelId="{8EE72BC1-0F74-446F-B92A-C25A46FB65F3}">
-      <dsp:nvSpPr>
-        <dsp:cNvPr id="0" name=""/>
-        <dsp:cNvSpPr/>
-      </dsp:nvSpPr>
-      <dsp:spPr>
-        <a:xfrm>
-          <a:off x="73643" y="3263721"/>
-          <a:ext cx="836762" cy="836762"/>
+          <a:off x="60372" y="2937153"/>
+          <a:ext cx="1087834" cy="1087834"/>
         </a:xfrm>
         <a:prstGeom prst="ellipse">
           <a:avLst/>
@@ -4213,7 +4021,7 @@
             <a:fld id="{014075B8-264E-42B7-83FA-7B22850D1ED0}" type="datetimeFigureOut">
               <a:rPr lang="zh-CN" altLang="en-US" smtClean="0"/>
               <a:pPr/>
-              <a:t>2016/8/24</a:t>
+              <a:t>2016/8/25</a:t>
             </a:fld>
             <a:endParaRPr lang="zh-CN" altLang="en-US"/>
           </a:p>
@@ -4392,7 +4200,7 @@
             <a:fld id="{014075B8-264E-42B7-83FA-7B22850D1ED0}" type="datetimeFigureOut">
               <a:rPr lang="zh-CN" altLang="en-US" smtClean="0"/>
               <a:pPr/>
-              <a:t>2016/8/24</a:t>
+              <a:t>2016/8/25</a:t>
             </a:fld>
             <a:endParaRPr lang="zh-CN" altLang="en-US"/>
           </a:p>
@@ -4574,7 +4382,7 @@
             <a:fld id="{014075B8-264E-42B7-83FA-7B22850D1ED0}" type="datetimeFigureOut">
               <a:rPr lang="zh-CN" altLang="en-US" smtClean="0"/>
               <a:pPr/>
-              <a:t>2016/8/24</a:t>
+              <a:t>2016/8/25</a:t>
             </a:fld>
             <a:endParaRPr lang="zh-CN" altLang="en-US"/>
           </a:p>
@@ -4756,7 +4564,7 @@
             <a:fld id="{014075B8-264E-42B7-83FA-7B22850D1ED0}" type="datetimeFigureOut">
               <a:rPr lang="zh-CN" altLang="en-US" smtClean="0"/>
               <a:pPr/>
-              <a:t>2016/8/24</a:t>
+              <a:t>2016/8/25</a:t>
             </a:fld>
             <a:endParaRPr lang="zh-CN" altLang="en-US"/>
           </a:p>
@@ -5011,7 +4819,7 @@
             <a:fld id="{014075B8-264E-42B7-83FA-7B22850D1ED0}" type="datetimeFigureOut">
               <a:rPr lang="zh-CN" altLang="en-US" smtClean="0"/>
               <a:pPr/>
-              <a:t>2016/8/24</a:t>
+              <a:t>2016/8/25</a:t>
             </a:fld>
             <a:endParaRPr lang="zh-CN" altLang="en-US"/>
           </a:p>
@@ -5252,7 +5060,7 @@
             <a:fld id="{014075B8-264E-42B7-83FA-7B22850D1ED0}" type="datetimeFigureOut">
               <a:rPr lang="zh-CN" altLang="en-US" smtClean="0"/>
               <a:pPr/>
-              <a:t>2016/8/24</a:t>
+              <a:t>2016/8/25</a:t>
             </a:fld>
             <a:endParaRPr lang="zh-CN" altLang="en-US"/>
           </a:p>
@@ -5628,7 +5436,7 @@
             <a:fld id="{014075B8-264E-42B7-83FA-7B22850D1ED0}" type="datetimeFigureOut">
               <a:rPr lang="zh-CN" altLang="en-US" smtClean="0"/>
               <a:pPr/>
-              <a:t>2016/8/24</a:t>
+              <a:t>2016/8/25</a:t>
             </a:fld>
             <a:endParaRPr lang="zh-CN" altLang="en-US"/>
           </a:p>
@@ -5755,7 +5563,7 @@
             <a:fld id="{014075B8-264E-42B7-83FA-7B22850D1ED0}" type="datetimeFigureOut">
               <a:rPr lang="zh-CN" altLang="en-US" smtClean="0"/>
               <a:pPr/>
-              <a:t>2016/8/24</a:t>
+              <a:t>2016/8/25</a:t>
             </a:fld>
             <a:endParaRPr lang="zh-CN" altLang="en-US"/>
           </a:p>
@@ -5859,7 +5667,7 @@
             <a:fld id="{014075B8-264E-42B7-83FA-7B22850D1ED0}" type="datetimeFigureOut">
               <a:rPr lang="zh-CN" altLang="en-US" smtClean="0"/>
               <a:pPr/>
-              <a:t>2016/8/24</a:t>
+              <a:t>2016/8/25</a:t>
             </a:fld>
             <a:endParaRPr lang="zh-CN" altLang="en-US"/>
           </a:p>
@@ -6138,7 +5946,7 @@
             <a:fld id="{014075B8-264E-42B7-83FA-7B22850D1ED0}" type="datetimeFigureOut">
               <a:rPr lang="zh-CN" altLang="en-US" smtClean="0"/>
               <a:pPr/>
-              <a:t>2016/8/24</a:t>
+              <a:t>2016/8/25</a:t>
             </a:fld>
             <a:endParaRPr lang="zh-CN" altLang="en-US"/>
           </a:p>
@@ -6393,7 +6201,7 @@
             <a:fld id="{014075B8-264E-42B7-83FA-7B22850D1ED0}" type="datetimeFigureOut">
               <a:rPr lang="zh-CN" altLang="en-US" smtClean="0"/>
               <a:pPr/>
-              <a:t>2016/8/24</a:t>
+              <a:t>2016/8/25</a:t>
             </a:fld>
             <a:endParaRPr lang="zh-CN" altLang="en-US"/>
           </a:p>
@@ -6608,7 +6416,7 @@
             <a:fld id="{014075B8-264E-42B7-83FA-7B22850D1ED0}" type="datetimeFigureOut">
               <a:rPr lang="zh-CN" altLang="en-US" smtClean="0"/>
               <a:pPr/>
-              <a:t>2016/8/24</a:t>
+              <a:t>2016/8/25</a:t>
             </a:fld>
             <a:endParaRPr lang="zh-CN" altLang="en-US"/>
           </a:p>
@@ -7333,20 +7141,85 @@
         </p:nvSpPr>
         <p:spPr/>
         <p:txBody>
-          <a:bodyPr/>
+          <a:bodyPr>
+            <a:normAutofit fontScale="92500" lnSpcReduction="10000"/>
+          </a:bodyPr>
           <a:lstStyle/>
           <a:p>
             <a:r>
               <a:rPr lang="zh-CN" altLang="en-US" dirty="0" smtClean="0"/>
-              <a:t>券的</a:t>
+              <a:t>背景</a:t>
             </a:r>
             <a:r>
               <a:rPr lang="zh-CN" altLang="en-US" dirty="0" smtClean="0"/>
-              <a:t>定义</a:t>
+              <a:t>介绍</a:t>
+            </a:r>
+            <a:r>
+              <a:rPr lang="zh-CN" altLang="en-US" dirty="0" smtClean="0"/>
+              <a:t>：</a:t>
+            </a:r>
+            <a:r>
+              <a:rPr lang="en-US" altLang="zh-CN" dirty="0" smtClean="0"/>
+              <a:t/>
+            </a:r>
+            <a:br>
+              <a:rPr lang="en-US" altLang="zh-CN" dirty="0" smtClean="0"/>
+            </a:br>
+            <a:r>
+              <a:rPr lang="zh-CN" altLang="en-US" dirty="0" smtClean="0"/>
+              <a:t>前台</a:t>
+            </a:r>
+            <a:r>
+              <a:rPr lang="en-US" altLang="zh-CN" dirty="0" smtClean="0"/>
+              <a:t>POS</a:t>
+            </a:r>
+            <a:r>
+              <a:rPr lang="zh-CN" altLang="en-US" dirty="0" smtClean="0"/>
+              <a:t>所使用的券由</a:t>
+            </a:r>
+            <a:r>
+              <a:rPr lang="zh-CN" altLang="en-US" dirty="0" smtClean="0">
+                <a:solidFill>
+                  <a:srgbClr val="FF0000"/>
+                </a:solidFill>
+              </a:rPr>
+              <a:t>不分摊到商品</a:t>
+            </a:r>
+            <a:r>
+              <a:rPr lang="zh-CN" altLang="en-US" dirty="0" smtClean="0"/>
+              <a:t>改成可以</a:t>
+            </a:r>
+            <a:r>
+              <a:rPr lang="zh-CN" altLang="en-US" dirty="0" smtClean="0">
+                <a:solidFill>
+                  <a:srgbClr val="FF0000"/>
+                </a:solidFill>
+              </a:rPr>
+              <a:t>分摊到商品</a:t>
+            </a:r>
+            <a:r>
+              <a:rPr lang="zh-CN" altLang="en-US" dirty="0" smtClean="0"/>
+              <a:t>，为了达到业务查询的需求（不含券、含券数据都需要查询），所有</a:t>
+            </a:r>
+            <a:r>
+              <a:rPr lang="en-US" altLang="zh-CN" dirty="0" smtClean="0"/>
+              <a:t>RA</a:t>
+            </a:r>
+            <a:r>
+              <a:rPr lang="zh-CN" altLang="en-US" dirty="0" smtClean="0"/>
+              <a:t>系统增加新的券销售的事实。</a:t>
             </a:r>
             <a:endParaRPr lang="en-US" altLang="zh-CN" dirty="0" smtClean="0"/>
           </a:p>
           <a:p>
+            <a:r>
+              <a:rPr lang="zh-CN" altLang="en-US" dirty="0" smtClean="0"/>
+              <a:t>券</a:t>
+            </a:r>
+            <a:r>
+              <a:rPr lang="zh-CN" altLang="en-US" dirty="0" smtClean="0"/>
+              <a:t>的定义</a:t>
+            </a:r>
             <a:endParaRPr lang="en-US" altLang="zh-CN" dirty="0" smtClean="0"/>
           </a:p>
           <a:p>
@@ -7356,6 +7229,12 @@
             <a:endParaRPr lang="en-US" altLang="zh-CN" dirty="0" smtClean="0"/>
           </a:p>
           <a:p>
+            <a:endParaRPr lang="en-US" altLang="zh-CN" dirty="0" smtClean="0"/>
+          </a:p>
+          <a:p>
+            <a:pPr>
+              <a:buNone/>
+            </a:pPr>
             <a:endParaRPr lang="en-US" altLang="zh-CN" dirty="0" smtClean="0"/>
           </a:p>
           <a:p>
@@ -7389,7 +7268,7 @@
             </a:r>
             <a:r>
               <a:rPr lang="zh-CN" altLang="en-US" dirty="0" smtClean="0"/>
-              <a:t>之后的销售是含券的</a:t>
+              <a:t>（含当天）之后的销售是含券的</a:t>
             </a:r>
             <a:endParaRPr lang="en-US" altLang="zh-CN" dirty="0" smtClean="0"/>
           </a:p>
@@ -7404,8 +7283,8 @@
           <p:nvPr/>
         </p:nvGraphicFramePr>
         <p:xfrm>
-          <a:off x="1346200" y="2076979"/>
-          <a:ext cx="5418666" cy="1483360"/>
+          <a:off x="1314450" y="3257551"/>
+          <a:ext cx="3657601" cy="1674388"/>
         </p:xfrm>
         <a:graphic>
           <a:graphicData uri="http://schemas.openxmlformats.org/drawingml/2006/table">
@@ -7414,10 +7293,10 @@
                 <a:tableStyleId>{5C22544A-7EE6-4342-B048-85BDC9FD1C3A}</a:tableStyleId>
               </a:tblPr>
               <a:tblGrid>
-                <a:gridCol w="2709333"/>
-                <a:gridCol w="2709333"/>
+                <a:gridCol w="1783960"/>
+                <a:gridCol w="1873641"/>
               </a:tblGrid>
-              <a:tr h="370840">
+              <a:tr h="418597">
                 <a:tc>
                   <a:txBody>
                     <a:bodyPr/>
@@ -7447,7 +7326,7 @@
                   <a:tcPr/>
                 </a:tc>
               </a:tr>
-              <a:tr h="370840">
+              <a:tr h="418597">
                 <a:tc>
                   <a:txBody>
                     <a:bodyPr/>
@@ -7468,8 +7347,12 @@
                     <a:lstStyle/>
                     <a:p>
                       <a:r>
+                        <a:rPr lang="en-US" altLang="zh-CN" dirty="0" smtClean="0"/>
+                        <a:t>Siebel</a:t>
+                      </a:r>
+                      <a:r>
                         <a:rPr lang="zh-CN" altLang="en-US" dirty="0" smtClean="0"/>
-                        <a:t>知而行券</a:t>
+                        <a:t>券</a:t>
                       </a:r>
                       <a:endParaRPr lang="zh-CN" altLang="en-US" dirty="0"/>
                     </a:p>
@@ -7477,7 +7360,7 @@
                   <a:tcPr/>
                 </a:tc>
               </a:tr>
-              <a:tr h="370840">
+              <a:tr h="418597">
                 <a:tc>
                   <a:txBody>
                     <a:bodyPr/>
@@ -7499,7 +7382,7 @@
                     <a:p>
                       <a:r>
                         <a:rPr lang="zh-CN" altLang="en-US" dirty="0" smtClean="0"/>
-                        <a:t>厂商券</a:t>
+                        <a:t>自用券</a:t>
                       </a:r>
                       <a:endParaRPr lang="zh-CN" altLang="en-US" dirty="0"/>
                     </a:p>
@@ -7507,7 +7390,7 @@
                   <a:tcPr/>
                 </a:tc>
               </a:tr>
-              <a:tr h="370840">
+              <a:tr h="418597">
                 <a:tc>
                   <a:txBody>
                     <a:bodyPr/>
@@ -7528,12 +7411,8 @@
                     <a:lstStyle/>
                     <a:p>
                       <a:r>
-                        <a:rPr lang="en-US" altLang="zh-CN" dirty="0" smtClean="0"/>
-                        <a:t>Siebel</a:t>
-                      </a:r>
-                      <a:r>
                         <a:rPr lang="zh-CN" altLang="en-US" dirty="0" smtClean="0"/>
-                        <a:t>券</a:t>
+                        <a:t>知而行券</a:t>
                       </a:r>
                       <a:endParaRPr lang="zh-CN" altLang="en-US" dirty="0"/>
                     </a:p>
@@ -7592,50 +7471,3553 @@
             <p:ph type="title"/>
           </p:nvPr>
         </p:nvSpPr>
-        <p:spPr/>
+        <p:spPr>
+          <a:xfrm>
+            <a:off x="604913" y="486181"/>
+            <a:ext cx="10515600" cy="753990"/>
+          </a:xfrm>
+        </p:spPr>
         <p:txBody>
-          <a:bodyPr/>
+          <a:bodyPr>
+            <a:normAutofit/>
+          </a:bodyPr>
           <a:lstStyle/>
           <a:p>
             <a:r>
               <a:rPr lang="zh-CN" altLang="en-US" dirty="0" smtClean="0"/>
-              <a:t>新增券销售事实说明</a:t>
+              <a:t>新增事实</a:t>
+            </a:r>
+            <a:r>
+              <a:rPr lang="zh-CN" altLang="en-US" sz="4000" dirty="0" smtClean="0"/>
+              <a:t>定义</a:t>
+            </a:r>
+            <a:r>
+              <a:rPr lang="zh-CN" altLang="en-US" u="none" strike="noStrike" dirty="0" smtClean="0"/>
+              <a:t>说明</a:t>
             </a:r>
             <a:endParaRPr lang="zh-CN" altLang="en-US" dirty="0"/>
           </a:p>
         </p:txBody>
       </p:sp>
-      <p:sp>
-        <p:nvSpPr>
-          <p:cNvPr id="3" name="内容占位符 2"/>
-          <p:cNvSpPr>
-            <a:spLocks noGrp="1"/>
-          </p:cNvSpPr>
-          <p:nvPr>
-            <p:ph idx="1"/>
-          </p:nvPr>
-        </p:nvSpPr>
-        <p:spPr/>
-        <p:txBody>
-          <a:bodyPr/>
-          <a:lstStyle/>
-          <a:p>
-            <a:pPr marL="514350" indent="-514350">
-              <a:buFont typeface="+mj-lt"/>
-              <a:buAutoNum type="arabicPeriod"/>
-            </a:pPr>
-            <a:r>
-              <a:rPr lang="zh-CN" altLang="en-US" smtClean="0"/>
-              <a:t>以往促销（）对关联分析的影响</a:t>
-            </a:r>
-            <a:endParaRPr lang="zh-CN" altLang="en-US" dirty="0"/>
-          </a:p>
-        </p:txBody>
-      </p:sp>
+      <p:graphicFrame>
+        <p:nvGraphicFramePr>
+          <p:cNvPr id="4" name="表格 3"/>
+          <p:cNvGraphicFramePr>
+            <a:graphicFrameLocks noGrp="1"/>
+          </p:cNvGraphicFramePr>
+          <p:nvPr/>
+        </p:nvGraphicFramePr>
+        <p:xfrm>
+          <a:off x="728663" y="1114420"/>
+          <a:ext cx="10501312" cy="5072067"/>
+        </p:xfrm>
+        <a:graphic>
+          <a:graphicData uri="http://schemas.openxmlformats.org/drawingml/2006/table">
+            <a:tbl>
+              <a:tblPr/>
+              <a:tblGrid>
+                <a:gridCol w="735009"/>
+                <a:gridCol w="1952712"/>
+                <a:gridCol w="3027801"/>
+                <a:gridCol w="2391523"/>
+                <a:gridCol w="2394267"/>
+              </a:tblGrid>
+              <a:tr h="390159">
+                <a:tc>
+                  <a:txBody>
+                    <a:bodyPr/>
+                    <a:lstStyle/>
+                    <a:p>
+                      <a:pPr algn="l" fontAlgn="ctr"/>
+                      <a:r>
+                        <a:rPr lang="zh-CN" altLang="en-US" sz="1000" b="0" i="0" u="none" strike="noStrike">
+                          <a:solidFill>
+                            <a:srgbClr val="000000"/>
+                          </a:solidFill>
+                          <a:latin typeface="+mn-ea"/>
+                          <a:ea typeface="+mn-ea"/>
+                        </a:rPr>
+                        <a:t>位置</a:t>
+                      </a:r>
+                    </a:p>
+                  </a:txBody>
+                  <a:tcPr marL="6648" marR="6648" marT="6648" marB="0" anchor="ctr">
+                    <a:lnL w="6350" cap="flat" cmpd="sng" algn="ctr">
+                      <a:solidFill>
+                        <a:srgbClr val="000000"/>
+                      </a:solidFill>
+                      <a:prstDash val="solid"/>
+                      <a:round/>
+                      <a:headEnd type="none" w="med" len="med"/>
+                      <a:tailEnd type="none" w="med" len="med"/>
+                    </a:lnL>
+                    <a:lnR w="6350" cap="flat" cmpd="sng" algn="ctr">
+                      <a:solidFill>
+                        <a:srgbClr val="000000"/>
+                      </a:solidFill>
+                      <a:prstDash val="solid"/>
+                      <a:round/>
+                      <a:headEnd type="none" w="med" len="med"/>
+                      <a:tailEnd type="none" w="med" len="med"/>
+                    </a:lnR>
+                    <a:lnT w="6350" cap="flat" cmpd="sng" algn="ctr">
+                      <a:solidFill>
+                        <a:srgbClr val="000000"/>
+                      </a:solidFill>
+                      <a:prstDash val="solid"/>
+                      <a:round/>
+                      <a:headEnd type="none" w="med" len="med"/>
+                      <a:tailEnd type="none" w="med" len="med"/>
+                    </a:lnT>
+                    <a:lnB w="6350" cap="flat" cmpd="sng" algn="ctr">
+                      <a:solidFill>
+                        <a:srgbClr val="000000"/>
+                      </a:solidFill>
+                      <a:prstDash val="solid"/>
+                      <a:round/>
+                      <a:headEnd type="none" w="med" len="med"/>
+                      <a:tailEnd type="none" w="med" len="med"/>
+                    </a:lnB>
+                  </a:tcPr>
+                </a:tc>
+                <a:tc>
+                  <a:txBody>
+                    <a:bodyPr/>
+                    <a:lstStyle/>
+                    <a:p>
+                      <a:pPr algn="l" fontAlgn="ctr"/>
+                      <a:r>
+                        <a:rPr lang="zh-CN" altLang="en-US" sz="1000" b="0" i="0" u="none" strike="noStrike">
+                          <a:solidFill>
+                            <a:srgbClr val="000000"/>
+                          </a:solidFill>
+                          <a:latin typeface="+mn-ea"/>
+                          <a:ea typeface="+mn-ea"/>
+                        </a:rPr>
+                        <a:t>名称</a:t>
+                      </a:r>
+                    </a:p>
+                  </a:txBody>
+                  <a:tcPr marL="6648" marR="6648" marT="6648" marB="0" anchor="ctr">
+                    <a:lnL w="6350" cap="flat" cmpd="sng" algn="ctr">
+                      <a:solidFill>
+                        <a:srgbClr val="000000"/>
+                      </a:solidFill>
+                      <a:prstDash val="solid"/>
+                      <a:round/>
+                      <a:headEnd type="none" w="med" len="med"/>
+                      <a:tailEnd type="none" w="med" len="med"/>
+                    </a:lnL>
+                    <a:lnR w="6350" cap="flat" cmpd="sng" algn="ctr">
+                      <a:solidFill>
+                        <a:srgbClr val="000000"/>
+                      </a:solidFill>
+                      <a:prstDash val="solid"/>
+                      <a:round/>
+                      <a:headEnd type="none" w="med" len="med"/>
+                      <a:tailEnd type="none" w="med" len="med"/>
+                    </a:lnR>
+                    <a:lnT w="6350" cap="flat" cmpd="sng" algn="ctr">
+                      <a:solidFill>
+                        <a:srgbClr val="000000"/>
+                      </a:solidFill>
+                      <a:prstDash val="solid"/>
+                      <a:round/>
+                      <a:headEnd type="none" w="med" len="med"/>
+                      <a:tailEnd type="none" w="med" len="med"/>
+                    </a:lnT>
+                    <a:lnB w="6350" cap="flat" cmpd="sng" algn="ctr">
+                      <a:solidFill>
+                        <a:srgbClr val="000000"/>
+                      </a:solidFill>
+                      <a:prstDash val="solid"/>
+                      <a:round/>
+                      <a:headEnd type="none" w="med" len="med"/>
+                      <a:tailEnd type="none" w="med" len="med"/>
+                    </a:lnB>
+                  </a:tcPr>
+                </a:tc>
+                <a:tc>
+                  <a:txBody>
+                    <a:bodyPr/>
+                    <a:lstStyle/>
+                    <a:p>
+                      <a:pPr algn="l" fontAlgn="ctr"/>
+                      <a:r>
+                        <a:rPr lang="en-US" sz="1000" b="0" i="0" u="none" strike="noStrike">
+                          <a:solidFill>
+                            <a:srgbClr val="000000"/>
+                          </a:solidFill>
+                          <a:latin typeface="+mn-ea"/>
+                          <a:ea typeface="+mn-ea"/>
+                        </a:rPr>
+                        <a:t>RPD</a:t>
+                      </a:r>
+                    </a:p>
+                  </a:txBody>
+                  <a:tcPr marL="6648" marR="6648" marT="6648" marB="0" anchor="ctr">
+                    <a:lnL w="6350" cap="flat" cmpd="sng" algn="ctr">
+                      <a:solidFill>
+                        <a:srgbClr val="000000"/>
+                      </a:solidFill>
+                      <a:prstDash val="solid"/>
+                      <a:round/>
+                      <a:headEnd type="none" w="med" len="med"/>
+                      <a:tailEnd type="none" w="med" len="med"/>
+                    </a:lnL>
+                    <a:lnR w="6350" cap="flat" cmpd="sng" algn="ctr">
+                      <a:solidFill>
+                        <a:srgbClr val="000000"/>
+                      </a:solidFill>
+                      <a:prstDash val="solid"/>
+                      <a:round/>
+                      <a:headEnd type="none" w="med" len="med"/>
+                      <a:tailEnd type="none" w="med" len="med"/>
+                    </a:lnR>
+                    <a:lnT w="6350" cap="flat" cmpd="sng" algn="ctr">
+                      <a:solidFill>
+                        <a:srgbClr val="000000"/>
+                      </a:solidFill>
+                      <a:prstDash val="solid"/>
+                      <a:round/>
+                      <a:headEnd type="none" w="med" len="med"/>
+                      <a:tailEnd type="none" w="med" len="med"/>
+                    </a:lnT>
+                    <a:lnB w="6350" cap="flat" cmpd="sng" algn="ctr">
+                      <a:solidFill>
+                        <a:srgbClr val="000000"/>
+                      </a:solidFill>
+                      <a:prstDash val="solid"/>
+                      <a:round/>
+                      <a:headEnd type="none" w="med" len="med"/>
+                      <a:tailEnd type="none" w="med" len="med"/>
+                    </a:lnB>
+                  </a:tcPr>
+                </a:tc>
+                <a:tc>
+                  <a:txBody>
+                    <a:bodyPr/>
+                    <a:lstStyle/>
+                    <a:p>
+                      <a:pPr algn="l" fontAlgn="ctr"/>
+                      <a:r>
+                        <a:rPr lang="zh-CN" altLang="en-US" sz="1000" b="0" i="0" u="none" strike="noStrike">
+                          <a:solidFill>
+                            <a:srgbClr val="000000"/>
+                          </a:solidFill>
+                          <a:latin typeface="+mn-ea"/>
+                          <a:ea typeface="+mn-ea"/>
+                        </a:rPr>
+                        <a:t>定义</a:t>
+                      </a:r>
+                    </a:p>
+                  </a:txBody>
+                  <a:tcPr marL="6648" marR="6648" marT="6648" marB="0" anchor="ctr">
+                    <a:lnL w="6350" cap="flat" cmpd="sng" algn="ctr">
+                      <a:solidFill>
+                        <a:srgbClr val="000000"/>
+                      </a:solidFill>
+                      <a:prstDash val="solid"/>
+                      <a:round/>
+                      <a:headEnd type="none" w="med" len="med"/>
+                      <a:tailEnd type="none" w="med" len="med"/>
+                    </a:lnL>
+                    <a:lnR w="6350" cap="flat" cmpd="sng" algn="ctr">
+                      <a:solidFill>
+                        <a:srgbClr val="000000"/>
+                      </a:solidFill>
+                      <a:prstDash val="solid"/>
+                      <a:round/>
+                      <a:headEnd type="none" w="med" len="med"/>
+                      <a:tailEnd type="none" w="med" len="med"/>
+                    </a:lnR>
+                    <a:lnT w="6350" cap="flat" cmpd="sng" algn="ctr">
+                      <a:solidFill>
+                        <a:srgbClr val="000000"/>
+                      </a:solidFill>
+                      <a:prstDash val="solid"/>
+                      <a:round/>
+                      <a:headEnd type="none" w="med" len="med"/>
+                      <a:tailEnd type="none" w="med" len="med"/>
+                    </a:lnT>
+                    <a:lnB w="6350" cap="flat" cmpd="sng" algn="ctr">
+                      <a:solidFill>
+                        <a:srgbClr val="000000"/>
+                      </a:solidFill>
+                      <a:prstDash val="solid"/>
+                      <a:round/>
+                      <a:headEnd type="none" w="med" len="med"/>
+                      <a:tailEnd type="none" w="med" len="med"/>
+                    </a:lnB>
+                  </a:tcPr>
+                </a:tc>
+                <a:tc>
+                  <a:txBody>
+                    <a:bodyPr/>
+                    <a:lstStyle/>
+                    <a:p>
+                      <a:pPr algn="l" fontAlgn="ctr"/>
+                      <a:r>
+                        <a:rPr lang="zh-CN" altLang="en-US" sz="1000" b="0" i="0" u="none" strike="noStrike">
+                          <a:solidFill>
+                            <a:srgbClr val="000000"/>
+                          </a:solidFill>
+                          <a:latin typeface="+mn-ea"/>
+                          <a:ea typeface="+mn-ea"/>
+                        </a:rPr>
+                        <a:t>说明</a:t>
+                      </a:r>
+                    </a:p>
+                  </a:txBody>
+                  <a:tcPr marL="6648" marR="6648" marT="6648" marB="0" anchor="ctr">
+                    <a:lnL w="6350" cap="flat" cmpd="sng" algn="ctr">
+                      <a:solidFill>
+                        <a:srgbClr val="000000"/>
+                      </a:solidFill>
+                      <a:prstDash val="solid"/>
+                      <a:round/>
+                      <a:headEnd type="none" w="med" len="med"/>
+                      <a:tailEnd type="none" w="med" len="med"/>
+                    </a:lnL>
+                    <a:lnR w="6350" cap="flat" cmpd="sng" algn="ctr">
+                      <a:solidFill>
+                        <a:srgbClr val="000000"/>
+                      </a:solidFill>
+                      <a:prstDash val="solid"/>
+                      <a:round/>
+                      <a:headEnd type="none" w="med" len="med"/>
+                      <a:tailEnd type="none" w="med" len="med"/>
+                    </a:lnR>
+                    <a:lnT w="6350" cap="flat" cmpd="sng" algn="ctr">
+                      <a:solidFill>
+                        <a:srgbClr val="000000"/>
+                      </a:solidFill>
+                      <a:prstDash val="solid"/>
+                      <a:round/>
+                      <a:headEnd type="none" w="med" len="med"/>
+                      <a:tailEnd type="none" w="med" len="med"/>
+                    </a:lnT>
+                    <a:lnB w="6350" cap="flat" cmpd="sng" algn="ctr">
+                      <a:solidFill>
+                        <a:srgbClr val="000000"/>
+                      </a:solidFill>
+                      <a:prstDash val="solid"/>
+                      <a:round/>
+                      <a:headEnd type="none" w="med" len="med"/>
+                      <a:tailEnd type="none" w="med" len="med"/>
+                    </a:lnB>
+                  </a:tcPr>
+                </a:tc>
+              </a:tr>
+              <a:tr h="390159">
+                <a:tc rowSpan="12">
+                  <a:txBody>
+                    <a:bodyPr/>
+                    <a:lstStyle/>
+                    <a:p>
+                      <a:pPr algn="ctr" fontAlgn="ctr"/>
+                      <a:r>
+                        <a:rPr lang="zh-CN" altLang="en-US" sz="1000" b="0" i="0" u="none" strike="noStrike">
+                          <a:solidFill>
+                            <a:srgbClr val="000000"/>
+                          </a:solidFill>
+                          <a:latin typeface="+mn-ea"/>
+                          <a:ea typeface="+mn-ea"/>
+                        </a:rPr>
+                        <a:t>事实</a:t>
+                      </a:r>
+                      <a:r>
+                        <a:rPr lang="en-US" altLang="zh-CN" sz="1000" b="0" i="0" u="none" strike="noStrike">
+                          <a:solidFill>
+                            <a:srgbClr val="000000"/>
+                          </a:solidFill>
+                          <a:latin typeface="+mn-ea"/>
+                          <a:ea typeface="+mn-ea"/>
+                        </a:rPr>
+                        <a:t>--</a:t>
+                      </a:r>
+                      <a:r>
+                        <a:rPr lang="zh-CN" altLang="en-US" sz="1000" b="0" i="0" u="none" strike="noStrike">
+                          <a:solidFill>
+                            <a:srgbClr val="000000"/>
+                          </a:solidFill>
+                          <a:latin typeface="+mn-ea"/>
+                          <a:ea typeface="+mn-ea"/>
+                        </a:rPr>
+                        <a:t>销售</a:t>
+                      </a:r>
+                    </a:p>
+                  </a:txBody>
+                  <a:tcPr marL="6648" marR="6648" marT="6648" marB="0" anchor="ctr">
+                    <a:lnL w="6350" cap="flat" cmpd="sng" algn="ctr">
+                      <a:solidFill>
+                        <a:srgbClr val="000000"/>
+                      </a:solidFill>
+                      <a:prstDash val="solid"/>
+                      <a:round/>
+                      <a:headEnd type="none" w="med" len="med"/>
+                      <a:tailEnd type="none" w="med" len="med"/>
+                    </a:lnL>
+                    <a:lnR w="6350" cap="flat" cmpd="sng" algn="ctr">
+                      <a:solidFill>
+                        <a:srgbClr val="000000"/>
+                      </a:solidFill>
+                      <a:prstDash val="solid"/>
+                      <a:round/>
+                      <a:headEnd type="none" w="med" len="med"/>
+                      <a:tailEnd type="none" w="med" len="med"/>
+                    </a:lnR>
+                    <a:lnT w="6350" cap="flat" cmpd="sng" algn="ctr">
+                      <a:solidFill>
+                        <a:srgbClr val="000000"/>
+                      </a:solidFill>
+                      <a:prstDash val="solid"/>
+                      <a:round/>
+                      <a:headEnd type="none" w="med" len="med"/>
+                      <a:tailEnd type="none" w="med" len="med"/>
+                    </a:lnT>
+                    <a:lnB w="6350" cap="flat" cmpd="sng" algn="ctr">
+                      <a:solidFill>
+                        <a:srgbClr val="000000"/>
+                      </a:solidFill>
+                      <a:prstDash val="solid"/>
+                      <a:round/>
+                      <a:headEnd type="none" w="med" len="med"/>
+                      <a:tailEnd type="none" w="med" len="med"/>
+                    </a:lnB>
+                  </a:tcPr>
+                </a:tc>
+                <a:tc>
+                  <a:txBody>
+                    <a:bodyPr/>
+                    <a:lstStyle/>
+                    <a:p>
+                      <a:pPr algn="l" fontAlgn="ctr"/>
+                      <a:r>
+                        <a:rPr lang="zh-CN" altLang="en-US" sz="1000" b="0" i="0" u="none" strike="noStrike">
+                          <a:solidFill>
+                            <a:srgbClr val="000000"/>
+                          </a:solidFill>
+                          <a:latin typeface="+mn-ea"/>
+                          <a:ea typeface="+mn-ea"/>
+                        </a:rPr>
+                        <a:t>券销售额（未税）</a:t>
+                      </a:r>
+                    </a:p>
+                  </a:txBody>
+                  <a:tcPr marL="6648" marR="6648" marT="6648" marB="0" anchor="ctr">
+                    <a:lnL w="6350" cap="flat" cmpd="sng" algn="ctr">
+                      <a:solidFill>
+                        <a:srgbClr val="000000"/>
+                      </a:solidFill>
+                      <a:prstDash val="solid"/>
+                      <a:round/>
+                      <a:headEnd type="none" w="med" len="med"/>
+                      <a:tailEnd type="none" w="med" len="med"/>
+                    </a:lnL>
+                    <a:lnR w="6350" cap="flat" cmpd="sng" algn="ctr">
+                      <a:solidFill>
+                        <a:srgbClr val="000000"/>
+                      </a:solidFill>
+                      <a:prstDash val="solid"/>
+                      <a:round/>
+                      <a:headEnd type="none" w="med" len="med"/>
+                      <a:tailEnd type="none" w="med" len="med"/>
+                    </a:lnR>
+                    <a:lnT w="6350" cap="flat" cmpd="sng" algn="ctr">
+                      <a:solidFill>
+                        <a:srgbClr val="000000"/>
+                      </a:solidFill>
+                      <a:prstDash val="solid"/>
+                      <a:round/>
+                      <a:headEnd type="none" w="med" len="med"/>
+                      <a:tailEnd type="none" w="med" len="med"/>
+                    </a:lnT>
+                    <a:lnB w="6350" cap="flat" cmpd="sng" algn="ctr">
+                      <a:solidFill>
+                        <a:srgbClr val="000000"/>
+                      </a:solidFill>
+                      <a:prstDash val="solid"/>
+                      <a:round/>
+                      <a:headEnd type="none" w="med" len="med"/>
+                      <a:tailEnd type="none" w="med" len="med"/>
+                    </a:lnB>
+                  </a:tcPr>
+                </a:tc>
+                <a:tc>
+                  <a:txBody>
+                    <a:bodyPr/>
+                    <a:lstStyle/>
+                    <a:p>
+                      <a:pPr algn="l" fontAlgn="ctr"/>
+                      <a:r>
+                        <a:rPr lang="en-US" sz="1000" b="0" i="0" u="none" strike="noStrike" dirty="0" err="1">
+                          <a:solidFill>
+                            <a:srgbClr val="000000"/>
+                          </a:solidFill>
+                          <a:latin typeface="+mn-ea"/>
+                          <a:ea typeface="+mn-ea"/>
+                        </a:rPr>
+                        <a:t>Sales_Net_Sales_Coupon_Amt</a:t>
+                      </a:r>
+                      <a:endParaRPr lang="en-US" sz="1000" b="0" i="0" u="none" strike="noStrike" dirty="0">
+                        <a:solidFill>
+                          <a:srgbClr val="000000"/>
+                        </a:solidFill>
+                        <a:latin typeface="+mn-ea"/>
+                        <a:ea typeface="+mn-ea"/>
+                      </a:endParaRPr>
+                    </a:p>
+                  </a:txBody>
+                  <a:tcPr marL="6648" marR="6648" marT="6648" marB="0" anchor="ctr">
+                    <a:lnL w="6350" cap="flat" cmpd="sng" algn="ctr">
+                      <a:solidFill>
+                        <a:srgbClr val="000000"/>
+                      </a:solidFill>
+                      <a:prstDash val="solid"/>
+                      <a:round/>
+                      <a:headEnd type="none" w="med" len="med"/>
+                      <a:tailEnd type="none" w="med" len="med"/>
+                    </a:lnL>
+                    <a:lnR w="6350" cap="flat" cmpd="sng" algn="ctr">
+                      <a:solidFill>
+                        <a:srgbClr val="000000"/>
+                      </a:solidFill>
+                      <a:prstDash val="solid"/>
+                      <a:round/>
+                      <a:headEnd type="none" w="med" len="med"/>
+                      <a:tailEnd type="none" w="med" len="med"/>
+                    </a:lnR>
+                    <a:lnT w="6350" cap="flat" cmpd="sng" algn="ctr">
+                      <a:solidFill>
+                        <a:srgbClr val="000000"/>
+                      </a:solidFill>
+                      <a:prstDash val="solid"/>
+                      <a:round/>
+                      <a:headEnd type="none" w="med" len="med"/>
+                      <a:tailEnd type="none" w="med" len="med"/>
+                    </a:lnT>
+                    <a:lnB w="6350" cap="flat" cmpd="sng" algn="ctr">
+                      <a:solidFill>
+                        <a:srgbClr val="000000"/>
+                      </a:solidFill>
+                      <a:prstDash val="solid"/>
+                      <a:round/>
+                      <a:headEnd type="none" w="med" len="med"/>
+                      <a:tailEnd type="none" w="med" len="med"/>
+                    </a:lnB>
+                  </a:tcPr>
+                </a:tc>
+                <a:tc>
+                  <a:txBody>
+                    <a:bodyPr/>
+                    <a:lstStyle/>
+                    <a:p>
+                      <a:pPr algn="l" fontAlgn="ctr"/>
+                      <a:r>
+                        <a:rPr lang="zh-CN" altLang="en-US" sz="1000" b="0" i="0" u="none" strike="noStrike">
+                          <a:solidFill>
+                            <a:srgbClr val="000000"/>
+                          </a:solidFill>
+                          <a:latin typeface="+mn-ea"/>
+                          <a:ea typeface="+mn-ea"/>
+                        </a:rPr>
+                        <a:t>未税券销售金额</a:t>
+                      </a:r>
+                    </a:p>
+                  </a:txBody>
+                  <a:tcPr marL="6648" marR="6648" marT="6648" marB="0" anchor="ctr">
+                    <a:lnL w="6350" cap="flat" cmpd="sng" algn="ctr">
+                      <a:solidFill>
+                        <a:srgbClr val="000000"/>
+                      </a:solidFill>
+                      <a:prstDash val="solid"/>
+                      <a:round/>
+                      <a:headEnd type="none" w="med" len="med"/>
+                      <a:tailEnd type="none" w="med" len="med"/>
+                    </a:lnL>
+                    <a:lnR w="6350" cap="flat" cmpd="sng" algn="ctr">
+                      <a:solidFill>
+                        <a:srgbClr val="000000"/>
+                      </a:solidFill>
+                      <a:prstDash val="solid"/>
+                      <a:round/>
+                      <a:headEnd type="none" w="med" len="med"/>
+                      <a:tailEnd type="none" w="med" len="med"/>
+                    </a:lnR>
+                    <a:lnT w="6350" cap="flat" cmpd="sng" algn="ctr">
+                      <a:solidFill>
+                        <a:srgbClr val="000000"/>
+                      </a:solidFill>
+                      <a:prstDash val="solid"/>
+                      <a:round/>
+                      <a:headEnd type="none" w="med" len="med"/>
+                      <a:tailEnd type="none" w="med" len="med"/>
+                    </a:lnT>
+                    <a:lnB w="6350" cap="flat" cmpd="sng" algn="ctr">
+                      <a:solidFill>
+                        <a:srgbClr val="000000"/>
+                      </a:solidFill>
+                      <a:prstDash val="solid"/>
+                      <a:round/>
+                      <a:headEnd type="none" w="med" len="med"/>
+                      <a:tailEnd type="none" w="med" len="med"/>
+                    </a:lnB>
+                  </a:tcPr>
+                </a:tc>
+                <a:tc>
+                  <a:txBody>
+                    <a:bodyPr/>
+                    <a:lstStyle/>
+                    <a:p>
+                      <a:pPr algn="l" fontAlgn="ctr"/>
+                      <a:r>
+                        <a:rPr lang="zh-CN" altLang="en-US" sz="1000" b="0" i="0" u="none" strike="noStrike">
+                          <a:solidFill>
+                            <a:srgbClr val="000000"/>
+                          </a:solidFill>
+                          <a:latin typeface="+mn-ea"/>
+                          <a:ea typeface="+mn-ea"/>
+                        </a:rPr>
+                        <a:t>知而行券，厂商券，</a:t>
+                      </a:r>
+                      <a:r>
+                        <a:rPr lang="en-US" sz="1000" b="0" i="0" u="none" strike="noStrike">
+                          <a:solidFill>
+                            <a:srgbClr val="000000"/>
+                          </a:solidFill>
+                          <a:latin typeface="+mn-ea"/>
+                          <a:ea typeface="+mn-ea"/>
+                        </a:rPr>
+                        <a:t>siebel</a:t>
+                      </a:r>
+                      <a:r>
+                        <a:rPr lang="zh-CN" altLang="en-US" sz="1000" b="0" i="0" u="none" strike="noStrike">
+                          <a:solidFill>
+                            <a:srgbClr val="000000"/>
+                          </a:solidFill>
+                          <a:latin typeface="+mn-ea"/>
+                          <a:ea typeface="+mn-ea"/>
+                        </a:rPr>
+                        <a:t>券</a:t>
+                      </a:r>
+                    </a:p>
+                  </a:txBody>
+                  <a:tcPr marL="6648" marR="6648" marT="6648" marB="0" anchor="ctr">
+                    <a:lnL w="6350" cap="flat" cmpd="sng" algn="ctr">
+                      <a:solidFill>
+                        <a:srgbClr val="000000"/>
+                      </a:solidFill>
+                      <a:prstDash val="solid"/>
+                      <a:round/>
+                      <a:headEnd type="none" w="med" len="med"/>
+                      <a:tailEnd type="none" w="med" len="med"/>
+                    </a:lnL>
+                    <a:lnR w="6350" cap="flat" cmpd="sng" algn="ctr">
+                      <a:solidFill>
+                        <a:srgbClr val="000000"/>
+                      </a:solidFill>
+                      <a:prstDash val="solid"/>
+                      <a:round/>
+                      <a:headEnd type="none" w="med" len="med"/>
+                      <a:tailEnd type="none" w="med" len="med"/>
+                    </a:lnR>
+                    <a:lnT w="6350" cap="flat" cmpd="sng" algn="ctr">
+                      <a:solidFill>
+                        <a:srgbClr val="000000"/>
+                      </a:solidFill>
+                      <a:prstDash val="solid"/>
+                      <a:round/>
+                      <a:headEnd type="none" w="med" len="med"/>
+                      <a:tailEnd type="none" w="med" len="med"/>
+                    </a:lnT>
+                    <a:lnB w="6350" cap="flat" cmpd="sng" algn="ctr">
+                      <a:solidFill>
+                        <a:srgbClr val="000000"/>
+                      </a:solidFill>
+                      <a:prstDash val="solid"/>
+                      <a:round/>
+                      <a:headEnd type="none" w="med" len="med"/>
+                      <a:tailEnd type="none" w="med" len="med"/>
+                    </a:lnB>
+                  </a:tcPr>
+                </a:tc>
+              </a:tr>
+              <a:tr h="390159">
+                <a:tc vMerge="1">
+                  <a:txBody>
+                    <a:bodyPr/>
+                    <a:lstStyle/>
+                    <a:p>
+                      <a:endParaRPr lang="zh-CN" altLang="en-US"/>
+                    </a:p>
+                  </a:txBody>
+                  <a:tcPr/>
+                </a:tc>
+                <a:tc>
+                  <a:txBody>
+                    <a:bodyPr/>
+                    <a:lstStyle/>
+                    <a:p>
+                      <a:pPr algn="l" fontAlgn="ctr"/>
+                      <a:r>
+                        <a:rPr lang="zh-CN" altLang="en-US" sz="1000" b="0" i="0" u="none" strike="noStrike">
+                          <a:solidFill>
+                            <a:srgbClr val="000000"/>
+                          </a:solidFill>
+                          <a:latin typeface="+mn-ea"/>
+                          <a:ea typeface="+mn-ea"/>
+                        </a:rPr>
+                        <a:t>上年券销售额（未税）</a:t>
+                      </a:r>
+                    </a:p>
+                  </a:txBody>
+                  <a:tcPr marL="6648" marR="6648" marT="6648" marB="0" anchor="ctr">
+                    <a:lnL w="6350" cap="flat" cmpd="sng" algn="ctr">
+                      <a:solidFill>
+                        <a:srgbClr val="000000"/>
+                      </a:solidFill>
+                      <a:prstDash val="solid"/>
+                      <a:round/>
+                      <a:headEnd type="none" w="med" len="med"/>
+                      <a:tailEnd type="none" w="med" len="med"/>
+                    </a:lnL>
+                    <a:lnR w="6350" cap="flat" cmpd="sng" algn="ctr">
+                      <a:solidFill>
+                        <a:srgbClr val="000000"/>
+                      </a:solidFill>
+                      <a:prstDash val="solid"/>
+                      <a:round/>
+                      <a:headEnd type="none" w="med" len="med"/>
+                      <a:tailEnd type="none" w="med" len="med"/>
+                    </a:lnR>
+                    <a:lnT w="6350" cap="flat" cmpd="sng" algn="ctr">
+                      <a:solidFill>
+                        <a:srgbClr val="000000"/>
+                      </a:solidFill>
+                      <a:prstDash val="solid"/>
+                      <a:round/>
+                      <a:headEnd type="none" w="med" len="med"/>
+                      <a:tailEnd type="none" w="med" len="med"/>
+                    </a:lnT>
+                    <a:lnB w="6350" cap="flat" cmpd="sng" algn="ctr">
+                      <a:solidFill>
+                        <a:srgbClr val="000000"/>
+                      </a:solidFill>
+                      <a:prstDash val="solid"/>
+                      <a:round/>
+                      <a:headEnd type="none" w="med" len="med"/>
+                      <a:tailEnd type="none" w="med" len="med"/>
+                    </a:lnB>
+                  </a:tcPr>
+                </a:tc>
+                <a:tc>
+                  <a:txBody>
+                    <a:bodyPr/>
+                    <a:lstStyle/>
+                    <a:p>
+                      <a:pPr algn="l" fontAlgn="ctr"/>
+                      <a:r>
+                        <a:rPr lang="en-US" sz="1000" b="0" i="0" u="none" strike="noStrike">
+                          <a:solidFill>
+                            <a:srgbClr val="000000"/>
+                          </a:solidFill>
+                          <a:latin typeface="+mn-ea"/>
+                          <a:ea typeface="+mn-ea"/>
+                        </a:rPr>
+                        <a:t>Sales_Net_Sales_Coupon_Amt_LY</a:t>
+                      </a:r>
+                    </a:p>
+                  </a:txBody>
+                  <a:tcPr marL="6648" marR="6648" marT="6648" marB="0" anchor="ctr">
+                    <a:lnL w="6350" cap="flat" cmpd="sng" algn="ctr">
+                      <a:solidFill>
+                        <a:srgbClr val="000000"/>
+                      </a:solidFill>
+                      <a:prstDash val="solid"/>
+                      <a:round/>
+                      <a:headEnd type="none" w="med" len="med"/>
+                      <a:tailEnd type="none" w="med" len="med"/>
+                    </a:lnL>
+                    <a:lnR w="6350" cap="flat" cmpd="sng" algn="ctr">
+                      <a:solidFill>
+                        <a:srgbClr val="000000"/>
+                      </a:solidFill>
+                      <a:prstDash val="solid"/>
+                      <a:round/>
+                      <a:headEnd type="none" w="med" len="med"/>
+                      <a:tailEnd type="none" w="med" len="med"/>
+                    </a:lnR>
+                    <a:lnT w="6350" cap="flat" cmpd="sng" algn="ctr">
+                      <a:solidFill>
+                        <a:srgbClr val="000000"/>
+                      </a:solidFill>
+                      <a:prstDash val="solid"/>
+                      <a:round/>
+                      <a:headEnd type="none" w="med" len="med"/>
+                      <a:tailEnd type="none" w="med" len="med"/>
+                    </a:lnT>
+                    <a:lnB w="6350" cap="flat" cmpd="sng" algn="ctr">
+                      <a:solidFill>
+                        <a:srgbClr val="000000"/>
+                      </a:solidFill>
+                      <a:prstDash val="solid"/>
+                      <a:round/>
+                      <a:headEnd type="none" w="med" len="med"/>
+                      <a:tailEnd type="none" w="med" len="med"/>
+                    </a:lnB>
+                  </a:tcPr>
+                </a:tc>
+                <a:tc>
+                  <a:txBody>
+                    <a:bodyPr/>
+                    <a:lstStyle/>
+                    <a:p>
+                      <a:pPr algn="l" fontAlgn="ctr"/>
+                      <a:r>
+                        <a:rPr lang="zh-CN" altLang="en-US" sz="1000" b="0" i="0" u="none" strike="noStrike" dirty="0">
+                          <a:solidFill>
+                            <a:srgbClr val="000000"/>
+                          </a:solidFill>
+                          <a:latin typeface="+mn-ea"/>
+                          <a:ea typeface="+mn-ea"/>
+                        </a:rPr>
+                        <a:t>去年同期未税券销售金额</a:t>
+                      </a:r>
+                    </a:p>
+                  </a:txBody>
+                  <a:tcPr marL="6648" marR="6648" marT="6648" marB="0" anchor="ctr">
+                    <a:lnL w="6350" cap="flat" cmpd="sng" algn="ctr">
+                      <a:solidFill>
+                        <a:srgbClr val="000000"/>
+                      </a:solidFill>
+                      <a:prstDash val="solid"/>
+                      <a:round/>
+                      <a:headEnd type="none" w="med" len="med"/>
+                      <a:tailEnd type="none" w="med" len="med"/>
+                    </a:lnL>
+                    <a:lnR w="6350" cap="flat" cmpd="sng" algn="ctr">
+                      <a:solidFill>
+                        <a:srgbClr val="000000"/>
+                      </a:solidFill>
+                      <a:prstDash val="solid"/>
+                      <a:round/>
+                      <a:headEnd type="none" w="med" len="med"/>
+                      <a:tailEnd type="none" w="med" len="med"/>
+                    </a:lnR>
+                    <a:lnT w="6350" cap="flat" cmpd="sng" algn="ctr">
+                      <a:solidFill>
+                        <a:srgbClr val="000000"/>
+                      </a:solidFill>
+                      <a:prstDash val="solid"/>
+                      <a:round/>
+                      <a:headEnd type="none" w="med" len="med"/>
+                      <a:tailEnd type="none" w="med" len="med"/>
+                    </a:lnT>
+                    <a:lnB w="6350" cap="flat" cmpd="sng" algn="ctr">
+                      <a:solidFill>
+                        <a:srgbClr val="000000"/>
+                      </a:solidFill>
+                      <a:prstDash val="solid"/>
+                      <a:round/>
+                      <a:headEnd type="none" w="med" len="med"/>
+                      <a:tailEnd type="none" w="med" len="med"/>
+                    </a:lnB>
+                  </a:tcPr>
+                </a:tc>
+                <a:tc>
+                  <a:txBody>
+                    <a:bodyPr/>
+                    <a:lstStyle/>
+                    <a:p>
+                      <a:pPr algn="l" fontAlgn="ctr"/>
+                      <a:r>
+                        <a:rPr lang="zh-CN" altLang="en-US" sz="1000" b="0" i="0" u="none" strike="noStrike">
+                          <a:solidFill>
+                            <a:srgbClr val="000000"/>
+                          </a:solidFill>
+                          <a:latin typeface="+mn-ea"/>
+                          <a:ea typeface="+mn-ea"/>
+                        </a:rPr>
+                        <a:t>知而行券，厂商券，</a:t>
+                      </a:r>
+                      <a:r>
+                        <a:rPr lang="en-US" sz="1000" b="0" i="0" u="none" strike="noStrike">
+                          <a:solidFill>
+                            <a:srgbClr val="000000"/>
+                          </a:solidFill>
+                          <a:latin typeface="+mn-ea"/>
+                          <a:ea typeface="+mn-ea"/>
+                        </a:rPr>
+                        <a:t>siebel</a:t>
+                      </a:r>
+                      <a:r>
+                        <a:rPr lang="zh-CN" altLang="en-US" sz="1000" b="0" i="0" u="none" strike="noStrike">
+                          <a:solidFill>
+                            <a:srgbClr val="000000"/>
+                          </a:solidFill>
+                          <a:latin typeface="+mn-ea"/>
+                          <a:ea typeface="+mn-ea"/>
+                        </a:rPr>
+                        <a:t>券</a:t>
+                      </a:r>
+                    </a:p>
+                  </a:txBody>
+                  <a:tcPr marL="6648" marR="6648" marT="6648" marB="0" anchor="ctr">
+                    <a:lnL w="6350" cap="flat" cmpd="sng" algn="ctr">
+                      <a:solidFill>
+                        <a:srgbClr val="000000"/>
+                      </a:solidFill>
+                      <a:prstDash val="solid"/>
+                      <a:round/>
+                      <a:headEnd type="none" w="med" len="med"/>
+                      <a:tailEnd type="none" w="med" len="med"/>
+                    </a:lnL>
+                    <a:lnR w="6350" cap="flat" cmpd="sng" algn="ctr">
+                      <a:solidFill>
+                        <a:srgbClr val="000000"/>
+                      </a:solidFill>
+                      <a:prstDash val="solid"/>
+                      <a:round/>
+                      <a:headEnd type="none" w="med" len="med"/>
+                      <a:tailEnd type="none" w="med" len="med"/>
+                    </a:lnR>
+                    <a:lnT w="6350" cap="flat" cmpd="sng" algn="ctr">
+                      <a:solidFill>
+                        <a:srgbClr val="000000"/>
+                      </a:solidFill>
+                      <a:prstDash val="solid"/>
+                      <a:round/>
+                      <a:headEnd type="none" w="med" len="med"/>
+                      <a:tailEnd type="none" w="med" len="med"/>
+                    </a:lnT>
+                    <a:lnB w="6350" cap="flat" cmpd="sng" algn="ctr">
+                      <a:solidFill>
+                        <a:srgbClr val="000000"/>
+                      </a:solidFill>
+                      <a:prstDash val="solid"/>
+                      <a:round/>
+                      <a:headEnd type="none" w="med" len="med"/>
+                      <a:tailEnd type="none" w="med" len="med"/>
+                    </a:lnB>
+                  </a:tcPr>
+                </a:tc>
+              </a:tr>
+              <a:tr h="390159">
+                <a:tc vMerge="1">
+                  <a:txBody>
+                    <a:bodyPr/>
+                    <a:lstStyle/>
+                    <a:p>
+                      <a:endParaRPr lang="zh-CN" altLang="en-US"/>
+                    </a:p>
+                  </a:txBody>
+                  <a:tcPr/>
+                </a:tc>
+                <a:tc>
+                  <a:txBody>
+                    <a:bodyPr/>
+                    <a:lstStyle/>
+                    <a:p>
+                      <a:pPr algn="l" fontAlgn="ctr"/>
+                      <a:r>
+                        <a:rPr lang="zh-CN" altLang="en-US" sz="1000" b="0" i="0" u="none" strike="noStrike">
+                          <a:solidFill>
+                            <a:srgbClr val="000000"/>
+                          </a:solidFill>
+                          <a:latin typeface="+mn-ea"/>
+                          <a:ea typeface="+mn-ea"/>
+                        </a:rPr>
+                        <a:t>上年月初至今券销售额（未税）</a:t>
+                      </a:r>
+                    </a:p>
+                  </a:txBody>
+                  <a:tcPr marL="6648" marR="6648" marT="6648" marB="0" anchor="ctr">
+                    <a:lnL w="6350" cap="flat" cmpd="sng" algn="ctr">
+                      <a:solidFill>
+                        <a:srgbClr val="000000"/>
+                      </a:solidFill>
+                      <a:prstDash val="solid"/>
+                      <a:round/>
+                      <a:headEnd type="none" w="med" len="med"/>
+                      <a:tailEnd type="none" w="med" len="med"/>
+                    </a:lnL>
+                    <a:lnR w="6350" cap="flat" cmpd="sng" algn="ctr">
+                      <a:solidFill>
+                        <a:srgbClr val="000000"/>
+                      </a:solidFill>
+                      <a:prstDash val="solid"/>
+                      <a:round/>
+                      <a:headEnd type="none" w="med" len="med"/>
+                      <a:tailEnd type="none" w="med" len="med"/>
+                    </a:lnR>
+                    <a:lnT w="6350" cap="flat" cmpd="sng" algn="ctr">
+                      <a:solidFill>
+                        <a:srgbClr val="000000"/>
+                      </a:solidFill>
+                      <a:prstDash val="solid"/>
+                      <a:round/>
+                      <a:headEnd type="none" w="med" len="med"/>
+                      <a:tailEnd type="none" w="med" len="med"/>
+                    </a:lnT>
+                    <a:lnB w="6350" cap="flat" cmpd="sng" algn="ctr">
+                      <a:solidFill>
+                        <a:srgbClr val="000000"/>
+                      </a:solidFill>
+                      <a:prstDash val="solid"/>
+                      <a:round/>
+                      <a:headEnd type="none" w="med" len="med"/>
+                      <a:tailEnd type="none" w="med" len="med"/>
+                    </a:lnB>
+                  </a:tcPr>
+                </a:tc>
+                <a:tc>
+                  <a:txBody>
+                    <a:bodyPr/>
+                    <a:lstStyle/>
+                    <a:p>
+                      <a:pPr algn="l" fontAlgn="ctr"/>
+                      <a:r>
+                        <a:rPr lang="en-US" sz="1000" b="0" i="0" u="none" strike="noStrike">
+                          <a:solidFill>
+                            <a:srgbClr val="000000"/>
+                          </a:solidFill>
+                          <a:latin typeface="+mn-ea"/>
+                          <a:ea typeface="+mn-ea"/>
+                        </a:rPr>
+                        <a:t>Sales_Net_Sales_Coupon_Amt_LY_MTD</a:t>
+                      </a:r>
+                    </a:p>
+                  </a:txBody>
+                  <a:tcPr marL="6648" marR="6648" marT="6648" marB="0" anchor="ctr">
+                    <a:lnL w="6350" cap="flat" cmpd="sng" algn="ctr">
+                      <a:solidFill>
+                        <a:srgbClr val="000000"/>
+                      </a:solidFill>
+                      <a:prstDash val="solid"/>
+                      <a:round/>
+                      <a:headEnd type="none" w="med" len="med"/>
+                      <a:tailEnd type="none" w="med" len="med"/>
+                    </a:lnL>
+                    <a:lnR w="6350" cap="flat" cmpd="sng" algn="ctr">
+                      <a:solidFill>
+                        <a:srgbClr val="000000"/>
+                      </a:solidFill>
+                      <a:prstDash val="solid"/>
+                      <a:round/>
+                      <a:headEnd type="none" w="med" len="med"/>
+                      <a:tailEnd type="none" w="med" len="med"/>
+                    </a:lnR>
+                    <a:lnT w="6350" cap="flat" cmpd="sng" algn="ctr">
+                      <a:solidFill>
+                        <a:srgbClr val="000000"/>
+                      </a:solidFill>
+                      <a:prstDash val="solid"/>
+                      <a:round/>
+                      <a:headEnd type="none" w="med" len="med"/>
+                      <a:tailEnd type="none" w="med" len="med"/>
+                    </a:lnT>
+                    <a:lnB w="6350" cap="flat" cmpd="sng" algn="ctr">
+                      <a:solidFill>
+                        <a:srgbClr val="000000"/>
+                      </a:solidFill>
+                      <a:prstDash val="solid"/>
+                      <a:round/>
+                      <a:headEnd type="none" w="med" len="med"/>
+                      <a:tailEnd type="none" w="med" len="med"/>
+                    </a:lnB>
+                  </a:tcPr>
+                </a:tc>
+                <a:tc>
+                  <a:txBody>
+                    <a:bodyPr/>
+                    <a:lstStyle/>
+                    <a:p>
+                      <a:pPr algn="l" fontAlgn="ctr"/>
+                      <a:r>
+                        <a:rPr lang="zh-CN" altLang="en-US" sz="1000" b="0" i="0" u="none" strike="noStrike">
+                          <a:solidFill>
+                            <a:srgbClr val="000000"/>
+                          </a:solidFill>
+                          <a:latin typeface="+mn-ea"/>
+                          <a:ea typeface="+mn-ea"/>
+                        </a:rPr>
+                        <a:t>去年同期月累计未税券销售金额</a:t>
+                      </a:r>
+                    </a:p>
+                  </a:txBody>
+                  <a:tcPr marL="6648" marR="6648" marT="6648" marB="0" anchor="ctr">
+                    <a:lnL w="6350" cap="flat" cmpd="sng" algn="ctr">
+                      <a:solidFill>
+                        <a:srgbClr val="000000"/>
+                      </a:solidFill>
+                      <a:prstDash val="solid"/>
+                      <a:round/>
+                      <a:headEnd type="none" w="med" len="med"/>
+                      <a:tailEnd type="none" w="med" len="med"/>
+                    </a:lnL>
+                    <a:lnR w="6350" cap="flat" cmpd="sng" algn="ctr">
+                      <a:solidFill>
+                        <a:srgbClr val="000000"/>
+                      </a:solidFill>
+                      <a:prstDash val="solid"/>
+                      <a:round/>
+                      <a:headEnd type="none" w="med" len="med"/>
+                      <a:tailEnd type="none" w="med" len="med"/>
+                    </a:lnR>
+                    <a:lnT w="6350" cap="flat" cmpd="sng" algn="ctr">
+                      <a:solidFill>
+                        <a:srgbClr val="000000"/>
+                      </a:solidFill>
+                      <a:prstDash val="solid"/>
+                      <a:round/>
+                      <a:headEnd type="none" w="med" len="med"/>
+                      <a:tailEnd type="none" w="med" len="med"/>
+                    </a:lnT>
+                    <a:lnB w="6350" cap="flat" cmpd="sng" algn="ctr">
+                      <a:solidFill>
+                        <a:srgbClr val="000000"/>
+                      </a:solidFill>
+                      <a:prstDash val="solid"/>
+                      <a:round/>
+                      <a:headEnd type="none" w="med" len="med"/>
+                      <a:tailEnd type="none" w="med" len="med"/>
+                    </a:lnB>
+                  </a:tcPr>
+                </a:tc>
+                <a:tc>
+                  <a:txBody>
+                    <a:bodyPr/>
+                    <a:lstStyle/>
+                    <a:p>
+                      <a:pPr algn="l" fontAlgn="ctr"/>
+                      <a:r>
+                        <a:rPr lang="zh-CN" altLang="en-US" sz="1000" b="0" i="0" u="none" strike="noStrike">
+                          <a:solidFill>
+                            <a:srgbClr val="000000"/>
+                          </a:solidFill>
+                          <a:latin typeface="+mn-ea"/>
+                          <a:ea typeface="+mn-ea"/>
+                        </a:rPr>
+                        <a:t>知而行券，厂商券，</a:t>
+                      </a:r>
+                      <a:r>
+                        <a:rPr lang="en-US" sz="1000" b="0" i="0" u="none" strike="noStrike">
+                          <a:solidFill>
+                            <a:srgbClr val="000000"/>
+                          </a:solidFill>
+                          <a:latin typeface="+mn-ea"/>
+                          <a:ea typeface="+mn-ea"/>
+                        </a:rPr>
+                        <a:t>siebel</a:t>
+                      </a:r>
+                      <a:r>
+                        <a:rPr lang="zh-CN" altLang="en-US" sz="1000" b="0" i="0" u="none" strike="noStrike">
+                          <a:solidFill>
+                            <a:srgbClr val="000000"/>
+                          </a:solidFill>
+                          <a:latin typeface="+mn-ea"/>
+                          <a:ea typeface="+mn-ea"/>
+                        </a:rPr>
+                        <a:t>券</a:t>
+                      </a:r>
+                    </a:p>
+                  </a:txBody>
+                  <a:tcPr marL="6648" marR="6648" marT="6648" marB="0" anchor="ctr">
+                    <a:lnL w="6350" cap="flat" cmpd="sng" algn="ctr">
+                      <a:solidFill>
+                        <a:srgbClr val="000000"/>
+                      </a:solidFill>
+                      <a:prstDash val="solid"/>
+                      <a:round/>
+                      <a:headEnd type="none" w="med" len="med"/>
+                      <a:tailEnd type="none" w="med" len="med"/>
+                    </a:lnL>
+                    <a:lnR w="6350" cap="flat" cmpd="sng" algn="ctr">
+                      <a:solidFill>
+                        <a:srgbClr val="000000"/>
+                      </a:solidFill>
+                      <a:prstDash val="solid"/>
+                      <a:round/>
+                      <a:headEnd type="none" w="med" len="med"/>
+                      <a:tailEnd type="none" w="med" len="med"/>
+                    </a:lnR>
+                    <a:lnT w="6350" cap="flat" cmpd="sng" algn="ctr">
+                      <a:solidFill>
+                        <a:srgbClr val="000000"/>
+                      </a:solidFill>
+                      <a:prstDash val="solid"/>
+                      <a:round/>
+                      <a:headEnd type="none" w="med" len="med"/>
+                      <a:tailEnd type="none" w="med" len="med"/>
+                    </a:lnT>
+                    <a:lnB w="6350" cap="flat" cmpd="sng" algn="ctr">
+                      <a:solidFill>
+                        <a:srgbClr val="000000"/>
+                      </a:solidFill>
+                      <a:prstDash val="solid"/>
+                      <a:round/>
+                      <a:headEnd type="none" w="med" len="med"/>
+                      <a:tailEnd type="none" w="med" len="med"/>
+                    </a:lnB>
+                  </a:tcPr>
+                </a:tc>
+              </a:tr>
+              <a:tr h="390159">
+                <a:tc vMerge="1">
+                  <a:txBody>
+                    <a:bodyPr/>
+                    <a:lstStyle/>
+                    <a:p>
+                      <a:endParaRPr lang="zh-CN" altLang="en-US"/>
+                    </a:p>
+                  </a:txBody>
+                  <a:tcPr/>
+                </a:tc>
+                <a:tc>
+                  <a:txBody>
+                    <a:bodyPr/>
+                    <a:lstStyle/>
+                    <a:p>
+                      <a:pPr algn="l" fontAlgn="ctr"/>
+                      <a:r>
+                        <a:rPr lang="zh-CN" altLang="en-US" sz="1000" b="0" i="0" u="none" strike="noStrike">
+                          <a:solidFill>
+                            <a:srgbClr val="000000"/>
+                          </a:solidFill>
+                          <a:latin typeface="+mn-ea"/>
+                          <a:ea typeface="+mn-ea"/>
+                        </a:rPr>
+                        <a:t>上年年初至今券销售额（未税）</a:t>
+                      </a:r>
+                    </a:p>
+                  </a:txBody>
+                  <a:tcPr marL="6648" marR="6648" marT="6648" marB="0" anchor="ctr">
+                    <a:lnL w="6350" cap="flat" cmpd="sng" algn="ctr">
+                      <a:solidFill>
+                        <a:srgbClr val="000000"/>
+                      </a:solidFill>
+                      <a:prstDash val="solid"/>
+                      <a:round/>
+                      <a:headEnd type="none" w="med" len="med"/>
+                      <a:tailEnd type="none" w="med" len="med"/>
+                    </a:lnL>
+                    <a:lnR w="6350" cap="flat" cmpd="sng" algn="ctr">
+                      <a:solidFill>
+                        <a:srgbClr val="000000"/>
+                      </a:solidFill>
+                      <a:prstDash val="solid"/>
+                      <a:round/>
+                      <a:headEnd type="none" w="med" len="med"/>
+                      <a:tailEnd type="none" w="med" len="med"/>
+                    </a:lnR>
+                    <a:lnT w="6350" cap="flat" cmpd="sng" algn="ctr">
+                      <a:solidFill>
+                        <a:srgbClr val="000000"/>
+                      </a:solidFill>
+                      <a:prstDash val="solid"/>
+                      <a:round/>
+                      <a:headEnd type="none" w="med" len="med"/>
+                      <a:tailEnd type="none" w="med" len="med"/>
+                    </a:lnT>
+                    <a:lnB w="6350" cap="flat" cmpd="sng" algn="ctr">
+                      <a:solidFill>
+                        <a:srgbClr val="000000"/>
+                      </a:solidFill>
+                      <a:prstDash val="solid"/>
+                      <a:round/>
+                      <a:headEnd type="none" w="med" len="med"/>
+                      <a:tailEnd type="none" w="med" len="med"/>
+                    </a:lnB>
+                  </a:tcPr>
+                </a:tc>
+                <a:tc>
+                  <a:txBody>
+                    <a:bodyPr/>
+                    <a:lstStyle/>
+                    <a:p>
+                      <a:pPr algn="l" fontAlgn="ctr"/>
+                      <a:r>
+                        <a:rPr lang="en-US" sz="1000" b="0" i="0" u="none" strike="noStrike" dirty="0" err="1">
+                          <a:solidFill>
+                            <a:srgbClr val="000000"/>
+                          </a:solidFill>
+                          <a:latin typeface="+mn-ea"/>
+                          <a:ea typeface="+mn-ea"/>
+                        </a:rPr>
+                        <a:t>Sales_Net_Sales_Coupon_Amt_LY_YTD</a:t>
+                      </a:r>
+                      <a:endParaRPr lang="en-US" sz="1000" b="0" i="0" u="none" strike="noStrike" dirty="0">
+                        <a:solidFill>
+                          <a:srgbClr val="000000"/>
+                        </a:solidFill>
+                        <a:latin typeface="+mn-ea"/>
+                        <a:ea typeface="+mn-ea"/>
+                      </a:endParaRPr>
+                    </a:p>
+                  </a:txBody>
+                  <a:tcPr marL="6648" marR="6648" marT="6648" marB="0" anchor="ctr">
+                    <a:lnL w="6350" cap="flat" cmpd="sng" algn="ctr">
+                      <a:solidFill>
+                        <a:srgbClr val="000000"/>
+                      </a:solidFill>
+                      <a:prstDash val="solid"/>
+                      <a:round/>
+                      <a:headEnd type="none" w="med" len="med"/>
+                      <a:tailEnd type="none" w="med" len="med"/>
+                    </a:lnL>
+                    <a:lnR w="6350" cap="flat" cmpd="sng" algn="ctr">
+                      <a:solidFill>
+                        <a:srgbClr val="000000"/>
+                      </a:solidFill>
+                      <a:prstDash val="solid"/>
+                      <a:round/>
+                      <a:headEnd type="none" w="med" len="med"/>
+                      <a:tailEnd type="none" w="med" len="med"/>
+                    </a:lnR>
+                    <a:lnT w="6350" cap="flat" cmpd="sng" algn="ctr">
+                      <a:solidFill>
+                        <a:srgbClr val="000000"/>
+                      </a:solidFill>
+                      <a:prstDash val="solid"/>
+                      <a:round/>
+                      <a:headEnd type="none" w="med" len="med"/>
+                      <a:tailEnd type="none" w="med" len="med"/>
+                    </a:lnT>
+                    <a:lnB w="6350" cap="flat" cmpd="sng" algn="ctr">
+                      <a:solidFill>
+                        <a:srgbClr val="000000"/>
+                      </a:solidFill>
+                      <a:prstDash val="solid"/>
+                      <a:round/>
+                      <a:headEnd type="none" w="med" len="med"/>
+                      <a:tailEnd type="none" w="med" len="med"/>
+                    </a:lnB>
+                  </a:tcPr>
+                </a:tc>
+                <a:tc>
+                  <a:txBody>
+                    <a:bodyPr/>
+                    <a:lstStyle/>
+                    <a:p>
+                      <a:pPr algn="l" fontAlgn="ctr"/>
+                      <a:r>
+                        <a:rPr lang="zh-CN" altLang="en-US" sz="1000" b="0" i="0" u="none" strike="noStrike">
+                          <a:solidFill>
+                            <a:srgbClr val="000000"/>
+                          </a:solidFill>
+                          <a:latin typeface="+mn-ea"/>
+                          <a:ea typeface="+mn-ea"/>
+                        </a:rPr>
+                        <a:t>去年同期年累计未税券销售金额</a:t>
+                      </a:r>
+                    </a:p>
+                  </a:txBody>
+                  <a:tcPr marL="6648" marR="6648" marT="6648" marB="0" anchor="ctr">
+                    <a:lnL w="6350" cap="flat" cmpd="sng" algn="ctr">
+                      <a:solidFill>
+                        <a:srgbClr val="000000"/>
+                      </a:solidFill>
+                      <a:prstDash val="solid"/>
+                      <a:round/>
+                      <a:headEnd type="none" w="med" len="med"/>
+                      <a:tailEnd type="none" w="med" len="med"/>
+                    </a:lnL>
+                    <a:lnR w="6350" cap="flat" cmpd="sng" algn="ctr">
+                      <a:solidFill>
+                        <a:srgbClr val="000000"/>
+                      </a:solidFill>
+                      <a:prstDash val="solid"/>
+                      <a:round/>
+                      <a:headEnd type="none" w="med" len="med"/>
+                      <a:tailEnd type="none" w="med" len="med"/>
+                    </a:lnR>
+                    <a:lnT w="6350" cap="flat" cmpd="sng" algn="ctr">
+                      <a:solidFill>
+                        <a:srgbClr val="000000"/>
+                      </a:solidFill>
+                      <a:prstDash val="solid"/>
+                      <a:round/>
+                      <a:headEnd type="none" w="med" len="med"/>
+                      <a:tailEnd type="none" w="med" len="med"/>
+                    </a:lnT>
+                    <a:lnB w="6350" cap="flat" cmpd="sng" algn="ctr">
+                      <a:solidFill>
+                        <a:srgbClr val="000000"/>
+                      </a:solidFill>
+                      <a:prstDash val="solid"/>
+                      <a:round/>
+                      <a:headEnd type="none" w="med" len="med"/>
+                      <a:tailEnd type="none" w="med" len="med"/>
+                    </a:lnB>
+                  </a:tcPr>
+                </a:tc>
+                <a:tc>
+                  <a:txBody>
+                    <a:bodyPr/>
+                    <a:lstStyle/>
+                    <a:p>
+                      <a:pPr algn="l" fontAlgn="ctr"/>
+                      <a:r>
+                        <a:rPr lang="zh-CN" altLang="en-US" sz="1000" b="0" i="0" u="none" strike="noStrike">
+                          <a:solidFill>
+                            <a:srgbClr val="000000"/>
+                          </a:solidFill>
+                          <a:latin typeface="+mn-ea"/>
+                          <a:ea typeface="+mn-ea"/>
+                        </a:rPr>
+                        <a:t>知而行券，厂商券，</a:t>
+                      </a:r>
+                      <a:r>
+                        <a:rPr lang="en-US" sz="1000" b="0" i="0" u="none" strike="noStrike">
+                          <a:solidFill>
+                            <a:srgbClr val="000000"/>
+                          </a:solidFill>
+                          <a:latin typeface="+mn-ea"/>
+                          <a:ea typeface="+mn-ea"/>
+                        </a:rPr>
+                        <a:t>siebel</a:t>
+                      </a:r>
+                      <a:r>
+                        <a:rPr lang="zh-CN" altLang="en-US" sz="1000" b="0" i="0" u="none" strike="noStrike">
+                          <a:solidFill>
+                            <a:srgbClr val="000000"/>
+                          </a:solidFill>
+                          <a:latin typeface="+mn-ea"/>
+                          <a:ea typeface="+mn-ea"/>
+                        </a:rPr>
+                        <a:t>券</a:t>
+                      </a:r>
+                    </a:p>
+                  </a:txBody>
+                  <a:tcPr marL="6648" marR="6648" marT="6648" marB="0" anchor="ctr">
+                    <a:lnL w="6350" cap="flat" cmpd="sng" algn="ctr">
+                      <a:solidFill>
+                        <a:srgbClr val="000000"/>
+                      </a:solidFill>
+                      <a:prstDash val="solid"/>
+                      <a:round/>
+                      <a:headEnd type="none" w="med" len="med"/>
+                      <a:tailEnd type="none" w="med" len="med"/>
+                    </a:lnL>
+                    <a:lnR w="6350" cap="flat" cmpd="sng" algn="ctr">
+                      <a:solidFill>
+                        <a:srgbClr val="000000"/>
+                      </a:solidFill>
+                      <a:prstDash val="solid"/>
+                      <a:round/>
+                      <a:headEnd type="none" w="med" len="med"/>
+                      <a:tailEnd type="none" w="med" len="med"/>
+                    </a:lnR>
+                    <a:lnT w="6350" cap="flat" cmpd="sng" algn="ctr">
+                      <a:solidFill>
+                        <a:srgbClr val="000000"/>
+                      </a:solidFill>
+                      <a:prstDash val="solid"/>
+                      <a:round/>
+                      <a:headEnd type="none" w="med" len="med"/>
+                      <a:tailEnd type="none" w="med" len="med"/>
+                    </a:lnT>
+                    <a:lnB w="6350" cap="flat" cmpd="sng" algn="ctr">
+                      <a:solidFill>
+                        <a:srgbClr val="000000"/>
+                      </a:solidFill>
+                      <a:prstDash val="solid"/>
+                      <a:round/>
+                      <a:headEnd type="none" w="med" len="med"/>
+                      <a:tailEnd type="none" w="med" len="med"/>
+                    </a:lnB>
+                  </a:tcPr>
+                </a:tc>
+              </a:tr>
+              <a:tr h="390159">
+                <a:tc vMerge="1">
+                  <a:txBody>
+                    <a:bodyPr/>
+                    <a:lstStyle/>
+                    <a:p>
+                      <a:endParaRPr lang="zh-CN" altLang="en-US"/>
+                    </a:p>
+                  </a:txBody>
+                  <a:tcPr/>
+                </a:tc>
+                <a:tc>
+                  <a:txBody>
+                    <a:bodyPr/>
+                    <a:lstStyle/>
+                    <a:p>
+                      <a:pPr algn="l" fontAlgn="ctr"/>
+                      <a:r>
+                        <a:rPr lang="zh-CN" altLang="en-US" sz="1000" b="0" i="0" u="none" strike="noStrike">
+                          <a:solidFill>
+                            <a:srgbClr val="000000"/>
+                          </a:solidFill>
+                          <a:latin typeface="+mn-ea"/>
+                          <a:ea typeface="+mn-ea"/>
+                        </a:rPr>
+                        <a:t>月初至今券销售额（未税）</a:t>
+                      </a:r>
+                    </a:p>
+                  </a:txBody>
+                  <a:tcPr marL="6648" marR="6648" marT="6648" marB="0" anchor="ctr">
+                    <a:lnL w="6350" cap="flat" cmpd="sng" algn="ctr">
+                      <a:solidFill>
+                        <a:srgbClr val="000000"/>
+                      </a:solidFill>
+                      <a:prstDash val="solid"/>
+                      <a:round/>
+                      <a:headEnd type="none" w="med" len="med"/>
+                      <a:tailEnd type="none" w="med" len="med"/>
+                    </a:lnL>
+                    <a:lnR w="6350" cap="flat" cmpd="sng" algn="ctr">
+                      <a:solidFill>
+                        <a:srgbClr val="000000"/>
+                      </a:solidFill>
+                      <a:prstDash val="solid"/>
+                      <a:round/>
+                      <a:headEnd type="none" w="med" len="med"/>
+                      <a:tailEnd type="none" w="med" len="med"/>
+                    </a:lnR>
+                    <a:lnT w="6350" cap="flat" cmpd="sng" algn="ctr">
+                      <a:solidFill>
+                        <a:srgbClr val="000000"/>
+                      </a:solidFill>
+                      <a:prstDash val="solid"/>
+                      <a:round/>
+                      <a:headEnd type="none" w="med" len="med"/>
+                      <a:tailEnd type="none" w="med" len="med"/>
+                    </a:lnT>
+                    <a:lnB w="6350" cap="flat" cmpd="sng" algn="ctr">
+                      <a:solidFill>
+                        <a:srgbClr val="000000"/>
+                      </a:solidFill>
+                      <a:prstDash val="solid"/>
+                      <a:round/>
+                      <a:headEnd type="none" w="med" len="med"/>
+                      <a:tailEnd type="none" w="med" len="med"/>
+                    </a:lnB>
+                  </a:tcPr>
+                </a:tc>
+                <a:tc>
+                  <a:txBody>
+                    <a:bodyPr/>
+                    <a:lstStyle/>
+                    <a:p>
+                      <a:pPr algn="l" fontAlgn="ctr"/>
+                      <a:r>
+                        <a:rPr lang="en-US" sz="1000" b="0" i="0" u="none" strike="noStrike">
+                          <a:solidFill>
+                            <a:srgbClr val="000000"/>
+                          </a:solidFill>
+                          <a:latin typeface="+mn-ea"/>
+                          <a:ea typeface="+mn-ea"/>
+                        </a:rPr>
+                        <a:t>Sales_Net_Sales_Coupon_Amt_MTD</a:t>
+                      </a:r>
+                    </a:p>
+                  </a:txBody>
+                  <a:tcPr marL="6648" marR="6648" marT="6648" marB="0" anchor="ctr">
+                    <a:lnL w="6350" cap="flat" cmpd="sng" algn="ctr">
+                      <a:solidFill>
+                        <a:srgbClr val="000000"/>
+                      </a:solidFill>
+                      <a:prstDash val="solid"/>
+                      <a:round/>
+                      <a:headEnd type="none" w="med" len="med"/>
+                      <a:tailEnd type="none" w="med" len="med"/>
+                    </a:lnL>
+                    <a:lnR w="6350" cap="flat" cmpd="sng" algn="ctr">
+                      <a:solidFill>
+                        <a:srgbClr val="000000"/>
+                      </a:solidFill>
+                      <a:prstDash val="solid"/>
+                      <a:round/>
+                      <a:headEnd type="none" w="med" len="med"/>
+                      <a:tailEnd type="none" w="med" len="med"/>
+                    </a:lnR>
+                    <a:lnT w="6350" cap="flat" cmpd="sng" algn="ctr">
+                      <a:solidFill>
+                        <a:srgbClr val="000000"/>
+                      </a:solidFill>
+                      <a:prstDash val="solid"/>
+                      <a:round/>
+                      <a:headEnd type="none" w="med" len="med"/>
+                      <a:tailEnd type="none" w="med" len="med"/>
+                    </a:lnT>
+                    <a:lnB w="6350" cap="flat" cmpd="sng" algn="ctr">
+                      <a:solidFill>
+                        <a:srgbClr val="000000"/>
+                      </a:solidFill>
+                      <a:prstDash val="solid"/>
+                      <a:round/>
+                      <a:headEnd type="none" w="med" len="med"/>
+                      <a:tailEnd type="none" w="med" len="med"/>
+                    </a:lnB>
+                  </a:tcPr>
+                </a:tc>
+                <a:tc>
+                  <a:txBody>
+                    <a:bodyPr/>
+                    <a:lstStyle/>
+                    <a:p>
+                      <a:pPr algn="l" fontAlgn="ctr"/>
+                      <a:r>
+                        <a:rPr lang="zh-CN" altLang="en-US" sz="1000" b="0" i="0" u="none" strike="noStrike">
+                          <a:solidFill>
+                            <a:srgbClr val="000000"/>
+                          </a:solidFill>
+                          <a:latin typeface="+mn-ea"/>
+                          <a:ea typeface="+mn-ea"/>
+                        </a:rPr>
+                        <a:t>当月累计未税券销售金额</a:t>
+                      </a:r>
+                    </a:p>
+                  </a:txBody>
+                  <a:tcPr marL="6648" marR="6648" marT="6648" marB="0" anchor="ctr">
+                    <a:lnL w="6350" cap="flat" cmpd="sng" algn="ctr">
+                      <a:solidFill>
+                        <a:srgbClr val="000000"/>
+                      </a:solidFill>
+                      <a:prstDash val="solid"/>
+                      <a:round/>
+                      <a:headEnd type="none" w="med" len="med"/>
+                      <a:tailEnd type="none" w="med" len="med"/>
+                    </a:lnL>
+                    <a:lnR w="6350" cap="flat" cmpd="sng" algn="ctr">
+                      <a:solidFill>
+                        <a:srgbClr val="000000"/>
+                      </a:solidFill>
+                      <a:prstDash val="solid"/>
+                      <a:round/>
+                      <a:headEnd type="none" w="med" len="med"/>
+                      <a:tailEnd type="none" w="med" len="med"/>
+                    </a:lnR>
+                    <a:lnT w="6350" cap="flat" cmpd="sng" algn="ctr">
+                      <a:solidFill>
+                        <a:srgbClr val="000000"/>
+                      </a:solidFill>
+                      <a:prstDash val="solid"/>
+                      <a:round/>
+                      <a:headEnd type="none" w="med" len="med"/>
+                      <a:tailEnd type="none" w="med" len="med"/>
+                    </a:lnT>
+                    <a:lnB w="6350" cap="flat" cmpd="sng" algn="ctr">
+                      <a:solidFill>
+                        <a:srgbClr val="000000"/>
+                      </a:solidFill>
+                      <a:prstDash val="solid"/>
+                      <a:round/>
+                      <a:headEnd type="none" w="med" len="med"/>
+                      <a:tailEnd type="none" w="med" len="med"/>
+                    </a:lnB>
+                  </a:tcPr>
+                </a:tc>
+                <a:tc>
+                  <a:txBody>
+                    <a:bodyPr/>
+                    <a:lstStyle/>
+                    <a:p>
+                      <a:pPr algn="l" fontAlgn="ctr"/>
+                      <a:r>
+                        <a:rPr lang="zh-CN" altLang="en-US" sz="1000" b="0" i="0" u="none" strike="noStrike">
+                          <a:solidFill>
+                            <a:srgbClr val="000000"/>
+                          </a:solidFill>
+                          <a:latin typeface="+mn-ea"/>
+                          <a:ea typeface="+mn-ea"/>
+                        </a:rPr>
+                        <a:t>知而行券，厂商券，</a:t>
+                      </a:r>
+                      <a:r>
+                        <a:rPr lang="en-US" sz="1000" b="0" i="0" u="none" strike="noStrike">
+                          <a:solidFill>
+                            <a:srgbClr val="000000"/>
+                          </a:solidFill>
+                          <a:latin typeface="+mn-ea"/>
+                          <a:ea typeface="+mn-ea"/>
+                        </a:rPr>
+                        <a:t>siebel</a:t>
+                      </a:r>
+                      <a:r>
+                        <a:rPr lang="zh-CN" altLang="en-US" sz="1000" b="0" i="0" u="none" strike="noStrike">
+                          <a:solidFill>
+                            <a:srgbClr val="000000"/>
+                          </a:solidFill>
+                          <a:latin typeface="+mn-ea"/>
+                          <a:ea typeface="+mn-ea"/>
+                        </a:rPr>
+                        <a:t>券</a:t>
+                      </a:r>
+                    </a:p>
+                  </a:txBody>
+                  <a:tcPr marL="6648" marR="6648" marT="6648" marB="0" anchor="ctr">
+                    <a:lnL w="6350" cap="flat" cmpd="sng" algn="ctr">
+                      <a:solidFill>
+                        <a:srgbClr val="000000"/>
+                      </a:solidFill>
+                      <a:prstDash val="solid"/>
+                      <a:round/>
+                      <a:headEnd type="none" w="med" len="med"/>
+                      <a:tailEnd type="none" w="med" len="med"/>
+                    </a:lnL>
+                    <a:lnR w="6350" cap="flat" cmpd="sng" algn="ctr">
+                      <a:solidFill>
+                        <a:srgbClr val="000000"/>
+                      </a:solidFill>
+                      <a:prstDash val="solid"/>
+                      <a:round/>
+                      <a:headEnd type="none" w="med" len="med"/>
+                      <a:tailEnd type="none" w="med" len="med"/>
+                    </a:lnR>
+                    <a:lnT w="6350" cap="flat" cmpd="sng" algn="ctr">
+                      <a:solidFill>
+                        <a:srgbClr val="000000"/>
+                      </a:solidFill>
+                      <a:prstDash val="solid"/>
+                      <a:round/>
+                      <a:headEnd type="none" w="med" len="med"/>
+                      <a:tailEnd type="none" w="med" len="med"/>
+                    </a:lnT>
+                    <a:lnB w="6350" cap="flat" cmpd="sng" algn="ctr">
+                      <a:solidFill>
+                        <a:srgbClr val="000000"/>
+                      </a:solidFill>
+                      <a:prstDash val="solid"/>
+                      <a:round/>
+                      <a:headEnd type="none" w="med" len="med"/>
+                      <a:tailEnd type="none" w="med" len="med"/>
+                    </a:lnB>
+                  </a:tcPr>
+                </a:tc>
+              </a:tr>
+              <a:tr h="390159">
+                <a:tc vMerge="1">
+                  <a:txBody>
+                    <a:bodyPr/>
+                    <a:lstStyle/>
+                    <a:p>
+                      <a:endParaRPr lang="zh-CN" altLang="en-US"/>
+                    </a:p>
+                  </a:txBody>
+                  <a:tcPr/>
+                </a:tc>
+                <a:tc>
+                  <a:txBody>
+                    <a:bodyPr/>
+                    <a:lstStyle/>
+                    <a:p>
+                      <a:pPr algn="l" fontAlgn="ctr"/>
+                      <a:r>
+                        <a:rPr lang="zh-CN" altLang="en-US" sz="1000" b="0" i="0" u="none" strike="noStrike">
+                          <a:solidFill>
+                            <a:srgbClr val="000000"/>
+                          </a:solidFill>
+                          <a:latin typeface="+mn-ea"/>
+                          <a:ea typeface="+mn-ea"/>
+                        </a:rPr>
+                        <a:t>年初至今券销售额（未税）</a:t>
+                      </a:r>
+                    </a:p>
+                  </a:txBody>
+                  <a:tcPr marL="6648" marR="6648" marT="6648" marB="0" anchor="ctr">
+                    <a:lnL w="6350" cap="flat" cmpd="sng" algn="ctr">
+                      <a:solidFill>
+                        <a:srgbClr val="000000"/>
+                      </a:solidFill>
+                      <a:prstDash val="solid"/>
+                      <a:round/>
+                      <a:headEnd type="none" w="med" len="med"/>
+                      <a:tailEnd type="none" w="med" len="med"/>
+                    </a:lnL>
+                    <a:lnR w="6350" cap="flat" cmpd="sng" algn="ctr">
+                      <a:solidFill>
+                        <a:srgbClr val="000000"/>
+                      </a:solidFill>
+                      <a:prstDash val="solid"/>
+                      <a:round/>
+                      <a:headEnd type="none" w="med" len="med"/>
+                      <a:tailEnd type="none" w="med" len="med"/>
+                    </a:lnR>
+                    <a:lnT w="6350" cap="flat" cmpd="sng" algn="ctr">
+                      <a:solidFill>
+                        <a:srgbClr val="000000"/>
+                      </a:solidFill>
+                      <a:prstDash val="solid"/>
+                      <a:round/>
+                      <a:headEnd type="none" w="med" len="med"/>
+                      <a:tailEnd type="none" w="med" len="med"/>
+                    </a:lnT>
+                    <a:lnB w="6350" cap="flat" cmpd="sng" algn="ctr">
+                      <a:solidFill>
+                        <a:srgbClr val="000000"/>
+                      </a:solidFill>
+                      <a:prstDash val="solid"/>
+                      <a:round/>
+                      <a:headEnd type="none" w="med" len="med"/>
+                      <a:tailEnd type="none" w="med" len="med"/>
+                    </a:lnB>
+                  </a:tcPr>
+                </a:tc>
+                <a:tc>
+                  <a:txBody>
+                    <a:bodyPr/>
+                    <a:lstStyle/>
+                    <a:p>
+                      <a:pPr algn="l" fontAlgn="ctr"/>
+                      <a:r>
+                        <a:rPr lang="en-US" sz="1000" b="0" i="0" u="none" strike="noStrike">
+                          <a:solidFill>
+                            <a:srgbClr val="000000"/>
+                          </a:solidFill>
+                          <a:latin typeface="+mn-ea"/>
+                          <a:ea typeface="+mn-ea"/>
+                        </a:rPr>
+                        <a:t>Sales_Net_Sales_Coupon_Amt_YTD</a:t>
+                      </a:r>
+                    </a:p>
+                  </a:txBody>
+                  <a:tcPr marL="6648" marR="6648" marT="6648" marB="0" anchor="ctr">
+                    <a:lnL w="6350" cap="flat" cmpd="sng" algn="ctr">
+                      <a:solidFill>
+                        <a:srgbClr val="000000"/>
+                      </a:solidFill>
+                      <a:prstDash val="solid"/>
+                      <a:round/>
+                      <a:headEnd type="none" w="med" len="med"/>
+                      <a:tailEnd type="none" w="med" len="med"/>
+                    </a:lnL>
+                    <a:lnR w="6350" cap="flat" cmpd="sng" algn="ctr">
+                      <a:solidFill>
+                        <a:srgbClr val="000000"/>
+                      </a:solidFill>
+                      <a:prstDash val="solid"/>
+                      <a:round/>
+                      <a:headEnd type="none" w="med" len="med"/>
+                      <a:tailEnd type="none" w="med" len="med"/>
+                    </a:lnR>
+                    <a:lnT w="6350" cap="flat" cmpd="sng" algn="ctr">
+                      <a:solidFill>
+                        <a:srgbClr val="000000"/>
+                      </a:solidFill>
+                      <a:prstDash val="solid"/>
+                      <a:round/>
+                      <a:headEnd type="none" w="med" len="med"/>
+                      <a:tailEnd type="none" w="med" len="med"/>
+                    </a:lnT>
+                    <a:lnB w="6350" cap="flat" cmpd="sng" algn="ctr">
+                      <a:solidFill>
+                        <a:srgbClr val="000000"/>
+                      </a:solidFill>
+                      <a:prstDash val="solid"/>
+                      <a:round/>
+                      <a:headEnd type="none" w="med" len="med"/>
+                      <a:tailEnd type="none" w="med" len="med"/>
+                    </a:lnB>
+                  </a:tcPr>
+                </a:tc>
+                <a:tc>
+                  <a:txBody>
+                    <a:bodyPr/>
+                    <a:lstStyle/>
+                    <a:p>
+                      <a:pPr algn="l" fontAlgn="ctr"/>
+                      <a:r>
+                        <a:rPr lang="zh-CN" altLang="en-US" sz="1000" b="0" i="0" u="none" strike="noStrike">
+                          <a:solidFill>
+                            <a:srgbClr val="000000"/>
+                          </a:solidFill>
+                          <a:latin typeface="+mn-ea"/>
+                          <a:ea typeface="+mn-ea"/>
+                        </a:rPr>
+                        <a:t>当年累计未税券销售金额</a:t>
+                      </a:r>
+                    </a:p>
+                  </a:txBody>
+                  <a:tcPr marL="6648" marR="6648" marT="6648" marB="0" anchor="ctr">
+                    <a:lnL w="6350" cap="flat" cmpd="sng" algn="ctr">
+                      <a:solidFill>
+                        <a:srgbClr val="000000"/>
+                      </a:solidFill>
+                      <a:prstDash val="solid"/>
+                      <a:round/>
+                      <a:headEnd type="none" w="med" len="med"/>
+                      <a:tailEnd type="none" w="med" len="med"/>
+                    </a:lnL>
+                    <a:lnR w="6350" cap="flat" cmpd="sng" algn="ctr">
+                      <a:solidFill>
+                        <a:srgbClr val="000000"/>
+                      </a:solidFill>
+                      <a:prstDash val="solid"/>
+                      <a:round/>
+                      <a:headEnd type="none" w="med" len="med"/>
+                      <a:tailEnd type="none" w="med" len="med"/>
+                    </a:lnR>
+                    <a:lnT w="6350" cap="flat" cmpd="sng" algn="ctr">
+                      <a:solidFill>
+                        <a:srgbClr val="000000"/>
+                      </a:solidFill>
+                      <a:prstDash val="solid"/>
+                      <a:round/>
+                      <a:headEnd type="none" w="med" len="med"/>
+                      <a:tailEnd type="none" w="med" len="med"/>
+                    </a:lnT>
+                    <a:lnB w="6350" cap="flat" cmpd="sng" algn="ctr">
+                      <a:solidFill>
+                        <a:srgbClr val="000000"/>
+                      </a:solidFill>
+                      <a:prstDash val="solid"/>
+                      <a:round/>
+                      <a:headEnd type="none" w="med" len="med"/>
+                      <a:tailEnd type="none" w="med" len="med"/>
+                    </a:lnB>
+                  </a:tcPr>
+                </a:tc>
+                <a:tc>
+                  <a:txBody>
+                    <a:bodyPr/>
+                    <a:lstStyle/>
+                    <a:p>
+                      <a:pPr algn="l" fontAlgn="ctr"/>
+                      <a:r>
+                        <a:rPr lang="zh-CN" altLang="en-US" sz="1000" b="0" i="0" u="none" strike="noStrike">
+                          <a:solidFill>
+                            <a:srgbClr val="000000"/>
+                          </a:solidFill>
+                          <a:latin typeface="+mn-ea"/>
+                          <a:ea typeface="+mn-ea"/>
+                        </a:rPr>
+                        <a:t>知而行券，厂商券，</a:t>
+                      </a:r>
+                      <a:r>
+                        <a:rPr lang="en-US" sz="1000" b="0" i="0" u="none" strike="noStrike">
+                          <a:solidFill>
+                            <a:srgbClr val="000000"/>
+                          </a:solidFill>
+                          <a:latin typeface="+mn-ea"/>
+                          <a:ea typeface="+mn-ea"/>
+                        </a:rPr>
+                        <a:t>siebel</a:t>
+                      </a:r>
+                      <a:r>
+                        <a:rPr lang="zh-CN" altLang="en-US" sz="1000" b="0" i="0" u="none" strike="noStrike">
+                          <a:solidFill>
+                            <a:srgbClr val="000000"/>
+                          </a:solidFill>
+                          <a:latin typeface="+mn-ea"/>
+                          <a:ea typeface="+mn-ea"/>
+                        </a:rPr>
+                        <a:t>券</a:t>
+                      </a:r>
+                    </a:p>
+                  </a:txBody>
+                  <a:tcPr marL="6648" marR="6648" marT="6648" marB="0" anchor="ctr">
+                    <a:lnL w="6350" cap="flat" cmpd="sng" algn="ctr">
+                      <a:solidFill>
+                        <a:srgbClr val="000000"/>
+                      </a:solidFill>
+                      <a:prstDash val="solid"/>
+                      <a:round/>
+                      <a:headEnd type="none" w="med" len="med"/>
+                      <a:tailEnd type="none" w="med" len="med"/>
+                    </a:lnL>
+                    <a:lnR w="6350" cap="flat" cmpd="sng" algn="ctr">
+                      <a:solidFill>
+                        <a:srgbClr val="000000"/>
+                      </a:solidFill>
+                      <a:prstDash val="solid"/>
+                      <a:round/>
+                      <a:headEnd type="none" w="med" len="med"/>
+                      <a:tailEnd type="none" w="med" len="med"/>
+                    </a:lnR>
+                    <a:lnT w="6350" cap="flat" cmpd="sng" algn="ctr">
+                      <a:solidFill>
+                        <a:srgbClr val="000000"/>
+                      </a:solidFill>
+                      <a:prstDash val="solid"/>
+                      <a:round/>
+                      <a:headEnd type="none" w="med" len="med"/>
+                      <a:tailEnd type="none" w="med" len="med"/>
+                    </a:lnT>
+                    <a:lnB w="6350" cap="flat" cmpd="sng" algn="ctr">
+                      <a:solidFill>
+                        <a:srgbClr val="000000"/>
+                      </a:solidFill>
+                      <a:prstDash val="solid"/>
+                      <a:round/>
+                      <a:headEnd type="none" w="med" len="med"/>
+                      <a:tailEnd type="none" w="med" len="med"/>
+                    </a:lnB>
+                  </a:tcPr>
+                </a:tc>
+              </a:tr>
+              <a:tr h="390159">
+                <a:tc vMerge="1">
+                  <a:txBody>
+                    <a:bodyPr/>
+                    <a:lstStyle/>
+                    <a:p>
+                      <a:endParaRPr lang="zh-CN" altLang="en-US"/>
+                    </a:p>
+                  </a:txBody>
+                  <a:tcPr/>
+                </a:tc>
+                <a:tc>
+                  <a:txBody>
+                    <a:bodyPr/>
+                    <a:lstStyle/>
+                    <a:p>
+                      <a:pPr algn="l" fontAlgn="ctr"/>
+                      <a:r>
+                        <a:rPr lang="zh-CN" altLang="en-US" sz="1000" b="0" i="0" u="none" strike="noStrike">
+                          <a:solidFill>
+                            <a:srgbClr val="000000"/>
+                          </a:solidFill>
+                          <a:latin typeface="+mn-ea"/>
+                          <a:ea typeface="+mn-ea"/>
+                        </a:rPr>
+                        <a:t>券销售额（含税）</a:t>
+                      </a:r>
+                    </a:p>
+                  </a:txBody>
+                  <a:tcPr marL="6648" marR="6648" marT="6648" marB="0" anchor="ctr">
+                    <a:lnL w="6350" cap="flat" cmpd="sng" algn="ctr">
+                      <a:solidFill>
+                        <a:srgbClr val="000000"/>
+                      </a:solidFill>
+                      <a:prstDash val="solid"/>
+                      <a:round/>
+                      <a:headEnd type="none" w="med" len="med"/>
+                      <a:tailEnd type="none" w="med" len="med"/>
+                    </a:lnL>
+                    <a:lnR w="6350" cap="flat" cmpd="sng" algn="ctr">
+                      <a:solidFill>
+                        <a:srgbClr val="000000"/>
+                      </a:solidFill>
+                      <a:prstDash val="solid"/>
+                      <a:round/>
+                      <a:headEnd type="none" w="med" len="med"/>
+                      <a:tailEnd type="none" w="med" len="med"/>
+                    </a:lnR>
+                    <a:lnT w="6350" cap="flat" cmpd="sng" algn="ctr">
+                      <a:solidFill>
+                        <a:srgbClr val="000000"/>
+                      </a:solidFill>
+                      <a:prstDash val="solid"/>
+                      <a:round/>
+                      <a:headEnd type="none" w="med" len="med"/>
+                      <a:tailEnd type="none" w="med" len="med"/>
+                    </a:lnT>
+                    <a:lnB w="6350" cap="flat" cmpd="sng" algn="ctr">
+                      <a:solidFill>
+                        <a:srgbClr val="000000"/>
+                      </a:solidFill>
+                      <a:prstDash val="solid"/>
+                      <a:round/>
+                      <a:headEnd type="none" w="med" len="med"/>
+                      <a:tailEnd type="none" w="med" len="med"/>
+                    </a:lnB>
+                  </a:tcPr>
+                </a:tc>
+                <a:tc>
+                  <a:txBody>
+                    <a:bodyPr/>
+                    <a:lstStyle/>
+                    <a:p>
+                      <a:pPr algn="l" fontAlgn="ctr"/>
+                      <a:r>
+                        <a:rPr lang="en-US" sz="1000" b="0" i="0" u="none" strike="noStrike">
+                          <a:solidFill>
+                            <a:srgbClr val="000000"/>
+                          </a:solidFill>
+                          <a:latin typeface="+mn-ea"/>
+                          <a:ea typeface="+mn-ea"/>
+                        </a:rPr>
+                        <a:t>Sales_Net_Sales_Coupon_Amt_Inc_Tax</a:t>
+                      </a:r>
+                    </a:p>
+                  </a:txBody>
+                  <a:tcPr marL="6648" marR="6648" marT="6648" marB="0" anchor="ctr">
+                    <a:lnL w="6350" cap="flat" cmpd="sng" algn="ctr">
+                      <a:solidFill>
+                        <a:srgbClr val="000000"/>
+                      </a:solidFill>
+                      <a:prstDash val="solid"/>
+                      <a:round/>
+                      <a:headEnd type="none" w="med" len="med"/>
+                      <a:tailEnd type="none" w="med" len="med"/>
+                    </a:lnL>
+                    <a:lnR w="6350" cap="flat" cmpd="sng" algn="ctr">
+                      <a:solidFill>
+                        <a:srgbClr val="000000"/>
+                      </a:solidFill>
+                      <a:prstDash val="solid"/>
+                      <a:round/>
+                      <a:headEnd type="none" w="med" len="med"/>
+                      <a:tailEnd type="none" w="med" len="med"/>
+                    </a:lnR>
+                    <a:lnT w="6350" cap="flat" cmpd="sng" algn="ctr">
+                      <a:solidFill>
+                        <a:srgbClr val="000000"/>
+                      </a:solidFill>
+                      <a:prstDash val="solid"/>
+                      <a:round/>
+                      <a:headEnd type="none" w="med" len="med"/>
+                      <a:tailEnd type="none" w="med" len="med"/>
+                    </a:lnT>
+                    <a:lnB w="6350" cap="flat" cmpd="sng" algn="ctr">
+                      <a:solidFill>
+                        <a:srgbClr val="000000"/>
+                      </a:solidFill>
+                      <a:prstDash val="solid"/>
+                      <a:round/>
+                      <a:headEnd type="none" w="med" len="med"/>
+                      <a:tailEnd type="none" w="med" len="med"/>
+                    </a:lnB>
+                  </a:tcPr>
+                </a:tc>
+                <a:tc>
+                  <a:txBody>
+                    <a:bodyPr/>
+                    <a:lstStyle/>
+                    <a:p>
+                      <a:pPr algn="l" fontAlgn="ctr"/>
+                      <a:r>
+                        <a:rPr lang="zh-CN" altLang="en-US" sz="1000" b="0" i="0" u="none" strike="noStrike">
+                          <a:solidFill>
+                            <a:srgbClr val="000000"/>
+                          </a:solidFill>
+                          <a:latin typeface="+mn-ea"/>
+                          <a:ea typeface="+mn-ea"/>
+                        </a:rPr>
+                        <a:t>含税券销售金额</a:t>
+                      </a:r>
+                    </a:p>
+                  </a:txBody>
+                  <a:tcPr marL="6648" marR="6648" marT="6648" marB="0" anchor="ctr">
+                    <a:lnL w="6350" cap="flat" cmpd="sng" algn="ctr">
+                      <a:solidFill>
+                        <a:srgbClr val="000000"/>
+                      </a:solidFill>
+                      <a:prstDash val="solid"/>
+                      <a:round/>
+                      <a:headEnd type="none" w="med" len="med"/>
+                      <a:tailEnd type="none" w="med" len="med"/>
+                    </a:lnL>
+                    <a:lnR w="6350" cap="flat" cmpd="sng" algn="ctr">
+                      <a:solidFill>
+                        <a:srgbClr val="000000"/>
+                      </a:solidFill>
+                      <a:prstDash val="solid"/>
+                      <a:round/>
+                      <a:headEnd type="none" w="med" len="med"/>
+                      <a:tailEnd type="none" w="med" len="med"/>
+                    </a:lnR>
+                    <a:lnT w="6350" cap="flat" cmpd="sng" algn="ctr">
+                      <a:solidFill>
+                        <a:srgbClr val="000000"/>
+                      </a:solidFill>
+                      <a:prstDash val="solid"/>
+                      <a:round/>
+                      <a:headEnd type="none" w="med" len="med"/>
+                      <a:tailEnd type="none" w="med" len="med"/>
+                    </a:lnT>
+                    <a:lnB w="6350" cap="flat" cmpd="sng" algn="ctr">
+                      <a:solidFill>
+                        <a:srgbClr val="000000"/>
+                      </a:solidFill>
+                      <a:prstDash val="solid"/>
+                      <a:round/>
+                      <a:headEnd type="none" w="med" len="med"/>
+                      <a:tailEnd type="none" w="med" len="med"/>
+                    </a:lnB>
+                  </a:tcPr>
+                </a:tc>
+                <a:tc>
+                  <a:txBody>
+                    <a:bodyPr/>
+                    <a:lstStyle/>
+                    <a:p>
+                      <a:pPr algn="l" fontAlgn="ctr"/>
+                      <a:r>
+                        <a:rPr lang="zh-CN" altLang="en-US" sz="1000" b="0" i="0" u="none" strike="noStrike">
+                          <a:solidFill>
+                            <a:srgbClr val="000000"/>
+                          </a:solidFill>
+                          <a:latin typeface="+mn-ea"/>
+                          <a:ea typeface="+mn-ea"/>
+                        </a:rPr>
+                        <a:t>知而行券，厂商券，</a:t>
+                      </a:r>
+                      <a:r>
+                        <a:rPr lang="en-US" sz="1000" b="0" i="0" u="none" strike="noStrike">
+                          <a:solidFill>
+                            <a:srgbClr val="000000"/>
+                          </a:solidFill>
+                          <a:latin typeface="+mn-ea"/>
+                          <a:ea typeface="+mn-ea"/>
+                        </a:rPr>
+                        <a:t>siebel</a:t>
+                      </a:r>
+                      <a:r>
+                        <a:rPr lang="zh-CN" altLang="en-US" sz="1000" b="0" i="0" u="none" strike="noStrike">
+                          <a:solidFill>
+                            <a:srgbClr val="000000"/>
+                          </a:solidFill>
+                          <a:latin typeface="+mn-ea"/>
+                          <a:ea typeface="+mn-ea"/>
+                        </a:rPr>
+                        <a:t>券</a:t>
+                      </a:r>
+                    </a:p>
+                  </a:txBody>
+                  <a:tcPr marL="6648" marR="6648" marT="6648" marB="0" anchor="ctr">
+                    <a:lnL w="6350" cap="flat" cmpd="sng" algn="ctr">
+                      <a:solidFill>
+                        <a:srgbClr val="000000"/>
+                      </a:solidFill>
+                      <a:prstDash val="solid"/>
+                      <a:round/>
+                      <a:headEnd type="none" w="med" len="med"/>
+                      <a:tailEnd type="none" w="med" len="med"/>
+                    </a:lnL>
+                    <a:lnR w="6350" cap="flat" cmpd="sng" algn="ctr">
+                      <a:solidFill>
+                        <a:srgbClr val="000000"/>
+                      </a:solidFill>
+                      <a:prstDash val="solid"/>
+                      <a:round/>
+                      <a:headEnd type="none" w="med" len="med"/>
+                      <a:tailEnd type="none" w="med" len="med"/>
+                    </a:lnR>
+                    <a:lnT w="6350" cap="flat" cmpd="sng" algn="ctr">
+                      <a:solidFill>
+                        <a:srgbClr val="000000"/>
+                      </a:solidFill>
+                      <a:prstDash val="solid"/>
+                      <a:round/>
+                      <a:headEnd type="none" w="med" len="med"/>
+                      <a:tailEnd type="none" w="med" len="med"/>
+                    </a:lnT>
+                    <a:lnB w="6350" cap="flat" cmpd="sng" algn="ctr">
+                      <a:solidFill>
+                        <a:srgbClr val="000000"/>
+                      </a:solidFill>
+                      <a:prstDash val="solid"/>
+                      <a:round/>
+                      <a:headEnd type="none" w="med" len="med"/>
+                      <a:tailEnd type="none" w="med" len="med"/>
+                    </a:lnB>
+                  </a:tcPr>
+                </a:tc>
+              </a:tr>
+              <a:tr h="390159">
+                <a:tc vMerge="1">
+                  <a:txBody>
+                    <a:bodyPr/>
+                    <a:lstStyle/>
+                    <a:p>
+                      <a:endParaRPr lang="zh-CN" altLang="en-US"/>
+                    </a:p>
+                  </a:txBody>
+                  <a:tcPr/>
+                </a:tc>
+                <a:tc>
+                  <a:txBody>
+                    <a:bodyPr/>
+                    <a:lstStyle/>
+                    <a:p>
+                      <a:pPr algn="l" fontAlgn="ctr"/>
+                      <a:r>
+                        <a:rPr lang="zh-CN" altLang="en-US" sz="1000" b="0" i="0" u="none" strike="noStrike">
+                          <a:solidFill>
+                            <a:srgbClr val="000000"/>
+                          </a:solidFill>
+                          <a:latin typeface="+mn-ea"/>
+                          <a:ea typeface="+mn-ea"/>
+                        </a:rPr>
+                        <a:t>上年券销售额（含税）</a:t>
+                      </a:r>
+                    </a:p>
+                  </a:txBody>
+                  <a:tcPr marL="6648" marR="6648" marT="6648" marB="0" anchor="ctr">
+                    <a:lnL w="6350" cap="flat" cmpd="sng" algn="ctr">
+                      <a:solidFill>
+                        <a:srgbClr val="000000"/>
+                      </a:solidFill>
+                      <a:prstDash val="solid"/>
+                      <a:round/>
+                      <a:headEnd type="none" w="med" len="med"/>
+                      <a:tailEnd type="none" w="med" len="med"/>
+                    </a:lnL>
+                    <a:lnR w="6350" cap="flat" cmpd="sng" algn="ctr">
+                      <a:solidFill>
+                        <a:srgbClr val="000000"/>
+                      </a:solidFill>
+                      <a:prstDash val="solid"/>
+                      <a:round/>
+                      <a:headEnd type="none" w="med" len="med"/>
+                      <a:tailEnd type="none" w="med" len="med"/>
+                    </a:lnR>
+                    <a:lnT w="6350" cap="flat" cmpd="sng" algn="ctr">
+                      <a:solidFill>
+                        <a:srgbClr val="000000"/>
+                      </a:solidFill>
+                      <a:prstDash val="solid"/>
+                      <a:round/>
+                      <a:headEnd type="none" w="med" len="med"/>
+                      <a:tailEnd type="none" w="med" len="med"/>
+                    </a:lnT>
+                    <a:lnB w="6350" cap="flat" cmpd="sng" algn="ctr">
+                      <a:solidFill>
+                        <a:srgbClr val="000000"/>
+                      </a:solidFill>
+                      <a:prstDash val="solid"/>
+                      <a:round/>
+                      <a:headEnd type="none" w="med" len="med"/>
+                      <a:tailEnd type="none" w="med" len="med"/>
+                    </a:lnB>
+                  </a:tcPr>
+                </a:tc>
+                <a:tc>
+                  <a:txBody>
+                    <a:bodyPr/>
+                    <a:lstStyle/>
+                    <a:p>
+                      <a:pPr algn="l" fontAlgn="ctr"/>
+                      <a:r>
+                        <a:rPr lang="en-US" sz="1000" b="0" i="0" u="none" strike="noStrike">
+                          <a:solidFill>
+                            <a:srgbClr val="000000"/>
+                          </a:solidFill>
+                          <a:latin typeface="+mn-ea"/>
+                          <a:ea typeface="+mn-ea"/>
+                        </a:rPr>
+                        <a:t>Sales_Net_Sales_Coupon_Amt_Inc_Tax_LY</a:t>
+                      </a:r>
+                    </a:p>
+                  </a:txBody>
+                  <a:tcPr marL="6648" marR="6648" marT="6648" marB="0" anchor="ctr">
+                    <a:lnL w="6350" cap="flat" cmpd="sng" algn="ctr">
+                      <a:solidFill>
+                        <a:srgbClr val="000000"/>
+                      </a:solidFill>
+                      <a:prstDash val="solid"/>
+                      <a:round/>
+                      <a:headEnd type="none" w="med" len="med"/>
+                      <a:tailEnd type="none" w="med" len="med"/>
+                    </a:lnL>
+                    <a:lnR w="6350" cap="flat" cmpd="sng" algn="ctr">
+                      <a:solidFill>
+                        <a:srgbClr val="000000"/>
+                      </a:solidFill>
+                      <a:prstDash val="solid"/>
+                      <a:round/>
+                      <a:headEnd type="none" w="med" len="med"/>
+                      <a:tailEnd type="none" w="med" len="med"/>
+                    </a:lnR>
+                    <a:lnT w="6350" cap="flat" cmpd="sng" algn="ctr">
+                      <a:solidFill>
+                        <a:srgbClr val="000000"/>
+                      </a:solidFill>
+                      <a:prstDash val="solid"/>
+                      <a:round/>
+                      <a:headEnd type="none" w="med" len="med"/>
+                      <a:tailEnd type="none" w="med" len="med"/>
+                    </a:lnT>
+                    <a:lnB w="6350" cap="flat" cmpd="sng" algn="ctr">
+                      <a:solidFill>
+                        <a:srgbClr val="000000"/>
+                      </a:solidFill>
+                      <a:prstDash val="solid"/>
+                      <a:round/>
+                      <a:headEnd type="none" w="med" len="med"/>
+                      <a:tailEnd type="none" w="med" len="med"/>
+                    </a:lnB>
+                  </a:tcPr>
+                </a:tc>
+                <a:tc>
+                  <a:txBody>
+                    <a:bodyPr/>
+                    <a:lstStyle/>
+                    <a:p>
+                      <a:pPr algn="l" fontAlgn="ctr"/>
+                      <a:r>
+                        <a:rPr lang="zh-CN" altLang="en-US" sz="1000" b="0" i="0" u="none" strike="noStrike">
+                          <a:solidFill>
+                            <a:srgbClr val="000000"/>
+                          </a:solidFill>
+                          <a:latin typeface="+mn-ea"/>
+                          <a:ea typeface="+mn-ea"/>
+                        </a:rPr>
+                        <a:t>去年同期含税券销售金额</a:t>
+                      </a:r>
+                    </a:p>
+                  </a:txBody>
+                  <a:tcPr marL="6648" marR="6648" marT="6648" marB="0" anchor="ctr">
+                    <a:lnL w="6350" cap="flat" cmpd="sng" algn="ctr">
+                      <a:solidFill>
+                        <a:srgbClr val="000000"/>
+                      </a:solidFill>
+                      <a:prstDash val="solid"/>
+                      <a:round/>
+                      <a:headEnd type="none" w="med" len="med"/>
+                      <a:tailEnd type="none" w="med" len="med"/>
+                    </a:lnL>
+                    <a:lnR w="6350" cap="flat" cmpd="sng" algn="ctr">
+                      <a:solidFill>
+                        <a:srgbClr val="000000"/>
+                      </a:solidFill>
+                      <a:prstDash val="solid"/>
+                      <a:round/>
+                      <a:headEnd type="none" w="med" len="med"/>
+                      <a:tailEnd type="none" w="med" len="med"/>
+                    </a:lnR>
+                    <a:lnT w="6350" cap="flat" cmpd="sng" algn="ctr">
+                      <a:solidFill>
+                        <a:srgbClr val="000000"/>
+                      </a:solidFill>
+                      <a:prstDash val="solid"/>
+                      <a:round/>
+                      <a:headEnd type="none" w="med" len="med"/>
+                      <a:tailEnd type="none" w="med" len="med"/>
+                    </a:lnT>
+                    <a:lnB w="6350" cap="flat" cmpd="sng" algn="ctr">
+                      <a:solidFill>
+                        <a:srgbClr val="000000"/>
+                      </a:solidFill>
+                      <a:prstDash val="solid"/>
+                      <a:round/>
+                      <a:headEnd type="none" w="med" len="med"/>
+                      <a:tailEnd type="none" w="med" len="med"/>
+                    </a:lnB>
+                  </a:tcPr>
+                </a:tc>
+                <a:tc>
+                  <a:txBody>
+                    <a:bodyPr/>
+                    <a:lstStyle/>
+                    <a:p>
+                      <a:pPr algn="l" fontAlgn="ctr"/>
+                      <a:r>
+                        <a:rPr lang="zh-CN" altLang="en-US" sz="1000" b="0" i="0" u="none" strike="noStrike">
+                          <a:solidFill>
+                            <a:srgbClr val="000000"/>
+                          </a:solidFill>
+                          <a:latin typeface="+mn-ea"/>
+                          <a:ea typeface="+mn-ea"/>
+                        </a:rPr>
+                        <a:t>知而行券，厂商券，</a:t>
+                      </a:r>
+                      <a:r>
+                        <a:rPr lang="en-US" sz="1000" b="0" i="0" u="none" strike="noStrike">
+                          <a:solidFill>
+                            <a:srgbClr val="000000"/>
+                          </a:solidFill>
+                          <a:latin typeface="+mn-ea"/>
+                          <a:ea typeface="+mn-ea"/>
+                        </a:rPr>
+                        <a:t>siebel</a:t>
+                      </a:r>
+                      <a:r>
+                        <a:rPr lang="zh-CN" altLang="en-US" sz="1000" b="0" i="0" u="none" strike="noStrike">
+                          <a:solidFill>
+                            <a:srgbClr val="000000"/>
+                          </a:solidFill>
+                          <a:latin typeface="+mn-ea"/>
+                          <a:ea typeface="+mn-ea"/>
+                        </a:rPr>
+                        <a:t>券</a:t>
+                      </a:r>
+                    </a:p>
+                  </a:txBody>
+                  <a:tcPr marL="6648" marR="6648" marT="6648" marB="0" anchor="ctr">
+                    <a:lnL w="6350" cap="flat" cmpd="sng" algn="ctr">
+                      <a:solidFill>
+                        <a:srgbClr val="000000"/>
+                      </a:solidFill>
+                      <a:prstDash val="solid"/>
+                      <a:round/>
+                      <a:headEnd type="none" w="med" len="med"/>
+                      <a:tailEnd type="none" w="med" len="med"/>
+                    </a:lnL>
+                    <a:lnR w="6350" cap="flat" cmpd="sng" algn="ctr">
+                      <a:solidFill>
+                        <a:srgbClr val="000000"/>
+                      </a:solidFill>
+                      <a:prstDash val="solid"/>
+                      <a:round/>
+                      <a:headEnd type="none" w="med" len="med"/>
+                      <a:tailEnd type="none" w="med" len="med"/>
+                    </a:lnR>
+                    <a:lnT w="6350" cap="flat" cmpd="sng" algn="ctr">
+                      <a:solidFill>
+                        <a:srgbClr val="000000"/>
+                      </a:solidFill>
+                      <a:prstDash val="solid"/>
+                      <a:round/>
+                      <a:headEnd type="none" w="med" len="med"/>
+                      <a:tailEnd type="none" w="med" len="med"/>
+                    </a:lnT>
+                    <a:lnB w="6350" cap="flat" cmpd="sng" algn="ctr">
+                      <a:solidFill>
+                        <a:srgbClr val="000000"/>
+                      </a:solidFill>
+                      <a:prstDash val="solid"/>
+                      <a:round/>
+                      <a:headEnd type="none" w="med" len="med"/>
+                      <a:tailEnd type="none" w="med" len="med"/>
+                    </a:lnB>
+                  </a:tcPr>
+                </a:tc>
+              </a:tr>
+              <a:tr h="390159">
+                <a:tc vMerge="1">
+                  <a:txBody>
+                    <a:bodyPr/>
+                    <a:lstStyle/>
+                    <a:p>
+                      <a:endParaRPr lang="zh-CN" altLang="en-US"/>
+                    </a:p>
+                  </a:txBody>
+                  <a:tcPr/>
+                </a:tc>
+                <a:tc>
+                  <a:txBody>
+                    <a:bodyPr/>
+                    <a:lstStyle/>
+                    <a:p>
+                      <a:pPr algn="l" fontAlgn="ctr"/>
+                      <a:r>
+                        <a:rPr lang="zh-CN" altLang="en-US" sz="1000" b="0" i="0" u="none" strike="noStrike">
+                          <a:solidFill>
+                            <a:srgbClr val="000000"/>
+                          </a:solidFill>
+                          <a:latin typeface="+mn-ea"/>
+                          <a:ea typeface="+mn-ea"/>
+                        </a:rPr>
+                        <a:t>上年月初至今券销售额（含税）</a:t>
+                      </a:r>
+                    </a:p>
+                  </a:txBody>
+                  <a:tcPr marL="6648" marR="6648" marT="6648" marB="0" anchor="ctr">
+                    <a:lnL w="6350" cap="flat" cmpd="sng" algn="ctr">
+                      <a:solidFill>
+                        <a:srgbClr val="000000"/>
+                      </a:solidFill>
+                      <a:prstDash val="solid"/>
+                      <a:round/>
+                      <a:headEnd type="none" w="med" len="med"/>
+                      <a:tailEnd type="none" w="med" len="med"/>
+                    </a:lnL>
+                    <a:lnR w="6350" cap="flat" cmpd="sng" algn="ctr">
+                      <a:solidFill>
+                        <a:srgbClr val="000000"/>
+                      </a:solidFill>
+                      <a:prstDash val="solid"/>
+                      <a:round/>
+                      <a:headEnd type="none" w="med" len="med"/>
+                      <a:tailEnd type="none" w="med" len="med"/>
+                    </a:lnR>
+                    <a:lnT w="6350" cap="flat" cmpd="sng" algn="ctr">
+                      <a:solidFill>
+                        <a:srgbClr val="000000"/>
+                      </a:solidFill>
+                      <a:prstDash val="solid"/>
+                      <a:round/>
+                      <a:headEnd type="none" w="med" len="med"/>
+                      <a:tailEnd type="none" w="med" len="med"/>
+                    </a:lnT>
+                    <a:lnB w="6350" cap="flat" cmpd="sng" algn="ctr">
+                      <a:solidFill>
+                        <a:srgbClr val="000000"/>
+                      </a:solidFill>
+                      <a:prstDash val="solid"/>
+                      <a:round/>
+                      <a:headEnd type="none" w="med" len="med"/>
+                      <a:tailEnd type="none" w="med" len="med"/>
+                    </a:lnB>
+                  </a:tcPr>
+                </a:tc>
+                <a:tc>
+                  <a:txBody>
+                    <a:bodyPr/>
+                    <a:lstStyle/>
+                    <a:p>
+                      <a:pPr algn="l" fontAlgn="ctr"/>
+                      <a:r>
+                        <a:rPr lang="en-US" sz="1000" b="0" i="0" u="none" strike="noStrike">
+                          <a:solidFill>
+                            <a:srgbClr val="000000"/>
+                          </a:solidFill>
+                          <a:latin typeface="+mn-ea"/>
+                          <a:ea typeface="+mn-ea"/>
+                        </a:rPr>
+                        <a:t>Sales_Net_Sales_Coupon_Amt_Inc_Tax_LY_MTD</a:t>
+                      </a:r>
+                    </a:p>
+                  </a:txBody>
+                  <a:tcPr marL="6648" marR="6648" marT="6648" marB="0" anchor="ctr">
+                    <a:lnL w="6350" cap="flat" cmpd="sng" algn="ctr">
+                      <a:solidFill>
+                        <a:srgbClr val="000000"/>
+                      </a:solidFill>
+                      <a:prstDash val="solid"/>
+                      <a:round/>
+                      <a:headEnd type="none" w="med" len="med"/>
+                      <a:tailEnd type="none" w="med" len="med"/>
+                    </a:lnL>
+                    <a:lnR w="6350" cap="flat" cmpd="sng" algn="ctr">
+                      <a:solidFill>
+                        <a:srgbClr val="000000"/>
+                      </a:solidFill>
+                      <a:prstDash val="solid"/>
+                      <a:round/>
+                      <a:headEnd type="none" w="med" len="med"/>
+                      <a:tailEnd type="none" w="med" len="med"/>
+                    </a:lnR>
+                    <a:lnT w="6350" cap="flat" cmpd="sng" algn="ctr">
+                      <a:solidFill>
+                        <a:srgbClr val="000000"/>
+                      </a:solidFill>
+                      <a:prstDash val="solid"/>
+                      <a:round/>
+                      <a:headEnd type="none" w="med" len="med"/>
+                      <a:tailEnd type="none" w="med" len="med"/>
+                    </a:lnT>
+                    <a:lnB w="6350" cap="flat" cmpd="sng" algn="ctr">
+                      <a:solidFill>
+                        <a:srgbClr val="000000"/>
+                      </a:solidFill>
+                      <a:prstDash val="solid"/>
+                      <a:round/>
+                      <a:headEnd type="none" w="med" len="med"/>
+                      <a:tailEnd type="none" w="med" len="med"/>
+                    </a:lnB>
+                  </a:tcPr>
+                </a:tc>
+                <a:tc>
+                  <a:txBody>
+                    <a:bodyPr/>
+                    <a:lstStyle/>
+                    <a:p>
+                      <a:pPr algn="l" fontAlgn="ctr"/>
+                      <a:r>
+                        <a:rPr lang="zh-CN" altLang="en-US" sz="1000" b="0" i="0" u="none" strike="noStrike">
+                          <a:solidFill>
+                            <a:srgbClr val="000000"/>
+                          </a:solidFill>
+                          <a:latin typeface="+mn-ea"/>
+                          <a:ea typeface="+mn-ea"/>
+                        </a:rPr>
+                        <a:t>去年同期月累计含税券销售金额</a:t>
+                      </a:r>
+                    </a:p>
+                  </a:txBody>
+                  <a:tcPr marL="6648" marR="6648" marT="6648" marB="0" anchor="ctr">
+                    <a:lnL w="6350" cap="flat" cmpd="sng" algn="ctr">
+                      <a:solidFill>
+                        <a:srgbClr val="000000"/>
+                      </a:solidFill>
+                      <a:prstDash val="solid"/>
+                      <a:round/>
+                      <a:headEnd type="none" w="med" len="med"/>
+                      <a:tailEnd type="none" w="med" len="med"/>
+                    </a:lnL>
+                    <a:lnR w="6350" cap="flat" cmpd="sng" algn="ctr">
+                      <a:solidFill>
+                        <a:srgbClr val="000000"/>
+                      </a:solidFill>
+                      <a:prstDash val="solid"/>
+                      <a:round/>
+                      <a:headEnd type="none" w="med" len="med"/>
+                      <a:tailEnd type="none" w="med" len="med"/>
+                    </a:lnR>
+                    <a:lnT w="6350" cap="flat" cmpd="sng" algn="ctr">
+                      <a:solidFill>
+                        <a:srgbClr val="000000"/>
+                      </a:solidFill>
+                      <a:prstDash val="solid"/>
+                      <a:round/>
+                      <a:headEnd type="none" w="med" len="med"/>
+                      <a:tailEnd type="none" w="med" len="med"/>
+                    </a:lnT>
+                    <a:lnB w="6350" cap="flat" cmpd="sng" algn="ctr">
+                      <a:solidFill>
+                        <a:srgbClr val="000000"/>
+                      </a:solidFill>
+                      <a:prstDash val="solid"/>
+                      <a:round/>
+                      <a:headEnd type="none" w="med" len="med"/>
+                      <a:tailEnd type="none" w="med" len="med"/>
+                    </a:lnB>
+                  </a:tcPr>
+                </a:tc>
+                <a:tc>
+                  <a:txBody>
+                    <a:bodyPr/>
+                    <a:lstStyle/>
+                    <a:p>
+                      <a:pPr algn="l" fontAlgn="ctr"/>
+                      <a:r>
+                        <a:rPr lang="zh-CN" altLang="en-US" sz="1000" b="0" i="0" u="none" strike="noStrike">
+                          <a:solidFill>
+                            <a:srgbClr val="000000"/>
+                          </a:solidFill>
+                          <a:latin typeface="+mn-ea"/>
+                          <a:ea typeface="+mn-ea"/>
+                        </a:rPr>
+                        <a:t>知而行券，厂商券，</a:t>
+                      </a:r>
+                      <a:r>
+                        <a:rPr lang="en-US" sz="1000" b="0" i="0" u="none" strike="noStrike">
+                          <a:solidFill>
+                            <a:srgbClr val="000000"/>
+                          </a:solidFill>
+                          <a:latin typeface="+mn-ea"/>
+                          <a:ea typeface="+mn-ea"/>
+                        </a:rPr>
+                        <a:t>siebel</a:t>
+                      </a:r>
+                      <a:r>
+                        <a:rPr lang="zh-CN" altLang="en-US" sz="1000" b="0" i="0" u="none" strike="noStrike">
+                          <a:solidFill>
+                            <a:srgbClr val="000000"/>
+                          </a:solidFill>
+                          <a:latin typeface="+mn-ea"/>
+                          <a:ea typeface="+mn-ea"/>
+                        </a:rPr>
+                        <a:t>券</a:t>
+                      </a:r>
+                    </a:p>
+                  </a:txBody>
+                  <a:tcPr marL="6648" marR="6648" marT="6648" marB="0" anchor="ctr">
+                    <a:lnL w="6350" cap="flat" cmpd="sng" algn="ctr">
+                      <a:solidFill>
+                        <a:srgbClr val="000000"/>
+                      </a:solidFill>
+                      <a:prstDash val="solid"/>
+                      <a:round/>
+                      <a:headEnd type="none" w="med" len="med"/>
+                      <a:tailEnd type="none" w="med" len="med"/>
+                    </a:lnL>
+                    <a:lnR w="6350" cap="flat" cmpd="sng" algn="ctr">
+                      <a:solidFill>
+                        <a:srgbClr val="000000"/>
+                      </a:solidFill>
+                      <a:prstDash val="solid"/>
+                      <a:round/>
+                      <a:headEnd type="none" w="med" len="med"/>
+                      <a:tailEnd type="none" w="med" len="med"/>
+                    </a:lnR>
+                    <a:lnT w="6350" cap="flat" cmpd="sng" algn="ctr">
+                      <a:solidFill>
+                        <a:srgbClr val="000000"/>
+                      </a:solidFill>
+                      <a:prstDash val="solid"/>
+                      <a:round/>
+                      <a:headEnd type="none" w="med" len="med"/>
+                      <a:tailEnd type="none" w="med" len="med"/>
+                    </a:lnT>
+                    <a:lnB w="6350" cap="flat" cmpd="sng" algn="ctr">
+                      <a:solidFill>
+                        <a:srgbClr val="000000"/>
+                      </a:solidFill>
+                      <a:prstDash val="solid"/>
+                      <a:round/>
+                      <a:headEnd type="none" w="med" len="med"/>
+                      <a:tailEnd type="none" w="med" len="med"/>
+                    </a:lnB>
+                  </a:tcPr>
+                </a:tc>
+              </a:tr>
+              <a:tr h="390159">
+                <a:tc vMerge="1">
+                  <a:txBody>
+                    <a:bodyPr/>
+                    <a:lstStyle/>
+                    <a:p>
+                      <a:endParaRPr lang="zh-CN" altLang="en-US"/>
+                    </a:p>
+                  </a:txBody>
+                  <a:tcPr/>
+                </a:tc>
+                <a:tc>
+                  <a:txBody>
+                    <a:bodyPr/>
+                    <a:lstStyle/>
+                    <a:p>
+                      <a:pPr algn="l" fontAlgn="ctr"/>
+                      <a:r>
+                        <a:rPr lang="zh-CN" altLang="en-US" sz="1000" b="0" i="0" u="none" strike="noStrike">
+                          <a:solidFill>
+                            <a:srgbClr val="000000"/>
+                          </a:solidFill>
+                          <a:latin typeface="+mn-ea"/>
+                          <a:ea typeface="+mn-ea"/>
+                        </a:rPr>
+                        <a:t>上年年初至今券销售额（含税）</a:t>
+                      </a:r>
+                    </a:p>
+                  </a:txBody>
+                  <a:tcPr marL="6648" marR="6648" marT="6648" marB="0" anchor="ctr">
+                    <a:lnL w="6350" cap="flat" cmpd="sng" algn="ctr">
+                      <a:solidFill>
+                        <a:srgbClr val="000000"/>
+                      </a:solidFill>
+                      <a:prstDash val="solid"/>
+                      <a:round/>
+                      <a:headEnd type="none" w="med" len="med"/>
+                      <a:tailEnd type="none" w="med" len="med"/>
+                    </a:lnL>
+                    <a:lnR w="6350" cap="flat" cmpd="sng" algn="ctr">
+                      <a:solidFill>
+                        <a:srgbClr val="000000"/>
+                      </a:solidFill>
+                      <a:prstDash val="solid"/>
+                      <a:round/>
+                      <a:headEnd type="none" w="med" len="med"/>
+                      <a:tailEnd type="none" w="med" len="med"/>
+                    </a:lnR>
+                    <a:lnT w="6350" cap="flat" cmpd="sng" algn="ctr">
+                      <a:solidFill>
+                        <a:srgbClr val="000000"/>
+                      </a:solidFill>
+                      <a:prstDash val="solid"/>
+                      <a:round/>
+                      <a:headEnd type="none" w="med" len="med"/>
+                      <a:tailEnd type="none" w="med" len="med"/>
+                    </a:lnT>
+                    <a:lnB w="6350" cap="flat" cmpd="sng" algn="ctr">
+                      <a:solidFill>
+                        <a:srgbClr val="000000"/>
+                      </a:solidFill>
+                      <a:prstDash val="solid"/>
+                      <a:round/>
+                      <a:headEnd type="none" w="med" len="med"/>
+                      <a:tailEnd type="none" w="med" len="med"/>
+                    </a:lnB>
+                  </a:tcPr>
+                </a:tc>
+                <a:tc>
+                  <a:txBody>
+                    <a:bodyPr/>
+                    <a:lstStyle/>
+                    <a:p>
+                      <a:pPr algn="l" fontAlgn="ctr"/>
+                      <a:r>
+                        <a:rPr lang="en-US" sz="1000" b="0" i="0" u="none" strike="noStrike">
+                          <a:solidFill>
+                            <a:srgbClr val="000000"/>
+                          </a:solidFill>
+                          <a:latin typeface="+mn-ea"/>
+                          <a:ea typeface="+mn-ea"/>
+                        </a:rPr>
+                        <a:t>Sales_Net_Sales_Coupon_Amt_Inc_Tax_LY_YTD</a:t>
+                      </a:r>
+                    </a:p>
+                  </a:txBody>
+                  <a:tcPr marL="6648" marR="6648" marT="6648" marB="0" anchor="ctr">
+                    <a:lnL w="6350" cap="flat" cmpd="sng" algn="ctr">
+                      <a:solidFill>
+                        <a:srgbClr val="000000"/>
+                      </a:solidFill>
+                      <a:prstDash val="solid"/>
+                      <a:round/>
+                      <a:headEnd type="none" w="med" len="med"/>
+                      <a:tailEnd type="none" w="med" len="med"/>
+                    </a:lnL>
+                    <a:lnR w="6350" cap="flat" cmpd="sng" algn="ctr">
+                      <a:solidFill>
+                        <a:srgbClr val="000000"/>
+                      </a:solidFill>
+                      <a:prstDash val="solid"/>
+                      <a:round/>
+                      <a:headEnd type="none" w="med" len="med"/>
+                      <a:tailEnd type="none" w="med" len="med"/>
+                    </a:lnR>
+                    <a:lnT w="6350" cap="flat" cmpd="sng" algn="ctr">
+                      <a:solidFill>
+                        <a:srgbClr val="000000"/>
+                      </a:solidFill>
+                      <a:prstDash val="solid"/>
+                      <a:round/>
+                      <a:headEnd type="none" w="med" len="med"/>
+                      <a:tailEnd type="none" w="med" len="med"/>
+                    </a:lnT>
+                    <a:lnB w="6350" cap="flat" cmpd="sng" algn="ctr">
+                      <a:solidFill>
+                        <a:srgbClr val="000000"/>
+                      </a:solidFill>
+                      <a:prstDash val="solid"/>
+                      <a:round/>
+                      <a:headEnd type="none" w="med" len="med"/>
+                      <a:tailEnd type="none" w="med" len="med"/>
+                    </a:lnB>
+                  </a:tcPr>
+                </a:tc>
+                <a:tc>
+                  <a:txBody>
+                    <a:bodyPr/>
+                    <a:lstStyle/>
+                    <a:p>
+                      <a:pPr algn="l" fontAlgn="ctr"/>
+                      <a:r>
+                        <a:rPr lang="zh-CN" altLang="en-US" sz="1000" b="0" i="0" u="none" strike="noStrike">
+                          <a:solidFill>
+                            <a:srgbClr val="000000"/>
+                          </a:solidFill>
+                          <a:latin typeface="+mn-ea"/>
+                          <a:ea typeface="+mn-ea"/>
+                        </a:rPr>
+                        <a:t>去年同期年累计含税券销售金额</a:t>
+                      </a:r>
+                    </a:p>
+                  </a:txBody>
+                  <a:tcPr marL="6648" marR="6648" marT="6648" marB="0" anchor="ctr">
+                    <a:lnL w="6350" cap="flat" cmpd="sng" algn="ctr">
+                      <a:solidFill>
+                        <a:srgbClr val="000000"/>
+                      </a:solidFill>
+                      <a:prstDash val="solid"/>
+                      <a:round/>
+                      <a:headEnd type="none" w="med" len="med"/>
+                      <a:tailEnd type="none" w="med" len="med"/>
+                    </a:lnL>
+                    <a:lnR w="6350" cap="flat" cmpd="sng" algn="ctr">
+                      <a:solidFill>
+                        <a:srgbClr val="000000"/>
+                      </a:solidFill>
+                      <a:prstDash val="solid"/>
+                      <a:round/>
+                      <a:headEnd type="none" w="med" len="med"/>
+                      <a:tailEnd type="none" w="med" len="med"/>
+                    </a:lnR>
+                    <a:lnT w="6350" cap="flat" cmpd="sng" algn="ctr">
+                      <a:solidFill>
+                        <a:srgbClr val="000000"/>
+                      </a:solidFill>
+                      <a:prstDash val="solid"/>
+                      <a:round/>
+                      <a:headEnd type="none" w="med" len="med"/>
+                      <a:tailEnd type="none" w="med" len="med"/>
+                    </a:lnT>
+                    <a:lnB w="6350" cap="flat" cmpd="sng" algn="ctr">
+                      <a:solidFill>
+                        <a:srgbClr val="000000"/>
+                      </a:solidFill>
+                      <a:prstDash val="solid"/>
+                      <a:round/>
+                      <a:headEnd type="none" w="med" len="med"/>
+                      <a:tailEnd type="none" w="med" len="med"/>
+                    </a:lnB>
+                  </a:tcPr>
+                </a:tc>
+                <a:tc>
+                  <a:txBody>
+                    <a:bodyPr/>
+                    <a:lstStyle/>
+                    <a:p>
+                      <a:pPr algn="l" fontAlgn="ctr"/>
+                      <a:r>
+                        <a:rPr lang="zh-CN" altLang="en-US" sz="1000" b="0" i="0" u="none" strike="noStrike">
+                          <a:solidFill>
+                            <a:srgbClr val="000000"/>
+                          </a:solidFill>
+                          <a:latin typeface="+mn-ea"/>
+                          <a:ea typeface="+mn-ea"/>
+                        </a:rPr>
+                        <a:t>知而行券，厂商券，</a:t>
+                      </a:r>
+                      <a:r>
+                        <a:rPr lang="en-US" sz="1000" b="0" i="0" u="none" strike="noStrike">
+                          <a:solidFill>
+                            <a:srgbClr val="000000"/>
+                          </a:solidFill>
+                          <a:latin typeface="+mn-ea"/>
+                          <a:ea typeface="+mn-ea"/>
+                        </a:rPr>
+                        <a:t>siebel</a:t>
+                      </a:r>
+                      <a:r>
+                        <a:rPr lang="zh-CN" altLang="en-US" sz="1000" b="0" i="0" u="none" strike="noStrike">
+                          <a:solidFill>
+                            <a:srgbClr val="000000"/>
+                          </a:solidFill>
+                          <a:latin typeface="+mn-ea"/>
+                          <a:ea typeface="+mn-ea"/>
+                        </a:rPr>
+                        <a:t>券</a:t>
+                      </a:r>
+                    </a:p>
+                  </a:txBody>
+                  <a:tcPr marL="6648" marR="6648" marT="6648" marB="0" anchor="ctr">
+                    <a:lnL w="6350" cap="flat" cmpd="sng" algn="ctr">
+                      <a:solidFill>
+                        <a:srgbClr val="000000"/>
+                      </a:solidFill>
+                      <a:prstDash val="solid"/>
+                      <a:round/>
+                      <a:headEnd type="none" w="med" len="med"/>
+                      <a:tailEnd type="none" w="med" len="med"/>
+                    </a:lnL>
+                    <a:lnR w="6350" cap="flat" cmpd="sng" algn="ctr">
+                      <a:solidFill>
+                        <a:srgbClr val="000000"/>
+                      </a:solidFill>
+                      <a:prstDash val="solid"/>
+                      <a:round/>
+                      <a:headEnd type="none" w="med" len="med"/>
+                      <a:tailEnd type="none" w="med" len="med"/>
+                    </a:lnR>
+                    <a:lnT w="6350" cap="flat" cmpd="sng" algn="ctr">
+                      <a:solidFill>
+                        <a:srgbClr val="000000"/>
+                      </a:solidFill>
+                      <a:prstDash val="solid"/>
+                      <a:round/>
+                      <a:headEnd type="none" w="med" len="med"/>
+                      <a:tailEnd type="none" w="med" len="med"/>
+                    </a:lnT>
+                    <a:lnB w="6350" cap="flat" cmpd="sng" algn="ctr">
+                      <a:solidFill>
+                        <a:srgbClr val="000000"/>
+                      </a:solidFill>
+                      <a:prstDash val="solid"/>
+                      <a:round/>
+                      <a:headEnd type="none" w="med" len="med"/>
+                      <a:tailEnd type="none" w="med" len="med"/>
+                    </a:lnB>
+                  </a:tcPr>
+                </a:tc>
+              </a:tr>
+              <a:tr h="390159">
+                <a:tc vMerge="1">
+                  <a:txBody>
+                    <a:bodyPr/>
+                    <a:lstStyle/>
+                    <a:p>
+                      <a:endParaRPr lang="zh-CN" altLang="en-US"/>
+                    </a:p>
+                  </a:txBody>
+                  <a:tcPr/>
+                </a:tc>
+                <a:tc>
+                  <a:txBody>
+                    <a:bodyPr/>
+                    <a:lstStyle/>
+                    <a:p>
+                      <a:pPr algn="l" fontAlgn="ctr"/>
+                      <a:r>
+                        <a:rPr lang="zh-CN" altLang="en-US" sz="1000" b="0" i="0" u="none" strike="noStrike">
+                          <a:solidFill>
+                            <a:srgbClr val="000000"/>
+                          </a:solidFill>
+                          <a:latin typeface="+mn-ea"/>
+                          <a:ea typeface="+mn-ea"/>
+                        </a:rPr>
+                        <a:t>月初至今券销售额（含税）</a:t>
+                      </a:r>
+                    </a:p>
+                  </a:txBody>
+                  <a:tcPr marL="6648" marR="6648" marT="6648" marB="0" anchor="ctr">
+                    <a:lnL w="6350" cap="flat" cmpd="sng" algn="ctr">
+                      <a:solidFill>
+                        <a:srgbClr val="000000"/>
+                      </a:solidFill>
+                      <a:prstDash val="solid"/>
+                      <a:round/>
+                      <a:headEnd type="none" w="med" len="med"/>
+                      <a:tailEnd type="none" w="med" len="med"/>
+                    </a:lnL>
+                    <a:lnR w="6350" cap="flat" cmpd="sng" algn="ctr">
+                      <a:solidFill>
+                        <a:srgbClr val="000000"/>
+                      </a:solidFill>
+                      <a:prstDash val="solid"/>
+                      <a:round/>
+                      <a:headEnd type="none" w="med" len="med"/>
+                      <a:tailEnd type="none" w="med" len="med"/>
+                    </a:lnR>
+                    <a:lnT w="6350" cap="flat" cmpd="sng" algn="ctr">
+                      <a:solidFill>
+                        <a:srgbClr val="000000"/>
+                      </a:solidFill>
+                      <a:prstDash val="solid"/>
+                      <a:round/>
+                      <a:headEnd type="none" w="med" len="med"/>
+                      <a:tailEnd type="none" w="med" len="med"/>
+                    </a:lnT>
+                    <a:lnB w="6350" cap="flat" cmpd="sng" algn="ctr">
+                      <a:solidFill>
+                        <a:srgbClr val="000000"/>
+                      </a:solidFill>
+                      <a:prstDash val="solid"/>
+                      <a:round/>
+                      <a:headEnd type="none" w="med" len="med"/>
+                      <a:tailEnd type="none" w="med" len="med"/>
+                    </a:lnB>
+                  </a:tcPr>
+                </a:tc>
+                <a:tc>
+                  <a:txBody>
+                    <a:bodyPr/>
+                    <a:lstStyle/>
+                    <a:p>
+                      <a:pPr algn="l" fontAlgn="ctr"/>
+                      <a:r>
+                        <a:rPr lang="en-US" sz="1000" b="0" i="0" u="none" strike="noStrike">
+                          <a:solidFill>
+                            <a:srgbClr val="000000"/>
+                          </a:solidFill>
+                          <a:latin typeface="+mn-ea"/>
+                          <a:ea typeface="+mn-ea"/>
+                        </a:rPr>
+                        <a:t>Sales_Net_Sales_Coupon_Amt_Inc_Tax_MTD</a:t>
+                      </a:r>
+                    </a:p>
+                  </a:txBody>
+                  <a:tcPr marL="6648" marR="6648" marT="6648" marB="0" anchor="ctr">
+                    <a:lnL w="6350" cap="flat" cmpd="sng" algn="ctr">
+                      <a:solidFill>
+                        <a:srgbClr val="000000"/>
+                      </a:solidFill>
+                      <a:prstDash val="solid"/>
+                      <a:round/>
+                      <a:headEnd type="none" w="med" len="med"/>
+                      <a:tailEnd type="none" w="med" len="med"/>
+                    </a:lnL>
+                    <a:lnR w="6350" cap="flat" cmpd="sng" algn="ctr">
+                      <a:solidFill>
+                        <a:srgbClr val="000000"/>
+                      </a:solidFill>
+                      <a:prstDash val="solid"/>
+                      <a:round/>
+                      <a:headEnd type="none" w="med" len="med"/>
+                      <a:tailEnd type="none" w="med" len="med"/>
+                    </a:lnR>
+                    <a:lnT w="6350" cap="flat" cmpd="sng" algn="ctr">
+                      <a:solidFill>
+                        <a:srgbClr val="000000"/>
+                      </a:solidFill>
+                      <a:prstDash val="solid"/>
+                      <a:round/>
+                      <a:headEnd type="none" w="med" len="med"/>
+                      <a:tailEnd type="none" w="med" len="med"/>
+                    </a:lnT>
+                    <a:lnB w="6350" cap="flat" cmpd="sng" algn="ctr">
+                      <a:solidFill>
+                        <a:srgbClr val="000000"/>
+                      </a:solidFill>
+                      <a:prstDash val="solid"/>
+                      <a:round/>
+                      <a:headEnd type="none" w="med" len="med"/>
+                      <a:tailEnd type="none" w="med" len="med"/>
+                    </a:lnB>
+                  </a:tcPr>
+                </a:tc>
+                <a:tc>
+                  <a:txBody>
+                    <a:bodyPr/>
+                    <a:lstStyle/>
+                    <a:p>
+                      <a:pPr algn="l" fontAlgn="ctr"/>
+                      <a:r>
+                        <a:rPr lang="zh-CN" altLang="en-US" sz="1000" b="0" i="0" u="none" strike="noStrike">
+                          <a:solidFill>
+                            <a:srgbClr val="000000"/>
+                          </a:solidFill>
+                          <a:latin typeface="+mn-ea"/>
+                          <a:ea typeface="+mn-ea"/>
+                        </a:rPr>
+                        <a:t>当月累计含税券销售金额</a:t>
+                      </a:r>
+                    </a:p>
+                  </a:txBody>
+                  <a:tcPr marL="6648" marR="6648" marT="6648" marB="0" anchor="ctr">
+                    <a:lnL w="6350" cap="flat" cmpd="sng" algn="ctr">
+                      <a:solidFill>
+                        <a:srgbClr val="000000"/>
+                      </a:solidFill>
+                      <a:prstDash val="solid"/>
+                      <a:round/>
+                      <a:headEnd type="none" w="med" len="med"/>
+                      <a:tailEnd type="none" w="med" len="med"/>
+                    </a:lnL>
+                    <a:lnR w="6350" cap="flat" cmpd="sng" algn="ctr">
+                      <a:solidFill>
+                        <a:srgbClr val="000000"/>
+                      </a:solidFill>
+                      <a:prstDash val="solid"/>
+                      <a:round/>
+                      <a:headEnd type="none" w="med" len="med"/>
+                      <a:tailEnd type="none" w="med" len="med"/>
+                    </a:lnR>
+                    <a:lnT w="6350" cap="flat" cmpd="sng" algn="ctr">
+                      <a:solidFill>
+                        <a:srgbClr val="000000"/>
+                      </a:solidFill>
+                      <a:prstDash val="solid"/>
+                      <a:round/>
+                      <a:headEnd type="none" w="med" len="med"/>
+                      <a:tailEnd type="none" w="med" len="med"/>
+                    </a:lnT>
+                    <a:lnB w="6350" cap="flat" cmpd="sng" algn="ctr">
+                      <a:solidFill>
+                        <a:srgbClr val="000000"/>
+                      </a:solidFill>
+                      <a:prstDash val="solid"/>
+                      <a:round/>
+                      <a:headEnd type="none" w="med" len="med"/>
+                      <a:tailEnd type="none" w="med" len="med"/>
+                    </a:lnB>
+                  </a:tcPr>
+                </a:tc>
+                <a:tc>
+                  <a:txBody>
+                    <a:bodyPr/>
+                    <a:lstStyle/>
+                    <a:p>
+                      <a:pPr algn="l" fontAlgn="ctr"/>
+                      <a:r>
+                        <a:rPr lang="zh-CN" altLang="en-US" sz="1000" b="0" i="0" u="none" strike="noStrike">
+                          <a:solidFill>
+                            <a:srgbClr val="000000"/>
+                          </a:solidFill>
+                          <a:latin typeface="+mn-ea"/>
+                          <a:ea typeface="+mn-ea"/>
+                        </a:rPr>
+                        <a:t>知而行券，厂商券，</a:t>
+                      </a:r>
+                      <a:r>
+                        <a:rPr lang="en-US" sz="1000" b="0" i="0" u="none" strike="noStrike">
+                          <a:solidFill>
+                            <a:srgbClr val="000000"/>
+                          </a:solidFill>
+                          <a:latin typeface="+mn-ea"/>
+                          <a:ea typeface="+mn-ea"/>
+                        </a:rPr>
+                        <a:t>siebel</a:t>
+                      </a:r>
+                      <a:r>
+                        <a:rPr lang="zh-CN" altLang="en-US" sz="1000" b="0" i="0" u="none" strike="noStrike">
+                          <a:solidFill>
+                            <a:srgbClr val="000000"/>
+                          </a:solidFill>
+                          <a:latin typeface="+mn-ea"/>
+                          <a:ea typeface="+mn-ea"/>
+                        </a:rPr>
+                        <a:t>券</a:t>
+                      </a:r>
+                    </a:p>
+                  </a:txBody>
+                  <a:tcPr marL="6648" marR="6648" marT="6648" marB="0" anchor="ctr">
+                    <a:lnL w="6350" cap="flat" cmpd="sng" algn="ctr">
+                      <a:solidFill>
+                        <a:srgbClr val="000000"/>
+                      </a:solidFill>
+                      <a:prstDash val="solid"/>
+                      <a:round/>
+                      <a:headEnd type="none" w="med" len="med"/>
+                      <a:tailEnd type="none" w="med" len="med"/>
+                    </a:lnL>
+                    <a:lnR w="6350" cap="flat" cmpd="sng" algn="ctr">
+                      <a:solidFill>
+                        <a:srgbClr val="000000"/>
+                      </a:solidFill>
+                      <a:prstDash val="solid"/>
+                      <a:round/>
+                      <a:headEnd type="none" w="med" len="med"/>
+                      <a:tailEnd type="none" w="med" len="med"/>
+                    </a:lnR>
+                    <a:lnT w="6350" cap="flat" cmpd="sng" algn="ctr">
+                      <a:solidFill>
+                        <a:srgbClr val="000000"/>
+                      </a:solidFill>
+                      <a:prstDash val="solid"/>
+                      <a:round/>
+                      <a:headEnd type="none" w="med" len="med"/>
+                      <a:tailEnd type="none" w="med" len="med"/>
+                    </a:lnT>
+                    <a:lnB w="6350" cap="flat" cmpd="sng" algn="ctr">
+                      <a:solidFill>
+                        <a:srgbClr val="000000"/>
+                      </a:solidFill>
+                      <a:prstDash val="solid"/>
+                      <a:round/>
+                      <a:headEnd type="none" w="med" len="med"/>
+                      <a:tailEnd type="none" w="med" len="med"/>
+                    </a:lnB>
+                  </a:tcPr>
+                </a:tc>
+              </a:tr>
+              <a:tr h="390159">
+                <a:tc vMerge="1">
+                  <a:txBody>
+                    <a:bodyPr/>
+                    <a:lstStyle/>
+                    <a:p>
+                      <a:endParaRPr lang="zh-CN" altLang="en-US"/>
+                    </a:p>
+                  </a:txBody>
+                  <a:tcPr/>
+                </a:tc>
+                <a:tc>
+                  <a:txBody>
+                    <a:bodyPr/>
+                    <a:lstStyle/>
+                    <a:p>
+                      <a:pPr algn="l" fontAlgn="ctr"/>
+                      <a:r>
+                        <a:rPr lang="zh-CN" altLang="en-US" sz="1000" b="0" i="0" u="none" strike="noStrike">
+                          <a:solidFill>
+                            <a:srgbClr val="000000"/>
+                          </a:solidFill>
+                          <a:latin typeface="+mn-ea"/>
+                          <a:ea typeface="+mn-ea"/>
+                        </a:rPr>
+                        <a:t>年初至今券销售额（含税）</a:t>
+                      </a:r>
+                    </a:p>
+                  </a:txBody>
+                  <a:tcPr marL="6648" marR="6648" marT="6648" marB="0" anchor="ctr">
+                    <a:lnL w="6350" cap="flat" cmpd="sng" algn="ctr">
+                      <a:solidFill>
+                        <a:srgbClr val="000000"/>
+                      </a:solidFill>
+                      <a:prstDash val="solid"/>
+                      <a:round/>
+                      <a:headEnd type="none" w="med" len="med"/>
+                      <a:tailEnd type="none" w="med" len="med"/>
+                    </a:lnL>
+                    <a:lnR w="6350" cap="flat" cmpd="sng" algn="ctr">
+                      <a:solidFill>
+                        <a:srgbClr val="000000"/>
+                      </a:solidFill>
+                      <a:prstDash val="solid"/>
+                      <a:round/>
+                      <a:headEnd type="none" w="med" len="med"/>
+                      <a:tailEnd type="none" w="med" len="med"/>
+                    </a:lnR>
+                    <a:lnT w="6350" cap="flat" cmpd="sng" algn="ctr">
+                      <a:solidFill>
+                        <a:srgbClr val="000000"/>
+                      </a:solidFill>
+                      <a:prstDash val="solid"/>
+                      <a:round/>
+                      <a:headEnd type="none" w="med" len="med"/>
+                      <a:tailEnd type="none" w="med" len="med"/>
+                    </a:lnT>
+                    <a:lnB w="6350" cap="flat" cmpd="sng" algn="ctr">
+                      <a:solidFill>
+                        <a:srgbClr val="000000"/>
+                      </a:solidFill>
+                      <a:prstDash val="solid"/>
+                      <a:round/>
+                      <a:headEnd type="none" w="med" len="med"/>
+                      <a:tailEnd type="none" w="med" len="med"/>
+                    </a:lnB>
+                  </a:tcPr>
+                </a:tc>
+                <a:tc>
+                  <a:txBody>
+                    <a:bodyPr/>
+                    <a:lstStyle/>
+                    <a:p>
+                      <a:pPr algn="l" fontAlgn="ctr"/>
+                      <a:r>
+                        <a:rPr lang="en-US" sz="1000" b="0" i="0" u="none" strike="noStrike">
+                          <a:solidFill>
+                            <a:srgbClr val="000000"/>
+                          </a:solidFill>
+                          <a:latin typeface="+mn-ea"/>
+                          <a:ea typeface="+mn-ea"/>
+                        </a:rPr>
+                        <a:t>Sales_Net_Sales_Coupon_Amt_Inc_Tax_YTD</a:t>
+                      </a:r>
+                    </a:p>
+                  </a:txBody>
+                  <a:tcPr marL="6648" marR="6648" marT="6648" marB="0" anchor="ctr">
+                    <a:lnL w="6350" cap="flat" cmpd="sng" algn="ctr">
+                      <a:solidFill>
+                        <a:srgbClr val="000000"/>
+                      </a:solidFill>
+                      <a:prstDash val="solid"/>
+                      <a:round/>
+                      <a:headEnd type="none" w="med" len="med"/>
+                      <a:tailEnd type="none" w="med" len="med"/>
+                    </a:lnL>
+                    <a:lnR w="6350" cap="flat" cmpd="sng" algn="ctr">
+                      <a:solidFill>
+                        <a:srgbClr val="000000"/>
+                      </a:solidFill>
+                      <a:prstDash val="solid"/>
+                      <a:round/>
+                      <a:headEnd type="none" w="med" len="med"/>
+                      <a:tailEnd type="none" w="med" len="med"/>
+                    </a:lnR>
+                    <a:lnT w="6350" cap="flat" cmpd="sng" algn="ctr">
+                      <a:solidFill>
+                        <a:srgbClr val="000000"/>
+                      </a:solidFill>
+                      <a:prstDash val="solid"/>
+                      <a:round/>
+                      <a:headEnd type="none" w="med" len="med"/>
+                      <a:tailEnd type="none" w="med" len="med"/>
+                    </a:lnT>
+                    <a:lnB w="6350" cap="flat" cmpd="sng" algn="ctr">
+                      <a:solidFill>
+                        <a:srgbClr val="000000"/>
+                      </a:solidFill>
+                      <a:prstDash val="solid"/>
+                      <a:round/>
+                      <a:headEnd type="none" w="med" len="med"/>
+                      <a:tailEnd type="none" w="med" len="med"/>
+                    </a:lnB>
+                  </a:tcPr>
+                </a:tc>
+                <a:tc>
+                  <a:txBody>
+                    <a:bodyPr/>
+                    <a:lstStyle/>
+                    <a:p>
+                      <a:pPr algn="l" fontAlgn="ctr"/>
+                      <a:r>
+                        <a:rPr lang="zh-CN" altLang="en-US" sz="1000" b="0" i="0" u="none" strike="noStrike">
+                          <a:solidFill>
+                            <a:srgbClr val="000000"/>
+                          </a:solidFill>
+                          <a:latin typeface="+mn-ea"/>
+                          <a:ea typeface="+mn-ea"/>
+                        </a:rPr>
+                        <a:t>当年累计含税券销售金额</a:t>
+                      </a:r>
+                    </a:p>
+                  </a:txBody>
+                  <a:tcPr marL="6648" marR="6648" marT="6648" marB="0" anchor="ctr">
+                    <a:lnL w="6350" cap="flat" cmpd="sng" algn="ctr">
+                      <a:solidFill>
+                        <a:srgbClr val="000000"/>
+                      </a:solidFill>
+                      <a:prstDash val="solid"/>
+                      <a:round/>
+                      <a:headEnd type="none" w="med" len="med"/>
+                      <a:tailEnd type="none" w="med" len="med"/>
+                    </a:lnL>
+                    <a:lnR w="6350" cap="flat" cmpd="sng" algn="ctr">
+                      <a:solidFill>
+                        <a:srgbClr val="000000"/>
+                      </a:solidFill>
+                      <a:prstDash val="solid"/>
+                      <a:round/>
+                      <a:headEnd type="none" w="med" len="med"/>
+                      <a:tailEnd type="none" w="med" len="med"/>
+                    </a:lnR>
+                    <a:lnT w="6350" cap="flat" cmpd="sng" algn="ctr">
+                      <a:solidFill>
+                        <a:srgbClr val="000000"/>
+                      </a:solidFill>
+                      <a:prstDash val="solid"/>
+                      <a:round/>
+                      <a:headEnd type="none" w="med" len="med"/>
+                      <a:tailEnd type="none" w="med" len="med"/>
+                    </a:lnT>
+                    <a:lnB w="6350" cap="flat" cmpd="sng" algn="ctr">
+                      <a:solidFill>
+                        <a:srgbClr val="000000"/>
+                      </a:solidFill>
+                      <a:prstDash val="solid"/>
+                      <a:round/>
+                      <a:headEnd type="none" w="med" len="med"/>
+                      <a:tailEnd type="none" w="med" len="med"/>
+                    </a:lnB>
+                  </a:tcPr>
+                </a:tc>
+                <a:tc>
+                  <a:txBody>
+                    <a:bodyPr/>
+                    <a:lstStyle/>
+                    <a:p>
+                      <a:pPr algn="l" fontAlgn="ctr"/>
+                      <a:r>
+                        <a:rPr lang="zh-CN" altLang="en-US" sz="1000" b="0" i="0" u="none" strike="noStrike" dirty="0">
+                          <a:solidFill>
+                            <a:srgbClr val="000000"/>
+                          </a:solidFill>
+                          <a:latin typeface="+mn-ea"/>
+                          <a:ea typeface="+mn-ea"/>
+                        </a:rPr>
+                        <a:t>知而行券，厂商券，</a:t>
+                      </a:r>
+                      <a:r>
+                        <a:rPr lang="en-US" sz="1000" b="0" i="0" u="none" strike="noStrike" dirty="0" err="1">
+                          <a:solidFill>
+                            <a:srgbClr val="000000"/>
+                          </a:solidFill>
+                          <a:latin typeface="+mn-ea"/>
+                          <a:ea typeface="+mn-ea"/>
+                        </a:rPr>
+                        <a:t>siebel</a:t>
+                      </a:r>
+                      <a:r>
+                        <a:rPr lang="zh-CN" altLang="en-US" sz="1000" b="0" i="0" u="none" strike="noStrike" dirty="0">
+                          <a:solidFill>
+                            <a:srgbClr val="000000"/>
+                          </a:solidFill>
+                          <a:latin typeface="+mn-ea"/>
+                          <a:ea typeface="+mn-ea"/>
+                        </a:rPr>
+                        <a:t>券</a:t>
+                      </a:r>
+                    </a:p>
+                  </a:txBody>
+                  <a:tcPr marL="6648" marR="6648" marT="6648" marB="0" anchor="ctr">
+                    <a:lnL w="6350" cap="flat" cmpd="sng" algn="ctr">
+                      <a:solidFill>
+                        <a:srgbClr val="000000"/>
+                      </a:solidFill>
+                      <a:prstDash val="solid"/>
+                      <a:round/>
+                      <a:headEnd type="none" w="med" len="med"/>
+                      <a:tailEnd type="none" w="med" len="med"/>
+                    </a:lnL>
+                    <a:lnR w="6350" cap="flat" cmpd="sng" algn="ctr">
+                      <a:solidFill>
+                        <a:srgbClr val="000000"/>
+                      </a:solidFill>
+                      <a:prstDash val="solid"/>
+                      <a:round/>
+                      <a:headEnd type="none" w="med" len="med"/>
+                      <a:tailEnd type="none" w="med" len="med"/>
+                    </a:lnR>
+                    <a:lnT w="6350" cap="flat" cmpd="sng" algn="ctr">
+                      <a:solidFill>
+                        <a:srgbClr val="000000"/>
+                      </a:solidFill>
+                      <a:prstDash val="solid"/>
+                      <a:round/>
+                      <a:headEnd type="none" w="med" len="med"/>
+                      <a:tailEnd type="none" w="med" len="med"/>
+                    </a:lnT>
+                    <a:lnB w="6350" cap="flat" cmpd="sng" algn="ctr">
+                      <a:solidFill>
+                        <a:srgbClr val="000000"/>
+                      </a:solidFill>
+                      <a:prstDash val="solid"/>
+                      <a:round/>
+                      <a:headEnd type="none" w="med" len="med"/>
+                      <a:tailEnd type="none" w="med" len="med"/>
+                    </a:lnB>
+                  </a:tcPr>
+                </a:tc>
+              </a:tr>
+            </a:tbl>
+          </a:graphicData>
+        </a:graphic>
+      </p:graphicFrame>
     </p:spTree>
     <p:extLst>
       <p:ext uri="{BB962C8B-B14F-4D97-AF65-F5344CB8AC3E}">
-        <p14:creationId xmlns="" xmlns:p14="http://schemas.microsoft.com/office/powerpoint/2010/main" val="817130330"/>
+        <p14:creationId xmlns="" xmlns:p14="http://schemas.microsoft.com/office/powerpoint/2010/main" val="2778561947"/>
       </p:ext>
     </p:extLst>
   </p:cSld>
@@ -7693,3596 +11075,6 @@
           <a:p>
             <a:r>
               <a:rPr lang="zh-CN" altLang="en-US" dirty="0" smtClean="0"/>
-              <a:t>事实</a:t>
-            </a:r>
-            <a:r>
-              <a:rPr lang="zh-CN" altLang="en-US" sz="4000" dirty="0" smtClean="0"/>
-              <a:t>定义</a:t>
-            </a:r>
-            <a:r>
-              <a:rPr lang="zh-CN" altLang="en-US" u="none" strike="noStrike" dirty="0" smtClean="0"/>
-              <a:t>说明</a:t>
-            </a:r>
-            <a:endParaRPr lang="zh-CN" altLang="en-US" dirty="0"/>
-          </a:p>
-        </p:txBody>
-      </p:sp>
-      <p:graphicFrame>
-        <p:nvGraphicFramePr>
-          <p:cNvPr id="4" name="表格 3"/>
-          <p:cNvGraphicFramePr>
-            <a:graphicFrameLocks noGrp="1"/>
-          </p:cNvGraphicFramePr>
-          <p:nvPr/>
-        </p:nvGraphicFramePr>
-        <p:xfrm>
-          <a:off x="728663" y="1114420"/>
-          <a:ext cx="10501312" cy="5072067"/>
-        </p:xfrm>
-        <a:graphic>
-          <a:graphicData uri="http://schemas.openxmlformats.org/drawingml/2006/table">
-            <a:tbl>
-              <a:tblPr/>
-              <a:tblGrid>
-                <a:gridCol w="735009"/>
-                <a:gridCol w="1952712"/>
-                <a:gridCol w="3027801"/>
-                <a:gridCol w="2391523"/>
-                <a:gridCol w="2394267"/>
-              </a:tblGrid>
-              <a:tr h="390159">
-                <a:tc>
-                  <a:txBody>
-                    <a:bodyPr/>
-                    <a:lstStyle/>
-                    <a:p>
-                      <a:pPr algn="l" fontAlgn="ctr"/>
-                      <a:r>
-                        <a:rPr lang="zh-CN" altLang="en-US" sz="1000" b="0" i="0" u="none" strike="noStrike">
-                          <a:solidFill>
-                            <a:srgbClr val="000000"/>
-                          </a:solidFill>
-                          <a:latin typeface="+mn-ea"/>
-                          <a:ea typeface="+mn-ea"/>
-                        </a:rPr>
-                        <a:t>位置</a:t>
-                      </a:r>
-                    </a:p>
-                  </a:txBody>
-                  <a:tcPr marL="6648" marR="6648" marT="6648" marB="0" anchor="ctr">
-                    <a:lnL w="6350" cap="flat" cmpd="sng" algn="ctr">
-                      <a:solidFill>
-                        <a:srgbClr val="000000"/>
-                      </a:solidFill>
-                      <a:prstDash val="solid"/>
-                      <a:round/>
-                      <a:headEnd type="none" w="med" len="med"/>
-                      <a:tailEnd type="none" w="med" len="med"/>
-                    </a:lnL>
-                    <a:lnR w="6350" cap="flat" cmpd="sng" algn="ctr">
-                      <a:solidFill>
-                        <a:srgbClr val="000000"/>
-                      </a:solidFill>
-                      <a:prstDash val="solid"/>
-                      <a:round/>
-                      <a:headEnd type="none" w="med" len="med"/>
-                      <a:tailEnd type="none" w="med" len="med"/>
-                    </a:lnR>
-                    <a:lnT w="6350" cap="flat" cmpd="sng" algn="ctr">
-                      <a:solidFill>
-                        <a:srgbClr val="000000"/>
-                      </a:solidFill>
-                      <a:prstDash val="solid"/>
-                      <a:round/>
-                      <a:headEnd type="none" w="med" len="med"/>
-                      <a:tailEnd type="none" w="med" len="med"/>
-                    </a:lnT>
-                    <a:lnB w="6350" cap="flat" cmpd="sng" algn="ctr">
-                      <a:solidFill>
-                        <a:srgbClr val="000000"/>
-                      </a:solidFill>
-                      <a:prstDash val="solid"/>
-                      <a:round/>
-                      <a:headEnd type="none" w="med" len="med"/>
-                      <a:tailEnd type="none" w="med" len="med"/>
-                    </a:lnB>
-                  </a:tcPr>
-                </a:tc>
-                <a:tc>
-                  <a:txBody>
-                    <a:bodyPr/>
-                    <a:lstStyle/>
-                    <a:p>
-                      <a:pPr algn="l" fontAlgn="ctr"/>
-                      <a:r>
-                        <a:rPr lang="zh-CN" altLang="en-US" sz="1000" b="0" i="0" u="none" strike="noStrike">
-                          <a:solidFill>
-                            <a:srgbClr val="000000"/>
-                          </a:solidFill>
-                          <a:latin typeface="+mn-ea"/>
-                          <a:ea typeface="+mn-ea"/>
-                        </a:rPr>
-                        <a:t>名称</a:t>
-                      </a:r>
-                    </a:p>
-                  </a:txBody>
-                  <a:tcPr marL="6648" marR="6648" marT="6648" marB="0" anchor="ctr">
-                    <a:lnL w="6350" cap="flat" cmpd="sng" algn="ctr">
-                      <a:solidFill>
-                        <a:srgbClr val="000000"/>
-                      </a:solidFill>
-                      <a:prstDash val="solid"/>
-                      <a:round/>
-                      <a:headEnd type="none" w="med" len="med"/>
-                      <a:tailEnd type="none" w="med" len="med"/>
-                    </a:lnL>
-                    <a:lnR w="6350" cap="flat" cmpd="sng" algn="ctr">
-                      <a:solidFill>
-                        <a:srgbClr val="000000"/>
-                      </a:solidFill>
-                      <a:prstDash val="solid"/>
-                      <a:round/>
-                      <a:headEnd type="none" w="med" len="med"/>
-                      <a:tailEnd type="none" w="med" len="med"/>
-                    </a:lnR>
-                    <a:lnT w="6350" cap="flat" cmpd="sng" algn="ctr">
-                      <a:solidFill>
-                        <a:srgbClr val="000000"/>
-                      </a:solidFill>
-                      <a:prstDash val="solid"/>
-                      <a:round/>
-                      <a:headEnd type="none" w="med" len="med"/>
-                      <a:tailEnd type="none" w="med" len="med"/>
-                    </a:lnT>
-                    <a:lnB w="6350" cap="flat" cmpd="sng" algn="ctr">
-                      <a:solidFill>
-                        <a:srgbClr val="000000"/>
-                      </a:solidFill>
-                      <a:prstDash val="solid"/>
-                      <a:round/>
-                      <a:headEnd type="none" w="med" len="med"/>
-                      <a:tailEnd type="none" w="med" len="med"/>
-                    </a:lnB>
-                  </a:tcPr>
-                </a:tc>
-                <a:tc>
-                  <a:txBody>
-                    <a:bodyPr/>
-                    <a:lstStyle/>
-                    <a:p>
-                      <a:pPr algn="l" fontAlgn="ctr"/>
-                      <a:r>
-                        <a:rPr lang="en-US" sz="1000" b="0" i="0" u="none" strike="noStrike">
-                          <a:solidFill>
-                            <a:srgbClr val="000000"/>
-                          </a:solidFill>
-                          <a:latin typeface="+mn-ea"/>
-                          <a:ea typeface="+mn-ea"/>
-                        </a:rPr>
-                        <a:t>RPD</a:t>
-                      </a:r>
-                    </a:p>
-                  </a:txBody>
-                  <a:tcPr marL="6648" marR="6648" marT="6648" marB="0" anchor="ctr">
-                    <a:lnL w="6350" cap="flat" cmpd="sng" algn="ctr">
-                      <a:solidFill>
-                        <a:srgbClr val="000000"/>
-                      </a:solidFill>
-                      <a:prstDash val="solid"/>
-                      <a:round/>
-                      <a:headEnd type="none" w="med" len="med"/>
-                      <a:tailEnd type="none" w="med" len="med"/>
-                    </a:lnL>
-                    <a:lnR w="6350" cap="flat" cmpd="sng" algn="ctr">
-                      <a:solidFill>
-                        <a:srgbClr val="000000"/>
-                      </a:solidFill>
-                      <a:prstDash val="solid"/>
-                      <a:round/>
-                      <a:headEnd type="none" w="med" len="med"/>
-                      <a:tailEnd type="none" w="med" len="med"/>
-                    </a:lnR>
-                    <a:lnT w="6350" cap="flat" cmpd="sng" algn="ctr">
-                      <a:solidFill>
-                        <a:srgbClr val="000000"/>
-                      </a:solidFill>
-                      <a:prstDash val="solid"/>
-                      <a:round/>
-                      <a:headEnd type="none" w="med" len="med"/>
-                      <a:tailEnd type="none" w="med" len="med"/>
-                    </a:lnT>
-                    <a:lnB w="6350" cap="flat" cmpd="sng" algn="ctr">
-                      <a:solidFill>
-                        <a:srgbClr val="000000"/>
-                      </a:solidFill>
-                      <a:prstDash val="solid"/>
-                      <a:round/>
-                      <a:headEnd type="none" w="med" len="med"/>
-                      <a:tailEnd type="none" w="med" len="med"/>
-                    </a:lnB>
-                  </a:tcPr>
-                </a:tc>
-                <a:tc>
-                  <a:txBody>
-                    <a:bodyPr/>
-                    <a:lstStyle/>
-                    <a:p>
-                      <a:pPr algn="l" fontAlgn="ctr"/>
-                      <a:r>
-                        <a:rPr lang="zh-CN" altLang="en-US" sz="1000" b="0" i="0" u="none" strike="noStrike">
-                          <a:solidFill>
-                            <a:srgbClr val="000000"/>
-                          </a:solidFill>
-                          <a:latin typeface="+mn-ea"/>
-                          <a:ea typeface="+mn-ea"/>
-                        </a:rPr>
-                        <a:t>定义</a:t>
-                      </a:r>
-                    </a:p>
-                  </a:txBody>
-                  <a:tcPr marL="6648" marR="6648" marT="6648" marB="0" anchor="ctr">
-                    <a:lnL w="6350" cap="flat" cmpd="sng" algn="ctr">
-                      <a:solidFill>
-                        <a:srgbClr val="000000"/>
-                      </a:solidFill>
-                      <a:prstDash val="solid"/>
-                      <a:round/>
-                      <a:headEnd type="none" w="med" len="med"/>
-                      <a:tailEnd type="none" w="med" len="med"/>
-                    </a:lnL>
-                    <a:lnR w="6350" cap="flat" cmpd="sng" algn="ctr">
-                      <a:solidFill>
-                        <a:srgbClr val="000000"/>
-                      </a:solidFill>
-                      <a:prstDash val="solid"/>
-                      <a:round/>
-                      <a:headEnd type="none" w="med" len="med"/>
-                      <a:tailEnd type="none" w="med" len="med"/>
-                    </a:lnR>
-                    <a:lnT w="6350" cap="flat" cmpd="sng" algn="ctr">
-                      <a:solidFill>
-                        <a:srgbClr val="000000"/>
-                      </a:solidFill>
-                      <a:prstDash val="solid"/>
-                      <a:round/>
-                      <a:headEnd type="none" w="med" len="med"/>
-                      <a:tailEnd type="none" w="med" len="med"/>
-                    </a:lnT>
-                    <a:lnB w="6350" cap="flat" cmpd="sng" algn="ctr">
-                      <a:solidFill>
-                        <a:srgbClr val="000000"/>
-                      </a:solidFill>
-                      <a:prstDash val="solid"/>
-                      <a:round/>
-                      <a:headEnd type="none" w="med" len="med"/>
-                      <a:tailEnd type="none" w="med" len="med"/>
-                    </a:lnB>
-                  </a:tcPr>
-                </a:tc>
-                <a:tc>
-                  <a:txBody>
-                    <a:bodyPr/>
-                    <a:lstStyle/>
-                    <a:p>
-                      <a:pPr algn="l" fontAlgn="ctr"/>
-                      <a:r>
-                        <a:rPr lang="zh-CN" altLang="en-US" sz="1000" b="0" i="0" u="none" strike="noStrike">
-                          <a:solidFill>
-                            <a:srgbClr val="000000"/>
-                          </a:solidFill>
-                          <a:latin typeface="+mn-ea"/>
-                          <a:ea typeface="+mn-ea"/>
-                        </a:rPr>
-                        <a:t>说明</a:t>
-                      </a:r>
-                    </a:p>
-                  </a:txBody>
-                  <a:tcPr marL="6648" marR="6648" marT="6648" marB="0" anchor="ctr">
-                    <a:lnL w="6350" cap="flat" cmpd="sng" algn="ctr">
-                      <a:solidFill>
-                        <a:srgbClr val="000000"/>
-                      </a:solidFill>
-                      <a:prstDash val="solid"/>
-                      <a:round/>
-                      <a:headEnd type="none" w="med" len="med"/>
-                      <a:tailEnd type="none" w="med" len="med"/>
-                    </a:lnL>
-                    <a:lnR w="6350" cap="flat" cmpd="sng" algn="ctr">
-                      <a:solidFill>
-                        <a:srgbClr val="000000"/>
-                      </a:solidFill>
-                      <a:prstDash val="solid"/>
-                      <a:round/>
-                      <a:headEnd type="none" w="med" len="med"/>
-                      <a:tailEnd type="none" w="med" len="med"/>
-                    </a:lnR>
-                    <a:lnT w="6350" cap="flat" cmpd="sng" algn="ctr">
-                      <a:solidFill>
-                        <a:srgbClr val="000000"/>
-                      </a:solidFill>
-                      <a:prstDash val="solid"/>
-                      <a:round/>
-                      <a:headEnd type="none" w="med" len="med"/>
-                      <a:tailEnd type="none" w="med" len="med"/>
-                    </a:lnT>
-                    <a:lnB w="6350" cap="flat" cmpd="sng" algn="ctr">
-                      <a:solidFill>
-                        <a:srgbClr val="000000"/>
-                      </a:solidFill>
-                      <a:prstDash val="solid"/>
-                      <a:round/>
-                      <a:headEnd type="none" w="med" len="med"/>
-                      <a:tailEnd type="none" w="med" len="med"/>
-                    </a:lnB>
-                  </a:tcPr>
-                </a:tc>
-              </a:tr>
-              <a:tr h="390159">
-                <a:tc rowSpan="12">
-                  <a:txBody>
-                    <a:bodyPr/>
-                    <a:lstStyle/>
-                    <a:p>
-                      <a:pPr algn="ctr" fontAlgn="ctr"/>
-                      <a:r>
-                        <a:rPr lang="zh-CN" altLang="en-US" sz="1000" b="0" i="0" u="none" strike="noStrike">
-                          <a:solidFill>
-                            <a:srgbClr val="000000"/>
-                          </a:solidFill>
-                          <a:latin typeface="+mn-ea"/>
-                          <a:ea typeface="+mn-ea"/>
-                        </a:rPr>
-                        <a:t>事实</a:t>
-                      </a:r>
-                      <a:r>
-                        <a:rPr lang="en-US" altLang="zh-CN" sz="1000" b="0" i="0" u="none" strike="noStrike">
-                          <a:solidFill>
-                            <a:srgbClr val="000000"/>
-                          </a:solidFill>
-                          <a:latin typeface="+mn-ea"/>
-                          <a:ea typeface="+mn-ea"/>
-                        </a:rPr>
-                        <a:t>--</a:t>
-                      </a:r>
-                      <a:r>
-                        <a:rPr lang="zh-CN" altLang="en-US" sz="1000" b="0" i="0" u="none" strike="noStrike">
-                          <a:solidFill>
-                            <a:srgbClr val="000000"/>
-                          </a:solidFill>
-                          <a:latin typeface="+mn-ea"/>
-                          <a:ea typeface="+mn-ea"/>
-                        </a:rPr>
-                        <a:t>销售</a:t>
-                      </a:r>
-                    </a:p>
-                  </a:txBody>
-                  <a:tcPr marL="6648" marR="6648" marT="6648" marB="0" anchor="ctr">
-                    <a:lnL w="6350" cap="flat" cmpd="sng" algn="ctr">
-                      <a:solidFill>
-                        <a:srgbClr val="000000"/>
-                      </a:solidFill>
-                      <a:prstDash val="solid"/>
-                      <a:round/>
-                      <a:headEnd type="none" w="med" len="med"/>
-                      <a:tailEnd type="none" w="med" len="med"/>
-                    </a:lnL>
-                    <a:lnR w="6350" cap="flat" cmpd="sng" algn="ctr">
-                      <a:solidFill>
-                        <a:srgbClr val="000000"/>
-                      </a:solidFill>
-                      <a:prstDash val="solid"/>
-                      <a:round/>
-                      <a:headEnd type="none" w="med" len="med"/>
-                      <a:tailEnd type="none" w="med" len="med"/>
-                    </a:lnR>
-                    <a:lnT w="6350" cap="flat" cmpd="sng" algn="ctr">
-                      <a:solidFill>
-                        <a:srgbClr val="000000"/>
-                      </a:solidFill>
-                      <a:prstDash val="solid"/>
-                      <a:round/>
-                      <a:headEnd type="none" w="med" len="med"/>
-                      <a:tailEnd type="none" w="med" len="med"/>
-                    </a:lnT>
-                    <a:lnB w="6350" cap="flat" cmpd="sng" algn="ctr">
-                      <a:solidFill>
-                        <a:srgbClr val="000000"/>
-                      </a:solidFill>
-                      <a:prstDash val="solid"/>
-                      <a:round/>
-                      <a:headEnd type="none" w="med" len="med"/>
-                      <a:tailEnd type="none" w="med" len="med"/>
-                    </a:lnB>
-                  </a:tcPr>
-                </a:tc>
-                <a:tc>
-                  <a:txBody>
-                    <a:bodyPr/>
-                    <a:lstStyle/>
-                    <a:p>
-                      <a:pPr algn="l" fontAlgn="ctr"/>
-                      <a:r>
-                        <a:rPr lang="zh-CN" altLang="en-US" sz="1000" b="0" i="0" u="none" strike="noStrike">
-                          <a:solidFill>
-                            <a:srgbClr val="000000"/>
-                          </a:solidFill>
-                          <a:latin typeface="+mn-ea"/>
-                          <a:ea typeface="+mn-ea"/>
-                        </a:rPr>
-                        <a:t>券销售额（未税）</a:t>
-                      </a:r>
-                    </a:p>
-                  </a:txBody>
-                  <a:tcPr marL="6648" marR="6648" marT="6648" marB="0" anchor="ctr">
-                    <a:lnL w="6350" cap="flat" cmpd="sng" algn="ctr">
-                      <a:solidFill>
-                        <a:srgbClr val="000000"/>
-                      </a:solidFill>
-                      <a:prstDash val="solid"/>
-                      <a:round/>
-                      <a:headEnd type="none" w="med" len="med"/>
-                      <a:tailEnd type="none" w="med" len="med"/>
-                    </a:lnL>
-                    <a:lnR w="6350" cap="flat" cmpd="sng" algn="ctr">
-                      <a:solidFill>
-                        <a:srgbClr val="000000"/>
-                      </a:solidFill>
-                      <a:prstDash val="solid"/>
-                      <a:round/>
-                      <a:headEnd type="none" w="med" len="med"/>
-                      <a:tailEnd type="none" w="med" len="med"/>
-                    </a:lnR>
-                    <a:lnT w="6350" cap="flat" cmpd="sng" algn="ctr">
-                      <a:solidFill>
-                        <a:srgbClr val="000000"/>
-                      </a:solidFill>
-                      <a:prstDash val="solid"/>
-                      <a:round/>
-                      <a:headEnd type="none" w="med" len="med"/>
-                      <a:tailEnd type="none" w="med" len="med"/>
-                    </a:lnT>
-                    <a:lnB w="6350" cap="flat" cmpd="sng" algn="ctr">
-                      <a:solidFill>
-                        <a:srgbClr val="000000"/>
-                      </a:solidFill>
-                      <a:prstDash val="solid"/>
-                      <a:round/>
-                      <a:headEnd type="none" w="med" len="med"/>
-                      <a:tailEnd type="none" w="med" len="med"/>
-                    </a:lnB>
-                  </a:tcPr>
-                </a:tc>
-                <a:tc>
-                  <a:txBody>
-                    <a:bodyPr/>
-                    <a:lstStyle/>
-                    <a:p>
-                      <a:pPr algn="l" fontAlgn="ctr"/>
-                      <a:r>
-                        <a:rPr lang="en-US" sz="1000" b="0" i="0" u="none" strike="noStrike" dirty="0" err="1">
-                          <a:solidFill>
-                            <a:srgbClr val="000000"/>
-                          </a:solidFill>
-                          <a:latin typeface="+mn-ea"/>
-                          <a:ea typeface="+mn-ea"/>
-                        </a:rPr>
-                        <a:t>Sales_Net_Sales_Coupon_Amt</a:t>
-                      </a:r>
-                      <a:endParaRPr lang="en-US" sz="1000" b="0" i="0" u="none" strike="noStrike" dirty="0">
-                        <a:solidFill>
-                          <a:srgbClr val="000000"/>
-                        </a:solidFill>
-                        <a:latin typeface="+mn-ea"/>
-                        <a:ea typeface="+mn-ea"/>
-                      </a:endParaRPr>
-                    </a:p>
-                  </a:txBody>
-                  <a:tcPr marL="6648" marR="6648" marT="6648" marB="0" anchor="ctr">
-                    <a:lnL w="6350" cap="flat" cmpd="sng" algn="ctr">
-                      <a:solidFill>
-                        <a:srgbClr val="000000"/>
-                      </a:solidFill>
-                      <a:prstDash val="solid"/>
-                      <a:round/>
-                      <a:headEnd type="none" w="med" len="med"/>
-                      <a:tailEnd type="none" w="med" len="med"/>
-                    </a:lnL>
-                    <a:lnR w="6350" cap="flat" cmpd="sng" algn="ctr">
-                      <a:solidFill>
-                        <a:srgbClr val="000000"/>
-                      </a:solidFill>
-                      <a:prstDash val="solid"/>
-                      <a:round/>
-                      <a:headEnd type="none" w="med" len="med"/>
-                      <a:tailEnd type="none" w="med" len="med"/>
-                    </a:lnR>
-                    <a:lnT w="6350" cap="flat" cmpd="sng" algn="ctr">
-                      <a:solidFill>
-                        <a:srgbClr val="000000"/>
-                      </a:solidFill>
-                      <a:prstDash val="solid"/>
-                      <a:round/>
-                      <a:headEnd type="none" w="med" len="med"/>
-                      <a:tailEnd type="none" w="med" len="med"/>
-                    </a:lnT>
-                    <a:lnB w="6350" cap="flat" cmpd="sng" algn="ctr">
-                      <a:solidFill>
-                        <a:srgbClr val="000000"/>
-                      </a:solidFill>
-                      <a:prstDash val="solid"/>
-                      <a:round/>
-                      <a:headEnd type="none" w="med" len="med"/>
-                      <a:tailEnd type="none" w="med" len="med"/>
-                    </a:lnB>
-                  </a:tcPr>
-                </a:tc>
-                <a:tc>
-                  <a:txBody>
-                    <a:bodyPr/>
-                    <a:lstStyle/>
-                    <a:p>
-                      <a:pPr algn="l" fontAlgn="ctr"/>
-                      <a:r>
-                        <a:rPr lang="zh-CN" altLang="en-US" sz="1000" b="0" i="0" u="none" strike="noStrike">
-                          <a:solidFill>
-                            <a:srgbClr val="000000"/>
-                          </a:solidFill>
-                          <a:latin typeface="+mn-ea"/>
-                          <a:ea typeface="+mn-ea"/>
-                        </a:rPr>
-                        <a:t>未税券销售金额</a:t>
-                      </a:r>
-                    </a:p>
-                  </a:txBody>
-                  <a:tcPr marL="6648" marR="6648" marT="6648" marB="0" anchor="ctr">
-                    <a:lnL w="6350" cap="flat" cmpd="sng" algn="ctr">
-                      <a:solidFill>
-                        <a:srgbClr val="000000"/>
-                      </a:solidFill>
-                      <a:prstDash val="solid"/>
-                      <a:round/>
-                      <a:headEnd type="none" w="med" len="med"/>
-                      <a:tailEnd type="none" w="med" len="med"/>
-                    </a:lnL>
-                    <a:lnR w="6350" cap="flat" cmpd="sng" algn="ctr">
-                      <a:solidFill>
-                        <a:srgbClr val="000000"/>
-                      </a:solidFill>
-                      <a:prstDash val="solid"/>
-                      <a:round/>
-                      <a:headEnd type="none" w="med" len="med"/>
-                      <a:tailEnd type="none" w="med" len="med"/>
-                    </a:lnR>
-                    <a:lnT w="6350" cap="flat" cmpd="sng" algn="ctr">
-                      <a:solidFill>
-                        <a:srgbClr val="000000"/>
-                      </a:solidFill>
-                      <a:prstDash val="solid"/>
-                      <a:round/>
-                      <a:headEnd type="none" w="med" len="med"/>
-                      <a:tailEnd type="none" w="med" len="med"/>
-                    </a:lnT>
-                    <a:lnB w="6350" cap="flat" cmpd="sng" algn="ctr">
-                      <a:solidFill>
-                        <a:srgbClr val="000000"/>
-                      </a:solidFill>
-                      <a:prstDash val="solid"/>
-                      <a:round/>
-                      <a:headEnd type="none" w="med" len="med"/>
-                      <a:tailEnd type="none" w="med" len="med"/>
-                    </a:lnB>
-                  </a:tcPr>
-                </a:tc>
-                <a:tc>
-                  <a:txBody>
-                    <a:bodyPr/>
-                    <a:lstStyle/>
-                    <a:p>
-                      <a:pPr algn="l" fontAlgn="ctr"/>
-                      <a:r>
-                        <a:rPr lang="zh-CN" altLang="en-US" sz="1000" b="0" i="0" u="none" strike="noStrike">
-                          <a:solidFill>
-                            <a:srgbClr val="000000"/>
-                          </a:solidFill>
-                          <a:latin typeface="+mn-ea"/>
-                          <a:ea typeface="+mn-ea"/>
-                        </a:rPr>
-                        <a:t>知而行券，厂商券，</a:t>
-                      </a:r>
-                      <a:r>
-                        <a:rPr lang="en-US" sz="1000" b="0" i="0" u="none" strike="noStrike">
-                          <a:solidFill>
-                            <a:srgbClr val="000000"/>
-                          </a:solidFill>
-                          <a:latin typeface="+mn-ea"/>
-                          <a:ea typeface="+mn-ea"/>
-                        </a:rPr>
-                        <a:t>siebel</a:t>
-                      </a:r>
-                      <a:r>
-                        <a:rPr lang="zh-CN" altLang="en-US" sz="1000" b="0" i="0" u="none" strike="noStrike">
-                          <a:solidFill>
-                            <a:srgbClr val="000000"/>
-                          </a:solidFill>
-                          <a:latin typeface="+mn-ea"/>
-                          <a:ea typeface="+mn-ea"/>
-                        </a:rPr>
-                        <a:t>券</a:t>
-                      </a:r>
-                    </a:p>
-                  </a:txBody>
-                  <a:tcPr marL="6648" marR="6648" marT="6648" marB="0" anchor="ctr">
-                    <a:lnL w="6350" cap="flat" cmpd="sng" algn="ctr">
-                      <a:solidFill>
-                        <a:srgbClr val="000000"/>
-                      </a:solidFill>
-                      <a:prstDash val="solid"/>
-                      <a:round/>
-                      <a:headEnd type="none" w="med" len="med"/>
-                      <a:tailEnd type="none" w="med" len="med"/>
-                    </a:lnL>
-                    <a:lnR w="6350" cap="flat" cmpd="sng" algn="ctr">
-                      <a:solidFill>
-                        <a:srgbClr val="000000"/>
-                      </a:solidFill>
-                      <a:prstDash val="solid"/>
-                      <a:round/>
-                      <a:headEnd type="none" w="med" len="med"/>
-                      <a:tailEnd type="none" w="med" len="med"/>
-                    </a:lnR>
-                    <a:lnT w="6350" cap="flat" cmpd="sng" algn="ctr">
-                      <a:solidFill>
-                        <a:srgbClr val="000000"/>
-                      </a:solidFill>
-                      <a:prstDash val="solid"/>
-                      <a:round/>
-                      <a:headEnd type="none" w="med" len="med"/>
-                      <a:tailEnd type="none" w="med" len="med"/>
-                    </a:lnT>
-                    <a:lnB w="6350" cap="flat" cmpd="sng" algn="ctr">
-                      <a:solidFill>
-                        <a:srgbClr val="000000"/>
-                      </a:solidFill>
-                      <a:prstDash val="solid"/>
-                      <a:round/>
-                      <a:headEnd type="none" w="med" len="med"/>
-                      <a:tailEnd type="none" w="med" len="med"/>
-                    </a:lnB>
-                  </a:tcPr>
-                </a:tc>
-              </a:tr>
-              <a:tr h="390159">
-                <a:tc vMerge="1">
-                  <a:txBody>
-                    <a:bodyPr/>
-                    <a:lstStyle/>
-                    <a:p>
-                      <a:endParaRPr lang="zh-CN" altLang="en-US"/>
-                    </a:p>
-                  </a:txBody>
-                  <a:tcPr/>
-                </a:tc>
-                <a:tc>
-                  <a:txBody>
-                    <a:bodyPr/>
-                    <a:lstStyle/>
-                    <a:p>
-                      <a:pPr algn="l" fontAlgn="ctr"/>
-                      <a:r>
-                        <a:rPr lang="zh-CN" altLang="en-US" sz="1000" b="0" i="0" u="none" strike="noStrike">
-                          <a:solidFill>
-                            <a:srgbClr val="000000"/>
-                          </a:solidFill>
-                          <a:latin typeface="+mn-ea"/>
-                          <a:ea typeface="+mn-ea"/>
-                        </a:rPr>
-                        <a:t>上年券销售额（未税）</a:t>
-                      </a:r>
-                    </a:p>
-                  </a:txBody>
-                  <a:tcPr marL="6648" marR="6648" marT="6648" marB="0" anchor="ctr">
-                    <a:lnL w="6350" cap="flat" cmpd="sng" algn="ctr">
-                      <a:solidFill>
-                        <a:srgbClr val="000000"/>
-                      </a:solidFill>
-                      <a:prstDash val="solid"/>
-                      <a:round/>
-                      <a:headEnd type="none" w="med" len="med"/>
-                      <a:tailEnd type="none" w="med" len="med"/>
-                    </a:lnL>
-                    <a:lnR w="6350" cap="flat" cmpd="sng" algn="ctr">
-                      <a:solidFill>
-                        <a:srgbClr val="000000"/>
-                      </a:solidFill>
-                      <a:prstDash val="solid"/>
-                      <a:round/>
-                      <a:headEnd type="none" w="med" len="med"/>
-                      <a:tailEnd type="none" w="med" len="med"/>
-                    </a:lnR>
-                    <a:lnT w="6350" cap="flat" cmpd="sng" algn="ctr">
-                      <a:solidFill>
-                        <a:srgbClr val="000000"/>
-                      </a:solidFill>
-                      <a:prstDash val="solid"/>
-                      <a:round/>
-                      <a:headEnd type="none" w="med" len="med"/>
-                      <a:tailEnd type="none" w="med" len="med"/>
-                    </a:lnT>
-                    <a:lnB w="6350" cap="flat" cmpd="sng" algn="ctr">
-                      <a:solidFill>
-                        <a:srgbClr val="000000"/>
-                      </a:solidFill>
-                      <a:prstDash val="solid"/>
-                      <a:round/>
-                      <a:headEnd type="none" w="med" len="med"/>
-                      <a:tailEnd type="none" w="med" len="med"/>
-                    </a:lnB>
-                  </a:tcPr>
-                </a:tc>
-                <a:tc>
-                  <a:txBody>
-                    <a:bodyPr/>
-                    <a:lstStyle/>
-                    <a:p>
-                      <a:pPr algn="l" fontAlgn="ctr"/>
-                      <a:r>
-                        <a:rPr lang="en-US" sz="1000" b="0" i="0" u="none" strike="noStrike">
-                          <a:solidFill>
-                            <a:srgbClr val="000000"/>
-                          </a:solidFill>
-                          <a:latin typeface="+mn-ea"/>
-                          <a:ea typeface="+mn-ea"/>
-                        </a:rPr>
-                        <a:t>Sales_Net_Sales_Coupon_Amt_LY</a:t>
-                      </a:r>
-                    </a:p>
-                  </a:txBody>
-                  <a:tcPr marL="6648" marR="6648" marT="6648" marB="0" anchor="ctr">
-                    <a:lnL w="6350" cap="flat" cmpd="sng" algn="ctr">
-                      <a:solidFill>
-                        <a:srgbClr val="000000"/>
-                      </a:solidFill>
-                      <a:prstDash val="solid"/>
-                      <a:round/>
-                      <a:headEnd type="none" w="med" len="med"/>
-                      <a:tailEnd type="none" w="med" len="med"/>
-                    </a:lnL>
-                    <a:lnR w="6350" cap="flat" cmpd="sng" algn="ctr">
-                      <a:solidFill>
-                        <a:srgbClr val="000000"/>
-                      </a:solidFill>
-                      <a:prstDash val="solid"/>
-                      <a:round/>
-                      <a:headEnd type="none" w="med" len="med"/>
-                      <a:tailEnd type="none" w="med" len="med"/>
-                    </a:lnR>
-                    <a:lnT w="6350" cap="flat" cmpd="sng" algn="ctr">
-                      <a:solidFill>
-                        <a:srgbClr val="000000"/>
-                      </a:solidFill>
-                      <a:prstDash val="solid"/>
-                      <a:round/>
-                      <a:headEnd type="none" w="med" len="med"/>
-                      <a:tailEnd type="none" w="med" len="med"/>
-                    </a:lnT>
-                    <a:lnB w="6350" cap="flat" cmpd="sng" algn="ctr">
-                      <a:solidFill>
-                        <a:srgbClr val="000000"/>
-                      </a:solidFill>
-                      <a:prstDash val="solid"/>
-                      <a:round/>
-                      <a:headEnd type="none" w="med" len="med"/>
-                      <a:tailEnd type="none" w="med" len="med"/>
-                    </a:lnB>
-                  </a:tcPr>
-                </a:tc>
-                <a:tc>
-                  <a:txBody>
-                    <a:bodyPr/>
-                    <a:lstStyle/>
-                    <a:p>
-                      <a:pPr algn="l" fontAlgn="ctr"/>
-                      <a:r>
-                        <a:rPr lang="zh-CN" altLang="en-US" sz="1000" b="0" i="0" u="none" strike="noStrike" dirty="0">
-                          <a:solidFill>
-                            <a:srgbClr val="000000"/>
-                          </a:solidFill>
-                          <a:latin typeface="+mn-ea"/>
-                          <a:ea typeface="+mn-ea"/>
-                        </a:rPr>
-                        <a:t>去年同期未税券销售金额</a:t>
-                      </a:r>
-                    </a:p>
-                  </a:txBody>
-                  <a:tcPr marL="6648" marR="6648" marT="6648" marB="0" anchor="ctr">
-                    <a:lnL w="6350" cap="flat" cmpd="sng" algn="ctr">
-                      <a:solidFill>
-                        <a:srgbClr val="000000"/>
-                      </a:solidFill>
-                      <a:prstDash val="solid"/>
-                      <a:round/>
-                      <a:headEnd type="none" w="med" len="med"/>
-                      <a:tailEnd type="none" w="med" len="med"/>
-                    </a:lnL>
-                    <a:lnR w="6350" cap="flat" cmpd="sng" algn="ctr">
-                      <a:solidFill>
-                        <a:srgbClr val="000000"/>
-                      </a:solidFill>
-                      <a:prstDash val="solid"/>
-                      <a:round/>
-                      <a:headEnd type="none" w="med" len="med"/>
-                      <a:tailEnd type="none" w="med" len="med"/>
-                    </a:lnR>
-                    <a:lnT w="6350" cap="flat" cmpd="sng" algn="ctr">
-                      <a:solidFill>
-                        <a:srgbClr val="000000"/>
-                      </a:solidFill>
-                      <a:prstDash val="solid"/>
-                      <a:round/>
-                      <a:headEnd type="none" w="med" len="med"/>
-                      <a:tailEnd type="none" w="med" len="med"/>
-                    </a:lnT>
-                    <a:lnB w="6350" cap="flat" cmpd="sng" algn="ctr">
-                      <a:solidFill>
-                        <a:srgbClr val="000000"/>
-                      </a:solidFill>
-                      <a:prstDash val="solid"/>
-                      <a:round/>
-                      <a:headEnd type="none" w="med" len="med"/>
-                      <a:tailEnd type="none" w="med" len="med"/>
-                    </a:lnB>
-                  </a:tcPr>
-                </a:tc>
-                <a:tc>
-                  <a:txBody>
-                    <a:bodyPr/>
-                    <a:lstStyle/>
-                    <a:p>
-                      <a:pPr algn="l" fontAlgn="ctr"/>
-                      <a:r>
-                        <a:rPr lang="zh-CN" altLang="en-US" sz="1000" b="0" i="0" u="none" strike="noStrike">
-                          <a:solidFill>
-                            <a:srgbClr val="000000"/>
-                          </a:solidFill>
-                          <a:latin typeface="+mn-ea"/>
-                          <a:ea typeface="+mn-ea"/>
-                        </a:rPr>
-                        <a:t>知而行券，厂商券，</a:t>
-                      </a:r>
-                      <a:r>
-                        <a:rPr lang="en-US" sz="1000" b="0" i="0" u="none" strike="noStrike">
-                          <a:solidFill>
-                            <a:srgbClr val="000000"/>
-                          </a:solidFill>
-                          <a:latin typeface="+mn-ea"/>
-                          <a:ea typeface="+mn-ea"/>
-                        </a:rPr>
-                        <a:t>siebel</a:t>
-                      </a:r>
-                      <a:r>
-                        <a:rPr lang="zh-CN" altLang="en-US" sz="1000" b="0" i="0" u="none" strike="noStrike">
-                          <a:solidFill>
-                            <a:srgbClr val="000000"/>
-                          </a:solidFill>
-                          <a:latin typeface="+mn-ea"/>
-                          <a:ea typeface="+mn-ea"/>
-                        </a:rPr>
-                        <a:t>券</a:t>
-                      </a:r>
-                    </a:p>
-                  </a:txBody>
-                  <a:tcPr marL="6648" marR="6648" marT="6648" marB="0" anchor="ctr">
-                    <a:lnL w="6350" cap="flat" cmpd="sng" algn="ctr">
-                      <a:solidFill>
-                        <a:srgbClr val="000000"/>
-                      </a:solidFill>
-                      <a:prstDash val="solid"/>
-                      <a:round/>
-                      <a:headEnd type="none" w="med" len="med"/>
-                      <a:tailEnd type="none" w="med" len="med"/>
-                    </a:lnL>
-                    <a:lnR w="6350" cap="flat" cmpd="sng" algn="ctr">
-                      <a:solidFill>
-                        <a:srgbClr val="000000"/>
-                      </a:solidFill>
-                      <a:prstDash val="solid"/>
-                      <a:round/>
-                      <a:headEnd type="none" w="med" len="med"/>
-                      <a:tailEnd type="none" w="med" len="med"/>
-                    </a:lnR>
-                    <a:lnT w="6350" cap="flat" cmpd="sng" algn="ctr">
-                      <a:solidFill>
-                        <a:srgbClr val="000000"/>
-                      </a:solidFill>
-                      <a:prstDash val="solid"/>
-                      <a:round/>
-                      <a:headEnd type="none" w="med" len="med"/>
-                      <a:tailEnd type="none" w="med" len="med"/>
-                    </a:lnT>
-                    <a:lnB w="6350" cap="flat" cmpd="sng" algn="ctr">
-                      <a:solidFill>
-                        <a:srgbClr val="000000"/>
-                      </a:solidFill>
-                      <a:prstDash val="solid"/>
-                      <a:round/>
-                      <a:headEnd type="none" w="med" len="med"/>
-                      <a:tailEnd type="none" w="med" len="med"/>
-                    </a:lnB>
-                  </a:tcPr>
-                </a:tc>
-              </a:tr>
-              <a:tr h="390159">
-                <a:tc vMerge="1">
-                  <a:txBody>
-                    <a:bodyPr/>
-                    <a:lstStyle/>
-                    <a:p>
-                      <a:endParaRPr lang="zh-CN" altLang="en-US"/>
-                    </a:p>
-                  </a:txBody>
-                  <a:tcPr/>
-                </a:tc>
-                <a:tc>
-                  <a:txBody>
-                    <a:bodyPr/>
-                    <a:lstStyle/>
-                    <a:p>
-                      <a:pPr algn="l" fontAlgn="ctr"/>
-                      <a:r>
-                        <a:rPr lang="zh-CN" altLang="en-US" sz="1000" b="0" i="0" u="none" strike="noStrike">
-                          <a:solidFill>
-                            <a:srgbClr val="000000"/>
-                          </a:solidFill>
-                          <a:latin typeface="+mn-ea"/>
-                          <a:ea typeface="+mn-ea"/>
-                        </a:rPr>
-                        <a:t>上年月初至今券销售额（未税）</a:t>
-                      </a:r>
-                    </a:p>
-                  </a:txBody>
-                  <a:tcPr marL="6648" marR="6648" marT="6648" marB="0" anchor="ctr">
-                    <a:lnL w="6350" cap="flat" cmpd="sng" algn="ctr">
-                      <a:solidFill>
-                        <a:srgbClr val="000000"/>
-                      </a:solidFill>
-                      <a:prstDash val="solid"/>
-                      <a:round/>
-                      <a:headEnd type="none" w="med" len="med"/>
-                      <a:tailEnd type="none" w="med" len="med"/>
-                    </a:lnL>
-                    <a:lnR w="6350" cap="flat" cmpd="sng" algn="ctr">
-                      <a:solidFill>
-                        <a:srgbClr val="000000"/>
-                      </a:solidFill>
-                      <a:prstDash val="solid"/>
-                      <a:round/>
-                      <a:headEnd type="none" w="med" len="med"/>
-                      <a:tailEnd type="none" w="med" len="med"/>
-                    </a:lnR>
-                    <a:lnT w="6350" cap="flat" cmpd="sng" algn="ctr">
-                      <a:solidFill>
-                        <a:srgbClr val="000000"/>
-                      </a:solidFill>
-                      <a:prstDash val="solid"/>
-                      <a:round/>
-                      <a:headEnd type="none" w="med" len="med"/>
-                      <a:tailEnd type="none" w="med" len="med"/>
-                    </a:lnT>
-                    <a:lnB w="6350" cap="flat" cmpd="sng" algn="ctr">
-                      <a:solidFill>
-                        <a:srgbClr val="000000"/>
-                      </a:solidFill>
-                      <a:prstDash val="solid"/>
-                      <a:round/>
-                      <a:headEnd type="none" w="med" len="med"/>
-                      <a:tailEnd type="none" w="med" len="med"/>
-                    </a:lnB>
-                  </a:tcPr>
-                </a:tc>
-                <a:tc>
-                  <a:txBody>
-                    <a:bodyPr/>
-                    <a:lstStyle/>
-                    <a:p>
-                      <a:pPr algn="l" fontAlgn="ctr"/>
-                      <a:r>
-                        <a:rPr lang="en-US" sz="1000" b="0" i="0" u="none" strike="noStrike">
-                          <a:solidFill>
-                            <a:srgbClr val="000000"/>
-                          </a:solidFill>
-                          <a:latin typeface="+mn-ea"/>
-                          <a:ea typeface="+mn-ea"/>
-                        </a:rPr>
-                        <a:t>Sales_Net_Sales_Coupon_Amt_LY_MTD</a:t>
-                      </a:r>
-                    </a:p>
-                  </a:txBody>
-                  <a:tcPr marL="6648" marR="6648" marT="6648" marB="0" anchor="ctr">
-                    <a:lnL w="6350" cap="flat" cmpd="sng" algn="ctr">
-                      <a:solidFill>
-                        <a:srgbClr val="000000"/>
-                      </a:solidFill>
-                      <a:prstDash val="solid"/>
-                      <a:round/>
-                      <a:headEnd type="none" w="med" len="med"/>
-                      <a:tailEnd type="none" w="med" len="med"/>
-                    </a:lnL>
-                    <a:lnR w="6350" cap="flat" cmpd="sng" algn="ctr">
-                      <a:solidFill>
-                        <a:srgbClr val="000000"/>
-                      </a:solidFill>
-                      <a:prstDash val="solid"/>
-                      <a:round/>
-                      <a:headEnd type="none" w="med" len="med"/>
-                      <a:tailEnd type="none" w="med" len="med"/>
-                    </a:lnR>
-                    <a:lnT w="6350" cap="flat" cmpd="sng" algn="ctr">
-                      <a:solidFill>
-                        <a:srgbClr val="000000"/>
-                      </a:solidFill>
-                      <a:prstDash val="solid"/>
-                      <a:round/>
-                      <a:headEnd type="none" w="med" len="med"/>
-                      <a:tailEnd type="none" w="med" len="med"/>
-                    </a:lnT>
-                    <a:lnB w="6350" cap="flat" cmpd="sng" algn="ctr">
-                      <a:solidFill>
-                        <a:srgbClr val="000000"/>
-                      </a:solidFill>
-                      <a:prstDash val="solid"/>
-                      <a:round/>
-                      <a:headEnd type="none" w="med" len="med"/>
-                      <a:tailEnd type="none" w="med" len="med"/>
-                    </a:lnB>
-                  </a:tcPr>
-                </a:tc>
-                <a:tc>
-                  <a:txBody>
-                    <a:bodyPr/>
-                    <a:lstStyle/>
-                    <a:p>
-                      <a:pPr algn="l" fontAlgn="ctr"/>
-                      <a:r>
-                        <a:rPr lang="zh-CN" altLang="en-US" sz="1000" b="0" i="0" u="none" strike="noStrike">
-                          <a:solidFill>
-                            <a:srgbClr val="000000"/>
-                          </a:solidFill>
-                          <a:latin typeface="+mn-ea"/>
-                          <a:ea typeface="+mn-ea"/>
-                        </a:rPr>
-                        <a:t>去年同期月累计未税券销售金额</a:t>
-                      </a:r>
-                    </a:p>
-                  </a:txBody>
-                  <a:tcPr marL="6648" marR="6648" marT="6648" marB="0" anchor="ctr">
-                    <a:lnL w="6350" cap="flat" cmpd="sng" algn="ctr">
-                      <a:solidFill>
-                        <a:srgbClr val="000000"/>
-                      </a:solidFill>
-                      <a:prstDash val="solid"/>
-                      <a:round/>
-                      <a:headEnd type="none" w="med" len="med"/>
-                      <a:tailEnd type="none" w="med" len="med"/>
-                    </a:lnL>
-                    <a:lnR w="6350" cap="flat" cmpd="sng" algn="ctr">
-                      <a:solidFill>
-                        <a:srgbClr val="000000"/>
-                      </a:solidFill>
-                      <a:prstDash val="solid"/>
-                      <a:round/>
-                      <a:headEnd type="none" w="med" len="med"/>
-                      <a:tailEnd type="none" w="med" len="med"/>
-                    </a:lnR>
-                    <a:lnT w="6350" cap="flat" cmpd="sng" algn="ctr">
-                      <a:solidFill>
-                        <a:srgbClr val="000000"/>
-                      </a:solidFill>
-                      <a:prstDash val="solid"/>
-                      <a:round/>
-                      <a:headEnd type="none" w="med" len="med"/>
-                      <a:tailEnd type="none" w="med" len="med"/>
-                    </a:lnT>
-                    <a:lnB w="6350" cap="flat" cmpd="sng" algn="ctr">
-                      <a:solidFill>
-                        <a:srgbClr val="000000"/>
-                      </a:solidFill>
-                      <a:prstDash val="solid"/>
-                      <a:round/>
-                      <a:headEnd type="none" w="med" len="med"/>
-                      <a:tailEnd type="none" w="med" len="med"/>
-                    </a:lnB>
-                  </a:tcPr>
-                </a:tc>
-                <a:tc>
-                  <a:txBody>
-                    <a:bodyPr/>
-                    <a:lstStyle/>
-                    <a:p>
-                      <a:pPr algn="l" fontAlgn="ctr"/>
-                      <a:r>
-                        <a:rPr lang="zh-CN" altLang="en-US" sz="1000" b="0" i="0" u="none" strike="noStrike">
-                          <a:solidFill>
-                            <a:srgbClr val="000000"/>
-                          </a:solidFill>
-                          <a:latin typeface="+mn-ea"/>
-                          <a:ea typeface="+mn-ea"/>
-                        </a:rPr>
-                        <a:t>知而行券，厂商券，</a:t>
-                      </a:r>
-                      <a:r>
-                        <a:rPr lang="en-US" sz="1000" b="0" i="0" u="none" strike="noStrike">
-                          <a:solidFill>
-                            <a:srgbClr val="000000"/>
-                          </a:solidFill>
-                          <a:latin typeface="+mn-ea"/>
-                          <a:ea typeface="+mn-ea"/>
-                        </a:rPr>
-                        <a:t>siebel</a:t>
-                      </a:r>
-                      <a:r>
-                        <a:rPr lang="zh-CN" altLang="en-US" sz="1000" b="0" i="0" u="none" strike="noStrike">
-                          <a:solidFill>
-                            <a:srgbClr val="000000"/>
-                          </a:solidFill>
-                          <a:latin typeface="+mn-ea"/>
-                          <a:ea typeface="+mn-ea"/>
-                        </a:rPr>
-                        <a:t>券</a:t>
-                      </a:r>
-                    </a:p>
-                  </a:txBody>
-                  <a:tcPr marL="6648" marR="6648" marT="6648" marB="0" anchor="ctr">
-                    <a:lnL w="6350" cap="flat" cmpd="sng" algn="ctr">
-                      <a:solidFill>
-                        <a:srgbClr val="000000"/>
-                      </a:solidFill>
-                      <a:prstDash val="solid"/>
-                      <a:round/>
-                      <a:headEnd type="none" w="med" len="med"/>
-                      <a:tailEnd type="none" w="med" len="med"/>
-                    </a:lnL>
-                    <a:lnR w="6350" cap="flat" cmpd="sng" algn="ctr">
-                      <a:solidFill>
-                        <a:srgbClr val="000000"/>
-                      </a:solidFill>
-                      <a:prstDash val="solid"/>
-                      <a:round/>
-                      <a:headEnd type="none" w="med" len="med"/>
-                      <a:tailEnd type="none" w="med" len="med"/>
-                    </a:lnR>
-                    <a:lnT w="6350" cap="flat" cmpd="sng" algn="ctr">
-                      <a:solidFill>
-                        <a:srgbClr val="000000"/>
-                      </a:solidFill>
-                      <a:prstDash val="solid"/>
-                      <a:round/>
-                      <a:headEnd type="none" w="med" len="med"/>
-                      <a:tailEnd type="none" w="med" len="med"/>
-                    </a:lnT>
-                    <a:lnB w="6350" cap="flat" cmpd="sng" algn="ctr">
-                      <a:solidFill>
-                        <a:srgbClr val="000000"/>
-                      </a:solidFill>
-                      <a:prstDash val="solid"/>
-                      <a:round/>
-                      <a:headEnd type="none" w="med" len="med"/>
-                      <a:tailEnd type="none" w="med" len="med"/>
-                    </a:lnB>
-                  </a:tcPr>
-                </a:tc>
-              </a:tr>
-              <a:tr h="390159">
-                <a:tc vMerge="1">
-                  <a:txBody>
-                    <a:bodyPr/>
-                    <a:lstStyle/>
-                    <a:p>
-                      <a:endParaRPr lang="zh-CN" altLang="en-US"/>
-                    </a:p>
-                  </a:txBody>
-                  <a:tcPr/>
-                </a:tc>
-                <a:tc>
-                  <a:txBody>
-                    <a:bodyPr/>
-                    <a:lstStyle/>
-                    <a:p>
-                      <a:pPr algn="l" fontAlgn="ctr"/>
-                      <a:r>
-                        <a:rPr lang="zh-CN" altLang="en-US" sz="1000" b="0" i="0" u="none" strike="noStrike">
-                          <a:solidFill>
-                            <a:srgbClr val="000000"/>
-                          </a:solidFill>
-                          <a:latin typeface="+mn-ea"/>
-                          <a:ea typeface="+mn-ea"/>
-                        </a:rPr>
-                        <a:t>上年年初至今券销售额（未税）</a:t>
-                      </a:r>
-                    </a:p>
-                  </a:txBody>
-                  <a:tcPr marL="6648" marR="6648" marT="6648" marB="0" anchor="ctr">
-                    <a:lnL w="6350" cap="flat" cmpd="sng" algn="ctr">
-                      <a:solidFill>
-                        <a:srgbClr val="000000"/>
-                      </a:solidFill>
-                      <a:prstDash val="solid"/>
-                      <a:round/>
-                      <a:headEnd type="none" w="med" len="med"/>
-                      <a:tailEnd type="none" w="med" len="med"/>
-                    </a:lnL>
-                    <a:lnR w="6350" cap="flat" cmpd="sng" algn="ctr">
-                      <a:solidFill>
-                        <a:srgbClr val="000000"/>
-                      </a:solidFill>
-                      <a:prstDash val="solid"/>
-                      <a:round/>
-                      <a:headEnd type="none" w="med" len="med"/>
-                      <a:tailEnd type="none" w="med" len="med"/>
-                    </a:lnR>
-                    <a:lnT w="6350" cap="flat" cmpd="sng" algn="ctr">
-                      <a:solidFill>
-                        <a:srgbClr val="000000"/>
-                      </a:solidFill>
-                      <a:prstDash val="solid"/>
-                      <a:round/>
-                      <a:headEnd type="none" w="med" len="med"/>
-                      <a:tailEnd type="none" w="med" len="med"/>
-                    </a:lnT>
-                    <a:lnB w="6350" cap="flat" cmpd="sng" algn="ctr">
-                      <a:solidFill>
-                        <a:srgbClr val="000000"/>
-                      </a:solidFill>
-                      <a:prstDash val="solid"/>
-                      <a:round/>
-                      <a:headEnd type="none" w="med" len="med"/>
-                      <a:tailEnd type="none" w="med" len="med"/>
-                    </a:lnB>
-                  </a:tcPr>
-                </a:tc>
-                <a:tc>
-                  <a:txBody>
-                    <a:bodyPr/>
-                    <a:lstStyle/>
-                    <a:p>
-                      <a:pPr algn="l" fontAlgn="ctr"/>
-                      <a:r>
-                        <a:rPr lang="en-US" sz="1000" b="0" i="0" u="none" strike="noStrike" dirty="0" err="1">
-                          <a:solidFill>
-                            <a:srgbClr val="000000"/>
-                          </a:solidFill>
-                          <a:latin typeface="+mn-ea"/>
-                          <a:ea typeface="+mn-ea"/>
-                        </a:rPr>
-                        <a:t>Sales_Net_Sales_Coupon_Amt_LY_YTD</a:t>
-                      </a:r>
-                      <a:endParaRPr lang="en-US" sz="1000" b="0" i="0" u="none" strike="noStrike" dirty="0">
-                        <a:solidFill>
-                          <a:srgbClr val="000000"/>
-                        </a:solidFill>
-                        <a:latin typeface="+mn-ea"/>
-                        <a:ea typeface="+mn-ea"/>
-                      </a:endParaRPr>
-                    </a:p>
-                  </a:txBody>
-                  <a:tcPr marL="6648" marR="6648" marT="6648" marB="0" anchor="ctr">
-                    <a:lnL w="6350" cap="flat" cmpd="sng" algn="ctr">
-                      <a:solidFill>
-                        <a:srgbClr val="000000"/>
-                      </a:solidFill>
-                      <a:prstDash val="solid"/>
-                      <a:round/>
-                      <a:headEnd type="none" w="med" len="med"/>
-                      <a:tailEnd type="none" w="med" len="med"/>
-                    </a:lnL>
-                    <a:lnR w="6350" cap="flat" cmpd="sng" algn="ctr">
-                      <a:solidFill>
-                        <a:srgbClr val="000000"/>
-                      </a:solidFill>
-                      <a:prstDash val="solid"/>
-                      <a:round/>
-                      <a:headEnd type="none" w="med" len="med"/>
-                      <a:tailEnd type="none" w="med" len="med"/>
-                    </a:lnR>
-                    <a:lnT w="6350" cap="flat" cmpd="sng" algn="ctr">
-                      <a:solidFill>
-                        <a:srgbClr val="000000"/>
-                      </a:solidFill>
-                      <a:prstDash val="solid"/>
-                      <a:round/>
-                      <a:headEnd type="none" w="med" len="med"/>
-                      <a:tailEnd type="none" w="med" len="med"/>
-                    </a:lnT>
-                    <a:lnB w="6350" cap="flat" cmpd="sng" algn="ctr">
-                      <a:solidFill>
-                        <a:srgbClr val="000000"/>
-                      </a:solidFill>
-                      <a:prstDash val="solid"/>
-                      <a:round/>
-                      <a:headEnd type="none" w="med" len="med"/>
-                      <a:tailEnd type="none" w="med" len="med"/>
-                    </a:lnB>
-                  </a:tcPr>
-                </a:tc>
-                <a:tc>
-                  <a:txBody>
-                    <a:bodyPr/>
-                    <a:lstStyle/>
-                    <a:p>
-                      <a:pPr algn="l" fontAlgn="ctr"/>
-                      <a:r>
-                        <a:rPr lang="zh-CN" altLang="en-US" sz="1000" b="0" i="0" u="none" strike="noStrike">
-                          <a:solidFill>
-                            <a:srgbClr val="000000"/>
-                          </a:solidFill>
-                          <a:latin typeface="+mn-ea"/>
-                          <a:ea typeface="+mn-ea"/>
-                        </a:rPr>
-                        <a:t>去年同期年累计未税券销售金额</a:t>
-                      </a:r>
-                    </a:p>
-                  </a:txBody>
-                  <a:tcPr marL="6648" marR="6648" marT="6648" marB="0" anchor="ctr">
-                    <a:lnL w="6350" cap="flat" cmpd="sng" algn="ctr">
-                      <a:solidFill>
-                        <a:srgbClr val="000000"/>
-                      </a:solidFill>
-                      <a:prstDash val="solid"/>
-                      <a:round/>
-                      <a:headEnd type="none" w="med" len="med"/>
-                      <a:tailEnd type="none" w="med" len="med"/>
-                    </a:lnL>
-                    <a:lnR w="6350" cap="flat" cmpd="sng" algn="ctr">
-                      <a:solidFill>
-                        <a:srgbClr val="000000"/>
-                      </a:solidFill>
-                      <a:prstDash val="solid"/>
-                      <a:round/>
-                      <a:headEnd type="none" w="med" len="med"/>
-                      <a:tailEnd type="none" w="med" len="med"/>
-                    </a:lnR>
-                    <a:lnT w="6350" cap="flat" cmpd="sng" algn="ctr">
-                      <a:solidFill>
-                        <a:srgbClr val="000000"/>
-                      </a:solidFill>
-                      <a:prstDash val="solid"/>
-                      <a:round/>
-                      <a:headEnd type="none" w="med" len="med"/>
-                      <a:tailEnd type="none" w="med" len="med"/>
-                    </a:lnT>
-                    <a:lnB w="6350" cap="flat" cmpd="sng" algn="ctr">
-                      <a:solidFill>
-                        <a:srgbClr val="000000"/>
-                      </a:solidFill>
-                      <a:prstDash val="solid"/>
-                      <a:round/>
-                      <a:headEnd type="none" w="med" len="med"/>
-                      <a:tailEnd type="none" w="med" len="med"/>
-                    </a:lnB>
-                  </a:tcPr>
-                </a:tc>
-                <a:tc>
-                  <a:txBody>
-                    <a:bodyPr/>
-                    <a:lstStyle/>
-                    <a:p>
-                      <a:pPr algn="l" fontAlgn="ctr"/>
-                      <a:r>
-                        <a:rPr lang="zh-CN" altLang="en-US" sz="1000" b="0" i="0" u="none" strike="noStrike">
-                          <a:solidFill>
-                            <a:srgbClr val="000000"/>
-                          </a:solidFill>
-                          <a:latin typeface="+mn-ea"/>
-                          <a:ea typeface="+mn-ea"/>
-                        </a:rPr>
-                        <a:t>知而行券，厂商券，</a:t>
-                      </a:r>
-                      <a:r>
-                        <a:rPr lang="en-US" sz="1000" b="0" i="0" u="none" strike="noStrike">
-                          <a:solidFill>
-                            <a:srgbClr val="000000"/>
-                          </a:solidFill>
-                          <a:latin typeface="+mn-ea"/>
-                          <a:ea typeface="+mn-ea"/>
-                        </a:rPr>
-                        <a:t>siebel</a:t>
-                      </a:r>
-                      <a:r>
-                        <a:rPr lang="zh-CN" altLang="en-US" sz="1000" b="0" i="0" u="none" strike="noStrike">
-                          <a:solidFill>
-                            <a:srgbClr val="000000"/>
-                          </a:solidFill>
-                          <a:latin typeface="+mn-ea"/>
-                          <a:ea typeface="+mn-ea"/>
-                        </a:rPr>
-                        <a:t>券</a:t>
-                      </a:r>
-                    </a:p>
-                  </a:txBody>
-                  <a:tcPr marL="6648" marR="6648" marT="6648" marB="0" anchor="ctr">
-                    <a:lnL w="6350" cap="flat" cmpd="sng" algn="ctr">
-                      <a:solidFill>
-                        <a:srgbClr val="000000"/>
-                      </a:solidFill>
-                      <a:prstDash val="solid"/>
-                      <a:round/>
-                      <a:headEnd type="none" w="med" len="med"/>
-                      <a:tailEnd type="none" w="med" len="med"/>
-                    </a:lnL>
-                    <a:lnR w="6350" cap="flat" cmpd="sng" algn="ctr">
-                      <a:solidFill>
-                        <a:srgbClr val="000000"/>
-                      </a:solidFill>
-                      <a:prstDash val="solid"/>
-                      <a:round/>
-                      <a:headEnd type="none" w="med" len="med"/>
-                      <a:tailEnd type="none" w="med" len="med"/>
-                    </a:lnR>
-                    <a:lnT w="6350" cap="flat" cmpd="sng" algn="ctr">
-                      <a:solidFill>
-                        <a:srgbClr val="000000"/>
-                      </a:solidFill>
-                      <a:prstDash val="solid"/>
-                      <a:round/>
-                      <a:headEnd type="none" w="med" len="med"/>
-                      <a:tailEnd type="none" w="med" len="med"/>
-                    </a:lnT>
-                    <a:lnB w="6350" cap="flat" cmpd="sng" algn="ctr">
-                      <a:solidFill>
-                        <a:srgbClr val="000000"/>
-                      </a:solidFill>
-                      <a:prstDash val="solid"/>
-                      <a:round/>
-                      <a:headEnd type="none" w="med" len="med"/>
-                      <a:tailEnd type="none" w="med" len="med"/>
-                    </a:lnB>
-                  </a:tcPr>
-                </a:tc>
-              </a:tr>
-              <a:tr h="390159">
-                <a:tc vMerge="1">
-                  <a:txBody>
-                    <a:bodyPr/>
-                    <a:lstStyle/>
-                    <a:p>
-                      <a:endParaRPr lang="zh-CN" altLang="en-US"/>
-                    </a:p>
-                  </a:txBody>
-                  <a:tcPr/>
-                </a:tc>
-                <a:tc>
-                  <a:txBody>
-                    <a:bodyPr/>
-                    <a:lstStyle/>
-                    <a:p>
-                      <a:pPr algn="l" fontAlgn="ctr"/>
-                      <a:r>
-                        <a:rPr lang="zh-CN" altLang="en-US" sz="1000" b="0" i="0" u="none" strike="noStrike">
-                          <a:solidFill>
-                            <a:srgbClr val="000000"/>
-                          </a:solidFill>
-                          <a:latin typeface="+mn-ea"/>
-                          <a:ea typeface="+mn-ea"/>
-                        </a:rPr>
-                        <a:t>月初至今券销售额（未税）</a:t>
-                      </a:r>
-                    </a:p>
-                  </a:txBody>
-                  <a:tcPr marL="6648" marR="6648" marT="6648" marB="0" anchor="ctr">
-                    <a:lnL w="6350" cap="flat" cmpd="sng" algn="ctr">
-                      <a:solidFill>
-                        <a:srgbClr val="000000"/>
-                      </a:solidFill>
-                      <a:prstDash val="solid"/>
-                      <a:round/>
-                      <a:headEnd type="none" w="med" len="med"/>
-                      <a:tailEnd type="none" w="med" len="med"/>
-                    </a:lnL>
-                    <a:lnR w="6350" cap="flat" cmpd="sng" algn="ctr">
-                      <a:solidFill>
-                        <a:srgbClr val="000000"/>
-                      </a:solidFill>
-                      <a:prstDash val="solid"/>
-                      <a:round/>
-                      <a:headEnd type="none" w="med" len="med"/>
-                      <a:tailEnd type="none" w="med" len="med"/>
-                    </a:lnR>
-                    <a:lnT w="6350" cap="flat" cmpd="sng" algn="ctr">
-                      <a:solidFill>
-                        <a:srgbClr val="000000"/>
-                      </a:solidFill>
-                      <a:prstDash val="solid"/>
-                      <a:round/>
-                      <a:headEnd type="none" w="med" len="med"/>
-                      <a:tailEnd type="none" w="med" len="med"/>
-                    </a:lnT>
-                    <a:lnB w="6350" cap="flat" cmpd="sng" algn="ctr">
-                      <a:solidFill>
-                        <a:srgbClr val="000000"/>
-                      </a:solidFill>
-                      <a:prstDash val="solid"/>
-                      <a:round/>
-                      <a:headEnd type="none" w="med" len="med"/>
-                      <a:tailEnd type="none" w="med" len="med"/>
-                    </a:lnB>
-                  </a:tcPr>
-                </a:tc>
-                <a:tc>
-                  <a:txBody>
-                    <a:bodyPr/>
-                    <a:lstStyle/>
-                    <a:p>
-                      <a:pPr algn="l" fontAlgn="ctr"/>
-                      <a:r>
-                        <a:rPr lang="en-US" sz="1000" b="0" i="0" u="none" strike="noStrike">
-                          <a:solidFill>
-                            <a:srgbClr val="000000"/>
-                          </a:solidFill>
-                          <a:latin typeface="+mn-ea"/>
-                          <a:ea typeface="+mn-ea"/>
-                        </a:rPr>
-                        <a:t>Sales_Net_Sales_Coupon_Amt_MTD</a:t>
-                      </a:r>
-                    </a:p>
-                  </a:txBody>
-                  <a:tcPr marL="6648" marR="6648" marT="6648" marB="0" anchor="ctr">
-                    <a:lnL w="6350" cap="flat" cmpd="sng" algn="ctr">
-                      <a:solidFill>
-                        <a:srgbClr val="000000"/>
-                      </a:solidFill>
-                      <a:prstDash val="solid"/>
-                      <a:round/>
-                      <a:headEnd type="none" w="med" len="med"/>
-                      <a:tailEnd type="none" w="med" len="med"/>
-                    </a:lnL>
-                    <a:lnR w="6350" cap="flat" cmpd="sng" algn="ctr">
-                      <a:solidFill>
-                        <a:srgbClr val="000000"/>
-                      </a:solidFill>
-                      <a:prstDash val="solid"/>
-                      <a:round/>
-                      <a:headEnd type="none" w="med" len="med"/>
-                      <a:tailEnd type="none" w="med" len="med"/>
-                    </a:lnR>
-                    <a:lnT w="6350" cap="flat" cmpd="sng" algn="ctr">
-                      <a:solidFill>
-                        <a:srgbClr val="000000"/>
-                      </a:solidFill>
-                      <a:prstDash val="solid"/>
-                      <a:round/>
-                      <a:headEnd type="none" w="med" len="med"/>
-                      <a:tailEnd type="none" w="med" len="med"/>
-                    </a:lnT>
-                    <a:lnB w="6350" cap="flat" cmpd="sng" algn="ctr">
-                      <a:solidFill>
-                        <a:srgbClr val="000000"/>
-                      </a:solidFill>
-                      <a:prstDash val="solid"/>
-                      <a:round/>
-                      <a:headEnd type="none" w="med" len="med"/>
-                      <a:tailEnd type="none" w="med" len="med"/>
-                    </a:lnB>
-                  </a:tcPr>
-                </a:tc>
-                <a:tc>
-                  <a:txBody>
-                    <a:bodyPr/>
-                    <a:lstStyle/>
-                    <a:p>
-                      <a:pPr algn="l" fontAlgn="ctr"/>
-                      <a:r>
-                        <a:rPr lang="zh-CN" altLang="en-US" sz="1000" b="0" i="0" u="none" strike="noStrike">
-                          <a:solidFill>
-                            <a:srgbClr val="000000"/>
-                          </a:solidFill>
-                          <a:latin typeface="+mn-ea"/>
-                          <a:ea typeface="+mn-ea"/>
-                        </a:rPr>
-                        <a:t>当月累计未税券销售金额</a:t>
-                      </a:r>
-                    </a:p>
-                  </a:txBody>
-                  <a:tcPr marL="6648" marR="6648" marT="6648" marB="0" anchor="ctr">
-                    <a:lnL w="6350" cap="flat" cmpd="sng" algn="ctr">
-                      <a:solidFill>
-                        <a:srgbClr val="000000"/>
-                      </a:solidFill>
-                      <a:prstDash val="solid"/>
-                      <a:round/>
-                      <a:headEnd type="none" w="med" len="med"/>
-                      <a:tailEnd type="none" w="med" len="med"/>
-                    </a:lnL>
-                    <a:lnR w="6350" cap="flat" cmpd="sng" algn="ctr">
-                      <a:solidFill>
-                        <a:srgbClr val="000000"/>
-                      </a:solidFill>
-                      <a:prstDash val="solid"/>
-                      <a:round/>
-                      <a:headEnd type="none" w="med" len="med"/>
-                      <a:tailEnd type="none" w="med" len="med"/>
-                    </a:lnR>
-                    <a:lnT w="6350" cap="flat" cmpd="sng" algn="ctr">
-                      <a:solidFill>
-                        <a:srgbClr val="000000"/>
-                      </a:solidFill>
-                      <a:prstDash val="solid"/>
-                      <a:round/>
-                      <a:headEnd type="none" w="med" len="med"/>
-                      <a:tailEnd type="none" w="med" len="med"/>
-                    </a:lnT>
-                    <a:lnB w="6350" cap="flat" cmpd="sng" algn="ctr">
-                      <a:solidFill>
-                        <a:srgbClr val="000000"/>
-                      </a:solidFill>
-                      <a:prstDash val="solid"/>
-                      <a:round/>
-                      <a:headEnd type="none" w="med" len="med"/>
-                      <a:tailEnd type="none" w="med" len="med"/>
-                    </a:lnB>
-                  </a:tcPr>
-                </a:tc>
-                <a:tc>
-                  <a:txBody>
-                    <a:bodyPr/>
-                    <a:lstStyle/>
-                    <a:p>
-                      <a:pPr algn="l" fontAlgn="ctr"/>
-                      <a:r>
-                        <a:rPr lang="zh-CN" altLang="en-US" sz="1000" b="0" i="0" u="none" strike="noStrike">
-                          <a:solidFill>
-                            <a:srgbClr val="000000"/>
-                          </a:solidFill>
-                          <a:latin typeface="+mn-ea"/>
-                          <a:ea typeface="+mn-ea"/>
-                        </a:rPr>
-                        <a:t>知而行券，厂商券，</a:t>
-                      </a:r>
-                      <a:r>
-                        <a:rPr lang="en-US" sz="1000" b="0" i="0" u="none" strike="noStrike">
-                          <a:solidFill>
-                            <a:srgbClr val="000000"/>
-                          </a:solidFill>
-                          <a:latin typeface="+mn-ea"/>
-                          <a:ea typeface="+mn-ea"/>
-                        </a:rPr>
-                        <a:t>siebel</a:t>
-                      </a:r>
-                      <a:r>
-                        <a:rPr lang="zh-CN" altLang="en-US" sz="1000" b="0" i="0" u="none" strike="noStrike">
-                          <a:solidFill>
-                            <a:srgbClr val="000000"/>
-                          </a:solidFill>
-                          <a:latin typeface="+mn-ea"/>
-                          <a:ea typeface="+mn-ea"/>
-                        </a:rPr>
-                        <a:t>券</a:t>
-                      </a:r>
-                    </a:p>
-                  </a:txBody>
-                  <a:tcPr marL="6648" marR="6648" marT="6648" marB="0" anchor="ctr">
-                    <a:lnL w="6350" cap="flat" cmpd="sng" algn="ctr">
-                      <a:solidFill>
-                        <a:srgbClr val="000000"/>
-                      </a:solidFill>
-                      <a:prstDash val="solid"/>
-                      <a:round/>
-                      <a:headEnd type="none" w="med" len="med"/>
-                      <a:tailEnd type="none" w="med" len="med"/>
-                    </a:lnL>
-                    <a:lnR w="6350" cap="flat" cmpd="sng" algn="ctr">
-                      <a:solidFill>
-                        <a:srgbClr val="000000"/>
-                      </a:solidFill>
-                      <a:prstDash val="solid"/>
-                      <a:round/>
-                      <a:headEnd type="none" w="med" len="med"/>
-                      <a:tailEnd type="none" w="med" len="med"/>
-                    </a:lnR>
-                    <a:lnT w="6350" cap="flat" cmpd="sng" algn="ctr">
-                      <a:solidFill>
-                        <a:srgbClr val="000000"/>
-                      </a:solidFill>
-                      <a:prstDash val="solid"/>
-                      <a:round/>
-                      <a:headEnd type="none" w="med" len="med"/>
-                      <a:tailEnd type="none" w="med" len="med"/>
-                    </a:lnT>
-                    <a:lnB w="6350" cap="flat" cmpd="sng" algn="ctr">
-                      <a:solidFill>
-                        <a:srgbClr val="000000"/>
-                      </a:solidFill>
-                      <a:prstDash val="solid"/>
-                      <a:round/>
-                      <a:headEnd type="none" w="med" len="med"/>
-                      <a:tailEnd type="none" w="med" len="med"/>
-                    </a:lnB>
-                  </a:tcPr>
-                </a:tc>
-              </a:tr>
-              <a:tr h="390159">
-                <a:tc vMerge="1">
-                  <a:txBody>
-                    <a:bodyPr/>
-                    <a:lstStyle/>
-                    <a:p>
-                      <a:endParaRPr lang="zh-CN" altLang="en-US"/>
-                    </a:p>
-                  </a:txBody>
-                  <a:tcPr/>
-                </a:tc>
-                <a:tc>
-                  <a:txBody>
-                    <a:bodyPr/>
-                    <a:lstStyle/>
-                    <a:p>
-                      <a:pPr algn="l" fontAlgn="ctr"/>
-                      <a:r>
-                        <a:rPr lang="zh-CN" altLang="en-US" sz="1000" b="0" i="0" u="none" strike="noStrike">
-                          <a:solidFill>
-                            <a:srgbClr val="000000"/>
-                          </a:solidFill>
-                          <a:latin typeface="+mn-ea"/>
-                          <a:ea typeface="+mn-ea"/>
-                        </a:rPr>
-                        <a:t>年初至今券销售额（未税）</a:t>
-                      </a:r>
-                    </a:p>
-                  </a:txBody>
-                  <a:tcPr marL="6648" marR="6648" marT="6648" marB="0" anchor="ctr">
-                    <a:lnL w="6350" cap="flat" cmpd="sng" algn="ctr">
-                      <a:solidFill>
-                        <a:srgbClr val="000000"/>
-                      </a:solidFill>
-                      <a:prstDash val="solid"/>
-                      <a:round/>
-                      <a:headEnd type="none" w="med" len="med"/>
-                      <a:tailEnd type="none" w="med" len="med"/>
-                    </a:lnL>
-                    <a:lnR w="6350" cap="flat" cmpd="sng" algn="ctr">
-                      <a:solidFill>
-                        <a:srgbClr val="000000"/>
-                      </a:solidFill>
-                      <a:prstDash val="solid"/>
-                      <a:round/>
-                      <a:headEnd type="none" w="med" len="med"/>
-                      <a:tailEnd type="none" w="med" len="med"/>
-                    </a:lnR>
-                    <a:lnT w="6350" cap="flat" cmpd="sng" algn="ctr">
-                      <a:solidFill>
-                        <a:srgbClr val="000000"/>
-                      </a:solidFill>
-                      <a:prstDash val="solid"/>
-                      <a:round/>
-                      <a:headEnd type="none" w="med" len="med"/>
-                      <a:tailEnd type="none" w="med" len="med"/>
-                    </a:lnT>
-                    <a:lnB w="6350" cap="flat" cmpd="sng" algn="ctr">
-                      <a:solidFill>
-                        <a:srgbClr val="000000"/>
-                      </a:solidFill>
-                      <a:prstDash val="solid"/>
-                      <a:round/>
-                      <a:headEnd type="none" w="med" len="med"/>
-                      <a:tailEnd type="none" w="med" len="med"/>
-                    </a:lnB>
-                  </a:tcPr>
-                </a:tc>
-                <a:tc>
-                  <a:txBody>
-                    <a:bodyPr/>
-                    <a:lstStyle/>
-                    <a:p>
-                      <a:pPr algn="l" fontAlgn="ctr"/>
-                      <a:r>
-                        <a:rPr lang="en-US" sz="1000" b="0" i="0" u="none" strike="noStrike">
-                          <a:solidFill>
-                            <a:srgbClr val="000000"/>
-                          </a:solidFill>
-                          <a:latin typeface="+mn-ea"/>
-                          <a:ea typeface="+mn-ea"/>
-                        </a:rPr>
-                        <a:t>Sales_Net_Sales_Coupon_Amt_YTD</a:t>
-                      </a:r>
-                    </a:p>
-                  </a:txBody>
-                  <a:tcPr marL="6648" marR="6648" marT="6648" marB="0" anchor="ctr">
-                    <a:lnL w="6350" cap="flat" cmpd="sng" algn="ctr">
-                      <a:solidFill>
-                        <a:srgbClr val="000000"/>
-                      </a:solidFill>
-                      <a:prstDash val="solid"/>
-                      <a:round/>
-                      <a:headEnd type="none" w="med" len="med"/>
-                      <a:tailEnd type="none" w="med" len="med"/>
-                    </a:lnL>
-                    <a:lnR w="6350" cap="flat" cmpd="sng" algn="ctr">
-                      <a:solidFill>
-                        <a:srgbClr val="000000"/>
-                      </a:solidFill>
-                      <a:prstDash val="solid"/>
-                      <a:round/>
-                      <a:headEnd type="none" w="med" len="med"/>
-                      <a:tailEnd type="none" w="med" len="med"/>
-                    </a:lnR>
-                    <a:lnT w="6350" cap="flat" cmpd="sng" algn="ctr">
-                      <a:solidFill>
-                        <a:srgbClr val="000000"/>
-                      </a:solidFill>
-                      <a:prstDash val="solid"/>
-                      <a:round/>
-                      <a:headEnd type="none" w="med" len="med"/>
-                      <a:tailEnd type="none" w="med" len="med"/>
-                    </a:lnT>
-                    <a:lnB w="6350" cap="flat" cmpd="sng" algn="ctr">
-                      <a:solidFill>
-                        <a:srgbClr val="000000"/>
-                      </a:solidFill>
-                      <a:prstDash val="solid"/>
-                      <a:round/>
-                      <a:headEnd type="none" w="med" len="med"/>
-                      <a:tailEnd type="none" w="med" len="med"/>
-                    </a:lnB>
-                  </a:tcPr>
-                </a:tc>
-                <a:tc>
-                  <a:txBody>
-                    <a:bodyPr/>
-                    <a:lstStyle/>
-                    <a:p>
-                      <a:pPr algn="l" fontAlgn="ctr"/>
-                      <a:r>
-                        <a:rPr lang="zh-CN" altLang="en-US" sz="1000" b="0" i="0" u="none" strike="noStrike">
-                          <a:solidFill>
-                            <a:srgbClr val="000000"/>
-                          </a:solidFill>
-                          <a:latin typeface="+mn-ea"/>
-                          <a:ea typeface="+mn-ea"/>
-                        </a:rPr>
-                        <a:t>当年累计未税券销售金额</a:t>
-                      </a:r>
-                    </a:p>
-                  </a:txBody>
-                  <a:tcPr marL="6648" marR="6648" marT="6648" marB="0" anchor="ctr">
-                    <a:lnL w="6350" cap="flat" cmpd="sng" algn="ctr">
-                      <a:solidFill>
-                        <a:srgbClr val="000000"/>
-                      </a:solidFill>
-                      <a:prstDash val="solid"/>
-                      <a:round/>
-                      <a:headEnd type="none" w="med" len="med"/>
-                      <a:tailEnd type="none" w="med" len="med"/>
-                    </a:lnL>
-                    <a:lnR w="6350" cap="flat" cmpd="sng" algn="ctr">
-                      <a:solidFill>
-                        <a:srgbClr val="000000"/>
-                      </a:solidFill>
-                      <a:prstDash val="solid"/>
-                      <a:round/>
-                      <a:headEnd type="none" w="med" len="med"/>
-                      <a:tailEnd type="none" w="med" len="med"/>
-                    </a:lnR>
-                    <a:lnT w="6350" cap="flat" cmpd="sng" algn="ctr">
-                      <a:solidFill>
-                        <a:srgbClr val="000000"/>
-                      </a:solidFill>
-                      <a:prstDash val="solid"/>
-                      <a:round/>
-                      <a:headEnd type="none" w="med" len="med"/>
-                      <a:tailEnd type="none" w="med" len="med"/>
-                    </a:lnT>
-                    <a:lnB w="6350" cap="flat" cmpd="sng" algn="ctr">
-                      <a:solidFill>
-                        <a:srgbClr val="000000"/>
-                      </a:solidFill>
-                      <a:prstDash val="solid"/>
-                      <a:round/>
-                      <a:headEnd type="none" w="med" len="med"/>
-                      <a:tailEnd type="none" w="med" len="med"/>
-                    </a:lnB>
-                  </a:tcPr>
-                </a:tc>
-                <a:tc>
-                  <a:txBody>
-                    <a:bodyPr/>
-                    <a:lstStyle/>
-                    <a:p>
-                      <a:pPr algn="l" fontAlgn="ctr"/>
-                      <a:r>
-                        <a:rPr lang="zh-CN" altLang="en-US" sz="1000" b="0" i="0" u="none" strike="noStrike">
-                          <a:solidFill>
-                            <a:srgbClr val="000000"/>
-                          </a:solidFill>
-                          <a:latin typeface="+mn-ea"/>
-                          <a:ea typeface="+mn-ea"/>
-                        </a:rPr>
-                        <a:t>知而行券，厂商券，</a:t>
-                      </a:r>
-                      <a:r>
-                        <a:rPr lang="en-US" sz="1000" b="0" i="0" u="none" strike="noStrike">
-                          <a:solidFill>
-                            <a:srgbClr val="000000"/>
-                          </a:solidFill>
-                          <a:latin typeface="+mn-ea"/>
-                          <a:ea typeface="+mn-ea"/>
-                        </a:rPr>
-                        <a:t>siebel</a:t>
-                      </a:r>
-                      <a:r>
-                        <a:rPr lang="zh-CN" altLang="en-US" sz="1000" b="0" i="0" u="none" strike="noStrike">
-                          <a:solidFill>
-                            <a:srgbClr val="000000"/>
-                          </a:solidFill>
-                          <a:latin typeface="+mn-ea"/>
-                          <a:ea typeface="+mn-ea"/>
-                        </a:rPr>
-                        <a:t>券</a:t>
-                      </a:r>
-                    </a:p>
-                  </a:txBody>
-                  <a:tcPr marL="6648" marR="6648" marT="6648" marB="0" anchor="ctr">
-                    <a:lnL w="6350" cap="flat" cmpd="sng" algn="ctr">
-                      <a:solidFill>
-                        <a:srgbClr val="000000"/>
-                      </a:solidFill>
-                      <a:prstDash val="solid"/>
-                      <a:round/>
-                      <a:headEnd type="none" w="med" len="med"/>
-                      <a:tailEnd type="none" w="med" len="med"/>
-                    </a:lnL>
-                    <a:lnR w="6350" cap="flat" cmpd="sng" algn="ctr">
-                      <a:solidFill>
-                        <a:srgbClr val="000000"/>
-                      </a:solidFill>
-                      <a:prstDash val="solid"/>
-                      <a:round/>
-                      <a:headEnd type="none" w="med" len="med"/>
-                      <a:tailEnd type="none" w="med" len="med"/>
-                    </a:lnR>
-                    <a:lnT w="6350" cap="flat" cmpd="sng" algn="ctr">
-                      <a:solidFill>
-                        <a:srgbClr val="000000"/>
-                      </a:solidFill>
-                      <a:prstDash val="solid"/>
-                      <a:round/>
-                      <a:headEnd type="none" w="med" len="med"/>
-                      <a:tailEnd type="none" w="med" len="med"/>
-                    </a:lnT>
-                    <a:lnB w="6350" cap="flat" cmpd="sng" algn="ctr">
-                      <a:solidFill>
-                        <a:srgbClr val="000000"/>
-                      </a:solidFill>
-                      <a:prstDash val="solid"/>
-                      <a:round/>
-                      <a:headEnd type="none" w="med" len="med"/>
-                      <a:tailEnd type="none" w="med" len="med"/>
-                    </a:lnB>
-                  </a:tcPr>
-                </a:tc>
-              </a:tr>
-              <a:tr h="390159">
-                <a:tc vMerge="1">
-                  <a:txBody>
-                    <a:bodyPr/>
-                    <a:lstStyle/>
-                    <a:p>
-                      <a:endParaRPr lang="zh-CN" altLang="en-US"/>
-                    </a:p>
-                  </a:txBody>
-                  <a:tcPr/>
-                </a:tc>
-                <a:tc>
-                  <a:txBody>
-                    <a:bodyPr/>
-                    <a:lstStyle/>
-                    <a:p>
-                      <a:pPr algn="l" fontAlgn="ctr"/>
-                      <a:r>
-                        <a:rPr lang="zh-CN" altLang="en-US" sz="1000" b="0" i="0" u="none" strike="noStrike">
-                          <a:solidFill>
-                            <a:srgbClr val="000000"/>
-                          </a:solidFill>
-                          <a:latin typeface="+mn-ea"/>
-                          <a:ea typeface="+mn-ea"/>
-                        </a:rPr>
-                        <a:t>券销售额（含税）</a:t>
-                      </a:r>
-                    </a:p>
-                  </a:txBody>
-                  <a:tcPr marL="6648" marR="6648" marT="6648" marB="0" anchor="ctr">
-                    <a:lnL w="6350" cap="flat" cmpd="sng" algn="ctr">
-                      <a:solidFill>
-                        <a:srgbClr val="000000"/>
-                      </a:solidFill>
-                      <a:prstDash val="solid"/>
-                      <a:round/>
-                      <a:headEnd type="none" w="med" len="med"/>
-                      <a:tailEnd type="none" w="med" len="med"/>
-                    </a:lnL>
-                    <a:lnR w="6350" cap="flat" cmpd="sng" algn="ctr">
-                      <a:solidFill>
-                        <a:srgbClr val="000000"/>
-                      </a:solidFill>
-                      <a:prstDash val="solid"/>
-                      <a:round/>
-                      <a:headEnd type="none" w="med" len="med"/>
-                      <a:tailEnd type="none" w="med" len="med"/>
-                    </a:lnR>
-                    <a:lnT w="6350" cap="flat" cmpd="sng" algn="ctr">
-                      <a:solidFill>
-                        <a:srgbClr val="000000"/>
-                      </a:solidFill>
-                      <a:prstDash val="solid"/>
-                      <a:round/>
-                      <a:headEnd type="none" w="med" len="med"/>
-                      <a:tailEnd type="none" w="med" len="med"/>
-                    </a:lnT>
-                    <a:lnB w="6350" cap="flat" cmpd="sng" algn="ctr">
-                      <a:solidFill>
-                        <a:srgbClr val="000000"/>
-                      </a:solidFill>
-                      <a:prstDash val="solid"/>
-                      <a:round/>
-                      <a:headEnd type="none" w="med" len="med"/>
-                      <a:tailEnd type="none" w="med" len="med"/>
-                    </a:lnB>
-                  </a:tcPr>
-                </a:tc>
-                <a:tc>
-                  <a:txBody>
-                    <a:bodyPr/>
-                    <a:lstStyle/>
-                    <a:p>
-                      <a:pPr algn="l" fontAlgn="ctr"/>
-                      <a:r>
-                        <a:rPr lang="en-US" sz="1000" b="0" i="0" u="none" strike="noStrike">
-                          <a:solidFill>
-                            <a:srgbClr val="000000"/>
-                          </a:solidFill>
-                          <a:latin typeface="+mn-ea"/>
-                          <a:ea typeface="+mn-ea"/>
-                        </a:rPr>
-                        <a:t>Sales_Net_Sales_Coupon_Amt_Inc_Tax</a:t>
-                      </a:r>
-                    </a:p>
-                  </a:txBody>
-                  <a:tcPr marL="6648" marR="6648" marT="6648" marB="0" anchor="ctr">
-                    <a:lnL w="6350" cap="flat" cmpd="sng" algn="ctr">
-                      <a:solidFill>
-                        <a:srgbClr val="000000"/>
-                      </a:solidFill>
-                      <a:prstDash val="solid"/>
-                      <a:round/>
-                      <a:headEnd type="none" w="med" len="med"/>
-                      <a:tailEnd type="none" w="med" len="med"/>
-                    </a:lnL>
-                    <a:lnR w="6350" cap="flat" cmpd="sng" algn="ctr">
-                      <a:solidFill>
-                        <a:srgbClr val="000000"/>
-                      </a:solidFill>
-                      <a:prstDash val="solid"/>
-                      <a:round/>
-                      <a:headEnd type="none" w="med" len="med"/>
-                      <a:tailEnd type="none" w="med" len="med"/>
-                    </a:lnR>
-                    <a:lnT w="6350" cap="flat" cmpd="sng" algn="ctr">
-                      <a:solidFill>
-                        <a:srgbClr val="000000"/>
-                      </a:solidFill>
-                      <a:prstDash val="solid"/>
-                      <a:round/>
-                      <a:headEnd type="none" w="med" len="med"/>
-                      <a:tailEnd type="none" w="med" len="med"/>
-                    </a:lnT>
-                    <a:lnB w="6350" cap="flat" cmpd="sng" algn="ctr">
-                      <a:solidFill>
-                        <a:srgbClr val="000000"/>
-                      </a:solidFill>
-                      <a:prstDash val="solid"/>
-                      <a:round/>
-                      <a:headEnd type="none" w="med" len="med"/>
-                      <a:tailEnd type="none" w="med" len="med"/>
-                    </a:lnB>
-                  </a:tcPr>
-                </a:tc>
-                <a:tc>
-                  <a:txBody>
-                    <a:bodyPr/>
-                    <a:lstStyle/>
-                    <a:p>
-                      <a:pPr algn="l" fontAlgn="ctr"/>
-                      <a:r>
-                        <a:rPr lang="zh-CN" altLang="en-US" sz="1000" b="0" i="0" u="none" strike="noStrike">
-                          <a:solidFill>
-                            <a:srgbClr val="000000"/>
-                          </a:solidFill>
-                          <a:latin typeface="+mn-ea"/>
-                          <a:ea typeface="+mn-ea"/>
-                        </a:rPr>
-                        <a:t>含税券销售金额</a:t>
-                      </a:r>
-                    </a:p>
-                  </a:txBody>
-                  <a:tcPr marL="6648" marR="6648" marT="6648" marB="0" anchor="ctr">
-                    <a:lnL w="6350" cap="flat" cmpd="sng" algn="ctr">
-                      <a:solidFill>
-                        <a:srgbClr val="000000"/>
-                      </a:solidFill>
-                      <a:prstDash val="solid"/>
-                      <a:round/>
-                      <a:headEnd type="none" w="med" len="med"/>
-                      <a:tailEnd type="none" w="med" len="med"/>
-                    </a:lnL>
-                    <a:lnR w="6350" cap="flat" cmpd="sng" algn="ctr">
-                      <a:solidFill>
-                        <a:srgbClr val="000000"/>
-                      </a:solidFill>
-                      <a:prstDash val="solid"/>
-                      <a:round/>
-                      <a:headEnd type="none" w="med" len="med"/>
-                      <a:tailEnd type="none" w="med" len="med"/>
-                    </a:lnR>
-                    <a:lnT w="6350" cap="flat" cmpd="sng" algn="ctr">
-                      <a:solidFill>
-                        <a:srgbClr val="000000"/>
-                      </a:solidFill>
-                      <a:prstDash val="solid"/>
-                      <a:round/>
-                      <a:headEnd type="none" w="med" len="med"/>
-                      <a:tailEnd type="none" w="med" len="med"/>
-                    </a:lnT>
-                    <a:lnB w="6350" cap="flat" cmpd="sng" algn="ctr">
-                      <a:solidFill>
-                        <a:srgbClr val="000000"/>
-                      </a:solidFill>
-                      <a:prstDash val="solid"/>
-                      <a:round/>
-                      <a:headEnd type="none" w="med" len="med"/>
-                      <a:tailEnd type="none" w="med" len="med"/>
-                    </a:lnB>
-                  </a:tcPr>
-                </a:tc>
-                <a:tc>
-                  <a:txBody>
-                    <a:bodyPr/>
-                    <a:lstStyle/>
-                    <a:p>
-                      <a:pPr algn="l" fontAlgn="ctr"/>
-                      <a:r>
-                        <a:rPr lang="zh-CN" altLang="en-US" sz="1000" b="0" i="0" u="none" strike="noStrike">
-                          <a:solidFill>
-                            <a:srgbClr val="000000"/>
-                          </a:solidFill>
-                          <a:latin typeface="+mn-ea"/>
-                          <a:ea typeface="+mn-ea"/>
-                        </a:rPr>
-                        <a:t>知而行券，厂商券，</a:t>
-                      </a:r>
-                      <a:r>
-                        <a:rPr lang="en-US" sz="1000" b="0" i="0" u="none" strike="noStrike">
-                          <a:solidFill>
-                            <a:srgbClr val="000000"/>
-                          </a:solidFill>
-                          <a:latin typeface="+mn-ea"/>
-                          <a:ea typeface="+mn-ea"/>
-                        </a:rPr>
-                        <a:t>siebel</a:t>
-                      </a:r>
-                      <a:r>
-                        <a:rPr lang="zh-CN" altLang="en-US" sz="1000" b="0" i="0" u="none" strike="noStrike">
-                          <a:solidFill>
-                            <a:srgbClr val="000000"/>
-                          </a:solidFill>
-                          <a:latin typeface="+mn-ea"/>
-                          <a:ea typeface="+mn-ea"/>
-                        </a:rPr>
-                        <a:t>券</a:t>
-                      </a:r>
-                    </a:p>
-                  </a:txBody>
-                  <a:tcPr marL="6648" marR="6648" marT="6648" marB="0" anchor="ctr">
-                    <a:lnL w="6350" cap="flat" cmpd="sng" algn="ctr">
-                      <a:solidFill>
-                        <a:srgbClr val="000000"/>
-                      </a:solidFill>
-                      <a:prstDash val="solid"/>
-                      <a:round/>
-                      <a:headEnd type="none" w="med" len="med"/>
-                      <a:tailEnd type="none" w="med" len="med"/>
-                    </a:lnL>
-                    <a:lnR w="6350" cap="flat" cmpd="sng" algn="ctr">
-                      <a:solidFill>
-                        <a:srgbClr val="000000"/>
-                      </a:solidFill>
-                      <a:prstDash val="solid"/>
-                      <a:round/>
-                      <a:headEnd type="none" w="med" len="med"/>
-                      <a:tailEnd type="none" w="med" len="med"/>
-                    </a:lnR>
-                    <a:lnT w="6350" cap="flat" cmpd="sng" algn="ctr">
-                      <a:solidFill>
-                        <a:srgbClr val="000000"/>
-                      </a:solidFill>
-                      <a:prstDash val="solid"/>
-                      <a:round/>
-                      <a:headEnd type="none" w="med" len="med"/>
-                      <a:tailEnd type="none" w="med" len="med"/>
-                    </a:lnT>
-                    <a:lnB w="6350" cap="flat" cmpd="sng" algn="ctr">
-                      <a:solidFill>
-                        <a:srgbClr val="000000"/>
-                      </a:solidFill>
-                      <a:prstDash val="solid"/>
-                      <a:round/>
-                      <a:headEnd type="none" w="med" len="med"/>
-                      <a:tailEnd type="none" w="med" len="med"/>
-                    </a:lnB>
-                  </a:tcPr>
-                </a:tc>
-              </a:tr>
-              <a:tr h="390159">
-                <a:tc vMerge="1">
-                  <a:txBody>
-                    <a:bodyPr/>
-                    <a:lstStyle/>
-                    <a:p>
-                      <a:endParaRPr lang="zh-CN" altLang="en-US"/>
-                    </a:p>
-                  </a:txBody>
-                  <a:tcPr/>
-                </a:tc>
-                <a:tc>
-                  <a:txBody>
-                    <a:bodyPr/>
-                    <a:lstStyle/>
-                    <a:p>
-                      <a:pPr algn="l" fontAlgn="ctr"/>
-                      <a:r>
-                        <a:rPr lang="zh-CN" altLang="en-US" sz="1000" b="0" i="0" u="none" strike="noStrike">
-                          <a:solidFill>
-                            <a:srgbClr val="000000"/>
-                          </a:solidFill>
-                          <a:latin typeface="+mn-ea"/>
-                          <a:ea typeface="+mn-ea"/>
-                        </a:rPr>
-                        <a:t>上年券销售额（含税）</a:t>
-                      </a:r>
-                    </a:p>
-                  </a:txBody>
-                  <a:tcPr marL="6648" marR="6648" marT="6648" marB="0" anchor="ctr">
-                    <a:lnL w="6350" cap="flat" cmpd="sng" algn="ctr">
-                      <a:solidFill>
-                        <a:srgbClr val="000000"/>
-                      </a:solidFill>
-                      <a:prstDash val="solid"/>
-                      <a:round/>
-                      <a:headEnd type="none" w="med" len="med"/>
-                      <a:tailEnd type="none" w="med" len="med"/>
-                    </a:lnL>
-                    <a:lnR w="6350" cap="flat" cmpd="sng" algn="ctr">
-                      <a:solidFill>
-                        <a:srgbClr val="000000"/>
-                      </a:solidFill>
-                      <a:prstDash val="solid"/>
-                      <a:round/>
-                      <a:headEnd type="none" w="med" len="med"/>
-                      <a:tailEnd type="none" w="med" len="med"/>
-                    </a:lnR>
-                    <a:lnT w="6350" cap="flat" cmpd="sng" algn="ctr">
-                      <a:solidFill>
-                        <a:srgbClr val="000000"/>
-                      </a:solidFill>
-                      <a:prstDash val="solid"/>
-                      <a:round/>
-                      <a:headEnd type="none" w="med" len="med"/>
-                      <a:tailEnd type="none" w="med" len="med"/>
-                    </a:lnT>
-                    <a:lnB w="6350" cap="flat" cmpd="sng" algn="ctr">
-                      <a:solidFill>
-                        <a:srgbClr val="000000"/>
-                      </a:solidFill>
-                      <a:prstDash val="solid"/>
-                      <a:round/>
-                      <a:headEnd type="none" w="med" len="med"/>
-                      <a:tailEnd type="none" w="med" len="med"/>
-                    </a:lnB>
-                  </a:tcPr>
-                </a:tc>
-                <a:tc>
-                  <a:txBody>
-                    <a:bodyPr/>
-                    <a:lstStyle/>
-                    <a:p>
-                      <a:pPr algn="l" fontAlgn="ctr"/>
-                      <a:r>
-                        <a:rPr lang="en-US" sz="1000" b="0" i="0" u="none" strike="noStrike">
-                          <a:solidFill>
-                            <a:srgbClr val="000000"/>
-                          </a:solidFill>
-                          <a:latin typeface="+mn-ea"/>
-                          <a:ea typeface="+mn-ea"/>
-                        </a:rPr>
-                        <a:t>Sales_Net_Sales_Coupon_Amt_Inc_Tax_LY</a:t>
-                      </a:r>
-                    </a:p>
-                  </a:txBody>
-                  <a:tcPr marL="6648" marR="6648" marT="6648" marB="0" anchor="ctr">
-                    <a:lnL w="6350" cap="flat" cmpd="sng" algn="ctr">
-                      <a:solidFill>
-                        <a:srgbClr val="000000"/>
-                      </a:solidFill>
-                      <a:prstDash val="solid"/>
-                      <a:round/>
-                      <a:headEnd type="none" w="med" len="med"/>
-                      <a:tailEnd type="none" w="med" len="med"/>
-                    </a:lnL>
-                    <a:lnR w="6350" cap="flat" cmpd="sng" algn="ctr">
-                      <a:solidFill>
-                        <a:srgbClr val="000000"/>
-                      </a:solidFill>
-                      <a:prstDash val="solid"/>
-                      <a:round/>
-                      <a:headEnd type="none" w="med" len="med"/>
-                      <a:tailEnd type="none" w="med" len="med"/>
-                    </a:lnR>
-                    <a:lnT w="6350" cap="flat" cmpd="sng" algn="ctr">
-                      <a:solidFill>
-                        <a:srgbClr val="000000"/>
-                      </a:solidFill>
-                      <a:prstDash val="solid"/>
-                      <a:round/>
-                      <a:headEnd type="none" w="med" len="med"/>
-                      <a:tailEnd type="none" w="med" len="med"/>
-                    </a:lnT>
-                    <a:lnB w="6350" cap="flat" cmpd="sng" algn="ctr">
-                      <a:solidFill>
-                        <a:srgbClr val="000000"/>
-                      </a:solidFill>
-                      <a:prstDash val="solid"/>
-                      <a:round/>
-                      <a:headEnd type="none" w="med" len="med"/>
-                      <a:tailEnd type="none" w="med" len="med"/>
-                    </a:lnB>
-                  </a:tcPr>
-                </a:tc>
-                <a:tc>
-                  <a:txBody>
-                    <a:bodyPr/>
-                    <a:lstStyle/>
-                    <a:p>
-                      <a:pPr algn="l" fontAlgn="ctr"/>
-                      <a:r>
-                        <a:rPr lang="zh-CN" altLang="en-US" sz="1000" b="0" i="0" u="none" strike="noStrike">
-                          <a:solidFill>
-                            <a:srgbClr val="000000"/>
-                          </a:solidFill>
-                          <a:latin typeface="+mn-ea"/>
-                          <a:ea typeface="+mn-ea"/>
-                        </a:rPr>
-                        <a:t>去年同期含税券销售金额</a:t>
-                      </a:r>
-                    </a:p>
-                  </a:txBody>
-                  <a:tcPr marL="6648" marR="6648" marT="6648" marB="0" anchor="ctr">
-                    <a:lnL w="6350" cap="flat" cmpd="sng" algn="ctr">
-                      <a:solidFill>
-                        <a:srgbClr val="000000"/>
-                      </a:solidFill>
-                      <a:prstDash val="solid"/>
-                      <a:round/>
-                      <a:headEnd type="none" w="med" len="med"/>
-                      <a:tailEnd type="none" w="med" len="med"/>
-                    </a:lnL>
-                    <a:lnR w="6350" cap="flat" cmpd="sng" algn="ctr">
-                      <a:solidFill>
-                        <a:srgbClr val="000000"/>
-                      </a:solidFill>
-                      <a:prstDash val="solid"/>
-                      <a:round/>
-                      <a:headEnd type="none" w="med" len="med"/>
-                      <a:tailEnd type="none" w="med" len="med"/>
-                    </a:lnR>
-                    <a:lnT w="6350" cap="flat" cmpd="sng" algn="ctr">
-                      <a:solidFill>
-                        <a:srgbClr val="000000"/>
-                      </a:solidFill>
-                      <a:prstDash val="solid"/>
-                      <a:round/>
-                      <a:headEnd type="none" w="med" len="med"/>
-                      <a:tailEnd type="none" w="med" len="med"/>
-                    </a:lnT>
-                    <a:lnB w="6350" cap="flat" cmpd="sng" algn="ctr">
-                      <a:solidFill>
-                        <a:srgbClr val="000000"/>
-                      </a:solidFill>
-                      <a:prstDash val="solid"/>
-                      <a:round/>
-                      <a:headEnd type="none" w="med" len="med"/>
-                      <a:tailEnd type="none" w="med" len="med"/>
-                    </a:lnB>
-                  </a:tcPr>
-                </a:tc>
-                <a:tc>
-                  <a:txBody>
-                    <a:bodyPr/>
-                    <a:lstStyle/>
-                    <a:p>
-                      <a:pPr algn="l" fontAlgn="ctr"/>
-                      <a:r>
-                        <a:rPr lang="zh-CN" altLang="en-US" sz="1000" b="0" i="0" u="none" strike="noStrike">
-                          <a:solidFill>
-                            <a:srgbClr val="000000"/>
-                          </a:solidFill>
-                          <a:latin typeface="+mn-ea"/>
-                          <a:ea typeface="+mn-ea"/>
-                        </a:rPr>
-                        <a:t>知而行券，厂商券，</a:t>
-                      </a:r>
-                      <a:r>
-                        <a:rPr lang="en-US" sz="1000" b="0" i="0" u="none" strike="noStrike">
-                          <a:solidFill>
-                            <a:srgbClr val="000000"/>
-                          </a:solidFill>
-                          <a:latin typeface="+mn-ea"/>
-                          <a:ea typeface="+mn-ea"/>
-                        </a:rPr>
-                        <a:t>siebel</a:t>
-                      </a:r>
-                      <a:r>
-                        <a:rPr lang="zh-CN" altLang="en-US" sz="1000" b="0" i="0" u="none" strike="noStrike">
-                          <a:solidFill>
-                            <a:srgbClr val="000000"/>
-                          </a:solidFill>
-                          <a:latin typeface="+mn-ea"/>
-                          <a:ea typeface="+mn-ea"/>
-                        </a:rPr>
-                        <a:t>券</a:t>
-                      </a:r>
-                    </a:p>
-                  </a:txBody>
-                  <a:tcPr marL="6648" marR="6648" marT="6648" marB="0" anchor="ctr">
-                    <a:lnL w="6350" cap="flat" cmpd="sng" algn="ctr">
-                      <a:solidFill>
-                        <a:srgbClr val="000000"/>
-                      </a:solidFill>
-                      <a:prstDash val="solid"/>
-                      <a:round/>
-                      <a:headEnd type="none" w="med" len="med"/>
-                      <a:tailEnd type="none" w="med" len="med"/>
-                    </a:lnL>
-                    <a:lnR w="6350" cap="flat" cmpd="sng" algn="ctr">
-                      <a:solidFill>
-                        <a:srgbClr val="000000"/>
-                      </a:solidFill>
-                      <a:prstDash val="solid"/>
-                      <a:round/>
-                      <a:headEnd type="none" w="med" len="med"/>
-                      <a:tailEnd type="none" w="med" len="med"/>
-                    </a:lnR>
-                    <a:lnT w="6350" cap="flat" cmpd="sng" algn="ctr">
-                      <a:solidFill>
-                        <a:srgbClr val="000000"/>
-                      </a:solidFill>
-                      <a:prstDash val="solid"/>
-                      <a:round/>
-                      <a:headEnd type="none" w="med" len="med"/>
-                      <a:tailEnd type="none" w="med" len="med"/>
-                    </a:lnT>
-                    <a:lnB w="6350" cap="flat" cmpd="sng" algn="ctr">
-                      <a:solidFill>
-                        <a:srgbClr val="000000"/>
-                      </a:solidFill>
-                      <a:prstDash val="solid"/>
-                      <a:round/>
-                      <a:headEnd type="none" w="med" len="med"/>
-                      <a:tailEnd type="none" w="med" len="med"/>
-                    </a:lnB>
-                  </a:tcPr>
-                </a:tc>
-              </a:tr>
-              <a:tr h="390159">
-                <a:tc vMerge="1">
-                  <a:txBody>
-                    <a:bodyPr/>
-                    <a:lstStyle/>
-                    <a:p>
-                      <a:endParaRPr lang="zh-CN" altLang="en-US"/>
-                    </a:p>
-                  </a:txBody>
-                  <a:tcPr/>
-                </a:tc>
-                <a:tc>
-                  <a:txBody>
-                    <a:bodyPr/>
-                    <a:lstStyle/>
-                    <a:p>
-                      <a:pPr algn="l" fontAlgn="ctr"/>
-                      <a:r>
-                        <a:rPr lang="zh-CN" altLang="en-US" sz="1000" b="0" i="0" u="none" strike="noStrike">
-                          <a:solidFill>
-                            <a:srgbClr val="000000"/>
-                          </a:solidFill>
-                          <a:latin typeface="+mn-ea"/>
-                          <a:ea typeface="+mn-ea"/>
-                        </a:rPr>
-                        <a:t>上年月初至今券销售额（含税）</a:t>
-                      </a:r>
-                    </a:p>
-                  </a:txBody>
-                  <a:tcPr marL="6648" marR="6648" marT="6648" marB="0" anchor="ctr">
-                    <a:lnL w="6350" cap="flat" cmpd="sng" algn="ctr">
-                      <a:solidFill>
-                        <a:srgbClr val="000000"/>
-                      </a:solidFill>
-                      <a:prstDash val="solid"/>
-                      <a:round/>
-                      <a:headEnd type="none" w="med" len="med"/>
-                      <a:tailEnd type="none" w="med" len="med"/>
-                    </a:lnL>
-                    <a:lnR w="6350" cap="flat" cmpd="sng" algn="ctr">
-                      <a:solidFill>
-                        <a:srgbClr val="000000"/>
-                      </a:solidFill>
-                      <a:prstDash val="solid"/>
-                      <a:round/>
-                      <a:headEnd type="none" w="med" len="med"/>
-                      <a:tailEnd type="none" w="med" len="med"/>
-                    </a:lnR>
-                    <a:lnT w="6350" cap="flat" cmpd="sng" algn="ctr">
-                      <a:solidFill>
-                        <a:srgbClr val="000000"/>
-                      </a:solidFill>
-                      <a:prstDash val="solid"/>
-                      <a:round/>
-                      <a:headEnd type="none" w="med" len="med"/>
-                      <a:tailEnd type="none" w="med" len="med"/>
-                    </a:lnT>
-                    <a:lnB w="6350" cap="flat" cmpd="sng" algn="ctr">
-                      <a:solidFill>
-                        <a:srgbClr val="000000"/>
-                      </a:solidFill>
-                      <a:prstDash val="solid"/>
-                      <a:round/>
-                      <a:headEnd type="none" w="med" len="med"/>
-                      <a:tailEnd type="none" w="med" len="med"/>
-                    </a:lnB>
-                  </a:tcPr>
-                </a:tc>
-                <a:tc>
-                  <a:txBody>
-                    <a:bodyPr/>
-                    <a:lstStyle/>
-                    <a:p>
-                      <a:pPr algn="l" fontAlgn="ctr"/>
-                      <a:r>
-                        <a:rPr lang="en-US" sz="1000" b="0" i="0" u="none" strike="noStrike">
-                          <a:solidFill>
-                            <a:srgbClr val="000000"/>
-                          </a:solidFill>
-                          <a:latin typeface="+mn-ea"/>
-                          <a:ea typeface="+mn-ea"/>
-                        </a:rPr>
-                        <a:t>Sales_Net_Sales_Coupon_Amt_Inc_Tax_LY_MTD</a:t>
-                      </a:r>
-                    </a:p>
-                  </a:txBody>
-                  <a:tcPr marL="6648" marR="6648" marT="6648" marB="0" anchor="ctr">
-                    <a:lnL w="6350" cap="flat" cmpd="sng" algn="ctr">
-                      <a:solidFill>
-                        <a:srgbClr val="000000"/>
-                      </a:solidFill>
-                      <a:prstDash val="solid"/>
-                      <a:round/>
-                      <a:headEnd type="none" w="med" len="med"/>
-                      <a:tailEnd type="none" w="med" len="med"/>
-                    </a:lnL>
-                    <a:lnR w="6350" cap="flat" cmpd="sng" algn="ctr">
-                      <a:solidFill>
-                        <a:srgbClr val="000000"/>
-                      </a:solidFill>
-                      <a:prstDash val="solid"/>
-                      <a:round/>
-                      <a:headEnd type="none" w="med" len="med"/>
-                      <a:tailEnd type="none" w="med" len="med"/>
-                    </a:lnR>
-                    <a:lnT w="6350" cap="flat" cmpd="sng" algn="ctr">
-                      <a:solidFill>
-                        <a:srgbClr val="000000"/>
-                      </a:solidFill>
-                      <a:prstDash val="solid"/>
-                      <a:round/>
-                      <a:headEnd type="none" w="med" len="med"/>
-                      <a:tailEnd type="none" w="med" len="med"/>
-                    </a:lnT>
-                    <a:lnB w="6350" cap="flat" cmpd="sng" algn="ctr">
-                      <a:solidFill>
-                        <a:srgbClr val="000000"/>
-                      </a:solidFill>
-                      <a:prstDash val="solid"/>
-                      <a:round/>
-                      <a:headEnd type="none" w="med" len="med"/>
-                      <a:tailEnd type="none" w="med" len="med"/>
-                    </a:lnB>
-                  </a:tcPr>
-                </a:tc>
-                <a:tc>
-                  <a:txBody>
-                    <a:bodyPr/>
-                    <a:lstStyle/>
-                    <a:p>
-                      <a:pPr algn="l" fontAlgn="ctr"/>
-                      <a:r>
-                        <a:rPr lang="zh-CN" altLang="en-US" sz="1000" b="0" i="0" u="none" strike="noStrike">
-                          <a:solidFill>
-                            <a:srgbClr val="000000"/>
-                          </a:solidFill>
-                          <a:latin typeface="+mn-ea"/>
-                          <a:ea typeface="+mn-ea"/>
-                        </a:rPr>
-                        <a:t>去年同期月累计含税券销售金额</a:t>
-                      </a:r>
-                    </a:p>
-                  </a:txBody>
-                  <a:tcPr marL="6648" marR="6648" marT="6648" marB="0" anchor="ctr">
-                    <a:lnL w="6350" cap="flat" cmpd="sng" algn="ctr">
-                      <a:solidFill>
-                        <a:srgbClr val="000000"/>
-                      </a:solidFill>
-                      <a:prstDash val="solid"/>
-                      <a:round/>
-                      <a:headEnd type="none" w="med" len="med"/>
-                      <a:tailEnd type="none" w="med" len="med"/>
-                    </a:lnL>
-                    <a:lnR w="6350" cap="flat" cmpd="sng" algn="ctr">
-                      <a:solidFill>
-                        <a:srgbClr val="000000"/>
-                      </a:solidFill>
-                      <a:prstDash val="solid"/>
-                      <a:round/>
-                      <a:headEnd type="none" w="med" len="med"/>
-                      <a:tailEnd type="none" w="med" len="med"/>
-                    </a:lnR>
-                    <a:lnT w="6350" cap="flat" cmpd="sng" algn="ctr">
-                      <a:solidFill>
-                        <a:srgbClr val="000000"/>
-                      </a:solidFill>
-                      <a:prstDash val="solid"/>
-                      <a:round/>
-                      <a:headEnd type="none" w="med" len="med"/>
-                      <a:tailEnd type="none" w="med" len="med"/>
-                    </a:lnT>
-                    <a:lnB w="6350" cap="flat" cmpd="sng" algn="ctr">
-                      <a:solidFill>
-                        <a:srgbClr val="000000"/>
-                      </a:solidFill>
-                      <a:prstDash val="solid"/>
-                      <a:round/>
-                      <a:headEnd type="none" w="med" len="med"/>
-                      <a:tailEnd type="none" w="med" len="med"/>
-                    </a:lnB>
-                  </a:tcPr>
-                </a:tc>
-                <a:tc>
-                  <a:txBody>
-                    <a:bodyPr/>
-                    <a:lstStyle/>
-                    <a:p>
-                      <a:pPr algn="l" fontAlgn="ctr"/>
-                      <a:r>
-                        <a:rPr lang="zh-CN" altLang="en-US" sz="1000" b="0" i="0" u="none" strike="noStrike">
-                          <a:solidFill>
-                            <a:srgbClr val="000000"/>
-                          </a:solidFill>
-                          <a:latin typeface="+mn-ea"/>
-                          <a:ea typeface="+mn-ea"/>
-                        </a:rPr>
-                        <a:t>知而行券，厂商券，</a:t>
-                      </a:r>
-                      <a:r>
-                        <a:rPr lang="en-US" sz="1000" b="0" i="0" u="none" strike="noStrike">
-                          <a:solidFill>
-                            <a:srgbClr val="000000"/>
-                          </a:solidFill>
-                          <a:latin typeface="+mn-ea"/>
-                          <a:ea typeface="+mn-ea"/>
-                        </a:rPr>
-                        <a:t>siebel</a:t>
-                      </a:r>
-                      <a:r>
-                        <a:rPr lang="zh-CN" altLang="en-US" sz="1000" b="0" i="0" u="none" strike="noStrike">
-                          <a:solidFill>
-                            <a:srgbClr val="000000"/>
-                          </a:solidFill>
-                          <a:latin typeface="+mn-ea"/>
-                          <a:ea typeface="+mn-ea"/>
-                        </a:rPr>
-                        <a:t>券</a:t>
-                      </a:r>
-                    </a:p>
-                  </a:txBody>
-                  <a:tcPr marL="6648" marR="6648" marT="6648" marB="0" anchor="ctr">
-                    <a:lnL w="6350" cap="flat" cmpd="sng" algn="ctr">
-                      <a:solidFill>
-                        <a:srgbClr val="000000"/>
-                      </a:solidFill>
-                      <a:prstDash val="solid"/>
-                      <a:round/>
-                      <a:headEnd type="none" w="med" len="med"/>
-                      <a:tailEnd type="none" w="med" len="med"/>
-                    </a:lnL>
-                    <a:lnR w="6350" cap="flat" cmpd="sng" algn="ctr">
-                      <a:solidFill>
-                        <a:srgbClr val="000000"/>
-                      </a:solidFill>
-                      <a:prstDash val="solid"/>
-                      <a:round/>
-                      <a:headEnd type="none" w="med" len="med"/>
-                      <a:tailEnd type="none" w="med" len="med"/>
-                    </a:lnR>
-                    <a:lnT w="6350" cap="flat" cmpd="sng" algn="ctr">
-                      <a:solidFill>
-                        <a:srgbClr val="000000"/>
-                      </a:solidFill>
-                      <a:prstDash val="solid"/>
-                      <a:round/>
-                      <a:headEnd type="none" w="med" len="med"/>
-                      <a:tailEnd type="none" w="med" len="med"/>
-                    </a:lnT>
-                    <a:lnB w="6350" cap="flat" cmpd="sng" algn="ctr">
-                      <a:solidFill>
-                        <a:srgbClr val="000000"/>
-                      </a:solidFill>
-                      <a:prstDash val="solid"/>
-                      <a:round/>
-                      <a:headEnd type="none" w="med" len="med"/>
-                      <a:tailEnd type="none" w="med" len="med"/>
-                    </a:lnB>
-                  </a:tcPr>
-                </a:tc>
-              </a:tr>
-              <a:tr h="390159">
-                <a:tc vMerge="1">
-                  <a:txBody>
-                    <a:bodyPr/>
-                    <a:lstStyle/>
-                    <a:p>
-                      <a:endParaRPr lang="zh-CN" altLang="en-US"/>
-                    </a:p>
-                  </a:txBody>
-                  <a:tcPr/>
-                </a:tc>
-                <a:tc>
-                  <a:txBody>
-                    <a:bodyPr/>
-                    <a:lstStyle/>
-                    <a:p>
-                      <a:pPr algn="l" fontAlgn="ctr"/>
-                      <a:r>
-                        <a:rPr lang="zh-CN" altLang="en-US" sz="1000" b="0" i="0" u="none" strike="noStrike">
-                          <a:solidFill>
-                            <a:srgbClr val="000000"/>
-                          </a:solidFill>
-                          <a:latin typeface="+mn-ea"/>
-                          <a:ea typeface="+mn-ea"/>
-                        </a:rPr>
-                        <a:t>上年年初至今券销售额（含税）</a:t>
-                      </a:r>
-                    </a:p>
-                  </a:txBody>
-                  <a:tcPr marL="6648" marR="6648" marT="6648" marB="0" anchor="ctr">
-                    <a:lnL w="6350" cap="flat" cmpd="sng" algn="ctr">
-                      <a:solidFill>
-                        <a:srgbClr val="000000"/>
-                      </a:solidFill>
-                      <a:prstDash val="solid"/>
-                      <a:round/>
-                      <a:headEnd type="none" w="med" len="med"/>
-                      <a:tailEnd type="none" w="med" len="med"/>
-                    </a:lnL>
-                    <a:lnR w="6350" cap="flat" cmpd="sng" algn="ctr">
-                      <a:solidFill>
-                        <a:srgbClr val="000000"/>
-                      </a:solidFill>
-                      <a:prstDash val="solid"/>
-                      <a:round/>
-                      <a:headEnd type="none" w="med" len="med"/>
-                      <a:tailEnd type="none" w="med" len="med"/>
-                    </a:lnR>
-                    <a:lnT w="6350" cap="flat" cmpd="sng" algn="ctr">
-                      <a:solidFill>
-                        <a:srgbClr val="000000"/>
-                      </a:solidFill>
-                      <a:prstDash val="solid"/>
-                      <a:round/>
-                      <a:headEnd type="none" w="med" len="med"/>
-                      <a:tailEnd type="none" w="med" len="med"/>
-                    </a:lnT>
-                    <a:lnB w="6350" cap="flat" cmpd="sng" algn="ctr">
-                      <a:solidFill>
-                        <a:srgbClr val="000000"/>
-                      </a:solidFill>
-                      <a:prstDash val="solid"/>
-                      <a:round/>
-                      <a:headEnd type="none" w="med" len="med"/>
-                      <a:tailEnd type="none" w="med" len="med"/>
-                    </a:lnB>
-                  </a:tcPr>
-                </a:tc>
-                <a:tc>
-                  <a:txBody>
-                    <a:bodyPr/>
-                    <a:lstStyle/>
-                    <a:p>
-                      <a:pPr algn="l" fontAlgn="ctr"/>
-                      <a:r>
-                        <a:rPr lang="en-US" sz="1000" b="0" i="0" u="none" strike="noStrike">
-                          <a:solidFill>
-                            <a:srgbClr val="000000"/>
-                          </a:solidFill>
-                          <a:latin typeface="+mn-ea"/>
-                          <a:ea typeface="+mn-ea"/>
-                        </a:rPr>
-                        <a:t>Sales_Net_Sales_Coupon_Amt_Inc_Tax_LY_YTD</a:t>
-                      </a:r>
-                    </a:p>
-                  </a:txBody>
-                  <a:tcPr marL="6648" marR="6648" marT="6648" marB="0" anchor="ctr">
-                    <a:lnL w="6350" cap="flat" cmpd="sng" algn="ctr">
-                      <a:solidFill>
-                        <a:srgbClr val="000000"/>
-                      </a:solidFill>
-                      <a:prstDash val="solid"/>
-                      <a:round/>
-                      <a:headEnd type="none" w="med" len="med"/>
-                      <a:tailEnd type="none" w="med" len="med"/>
-                    </a:lnL>
-                    <a:lnR w="6350" cap="flat" cmpd="sng" algn="ctr">
-                      <a:solidFill>
-                        <a:srgbClr val="000000"/>
-                      </a:solidFill>
-                      <a:prstDash val="solid"/>
-                      <a:round/>
-                      <a:headEnd type="none" w="med" len="med"/>
-                      <a:tailEnd type="none" w="med" len="med"/>
-                    </a:lnR>
-                    <a:lnT w="6350" cap="flat" cmpd="sng" algn="ctr">
-                      <a:solidFill>
-                        <a:srgbClr val="000000"/>
-                      </a:solidFill>
-                      <a:prstDash val="solid"/>
-                      <a:round/>
-                      <a:headEnd type="none" w="med" len="med"/>
-                      <a:tailEnd type="none" w="med" len="med"/>
-                    </a:lnT>
-                    <a:lnB w="6350" cap="flat" cmpd="sng" algn="ctr">
-                      <a:solidFill>
-                        <a:srgbClr val="000000"/>
-                      </a:solidFill>
-                      <a:prstDash val="solid"/>
-                      <a:round/>
-                      <a:headEnd type="none" w="med" len="med"/>
-                      <a:tailEnd type="none" w="med" len="med"/>
-                    </a:lnB>
-                  </a:tcPr>
-                </a:tc>
-                <a:tc>
-                  <a:txBody>
-                    <a:bodyPr/>
-                    <a:lstStyle/>
-                    <a:p>
-                      <a:pPr algn="l" fontAlgn="ctr"/>
-                      <a:r>
-                        <a:rPr lang="zh-CN" altLang="en-US" sz="1000" b="0" i="0" u="none" strike="noStrike">
-                          <a:solidFill>
-                            <a:srgbClr val="000000"/>
-                          </a:solidFill>
-                          <a:latin typeface="+mn-ea"/>
-                          <a:ea typeface="+mn-ea"/>
-                        </a:rPr>
-                        <a:t>去年同期年累计含税券销售金额</a:t>
-                      </a:r>
-                    </a:p>
-                  </a:txBody>
-                  <a:tcPr marL="6648" marR="6648" marT="6648" marB="0" anchor="ctr">
-                    <a:lnL w="6350" cap="flat" cmpd="sng" algn="ctr">
-                      <a:solidFill>
-                        <a:srgbClr val="000000"/>
-                      </a:solidFill>
-                      <a:prstDash val="solid"/>
-                      <a:round/>
-                      <a:headEnd type="none" w="med" len="med"/>
-                      <a:tailEnd type="none" w="med" len="med"/>
-                    </a:lnL>
-                    <a:lnR w="6350" cap="flat" cmpd="sng" algn="ctr">
-                      <a:solidFill>
-                        <a:srgbClr val="000000"/>
-                      </a:solidFill>
-                      <a:prstDash val="solid"/>
-                      <a:round/>
-                      <a:headEnd type="none" w="med" len="med"/>
-                      <a:tailEnd type="none" w="med" len="med"/>
-                    </a:lnR>
-                    <a:lnT w="6350" cap="flat" cmpd="sng" algn="ctr">
-                      <a:solidFill>
-                        <a:srgbClr val="000000"/>
-                      </a:solidFill>
-                      <a:prstDash val="solid"/>
-                      <a:round/>
-                      <a:headEnd type="none" w="med" len="med"/>
-                      <a:tailEnd type="none" w="med" len="med"/>
-                    </a:lnT>
-                    <a:lnB w="6350" cap="flat" cmpd="sng" algn="ctr">
-                      <a:solidFill>
-                        <a:srgbClr val="000000"/>
-                      </a:solidFill>
-                      <a:prstDash val="solid"/>
-                      <a:round/>
-                      <a:headEnd type="none" w="med" len="med"/>
-                      <a:tailEnd type="none" w="med" len="med"/>
-                    </a:lnB>
-                  </a:tcPr>
-                </a:tc>
-                <a:tc>
-                  <a:txBody>
-                    <a:bodyPr/>
-                    <a:lstStyle/>
-                    <a:p>
-                      <a:pPr algn="l" fontAlgn="ctr"/>
-                      <a:r>
-                        <a:rPr lang="zh-CN" altLang="en-US" sz="1000" b="0" i="0" u="none" strike="noStrike">
-                          <a:solidFill>
-                            <a:srgbClr val="000000"/>
-                          </a:solidFill>
-                          <a:latin typeface="+mn-ea"/>
-                          <a:ea typeface="+mn-ea"/>
-                        </a:rPr>
-                        <a:t>知而行券，厂商券，</a:t>
-                      </a:r>
-                      <a:r>
-                        <a:rPr lang="en-US" sz="1000" b="0" i="0" u="none" strike="noStrike">
-                          <a:solidFill>
-                            <a:srgbClr val="000000"/>
-                          </a:solidFill>
-                          <a:latin typeface="+mn-ea"/>
-                          <a:ea typeface="+mn-ea"/>
-                        </a:rPr>
-                        <a:t>siebel</a:t>
-                      </a:r>
-                      <a:r>
-                        <a:rPr lang="zh-CN" altLang="en-US" sz="1000" b="0" i="0" u="none" strike="noStrike">
-                          <a:solidFill>
-                            <a:srgbClr val="000000"/>
-                          </a:solidFill>
-                          <a:latin typeface="+mn-ea"/>
-                          <a:ea typeface="+mn-ea"/>
-                        </a:rPr>
-                        <a:t>券</a:t>
-                      </a:r>
-                    </a:p>
-                  </a:txBody>
-                  <a:tcPr marL="6648" marR="6648" marT="6648" marB="0" anchor="ctr">
-                    <a:lnL w="6350" cap="flat" cmpd="sng" algn="ctr">
-                      <a:solidFill>
-                        <a:srgbClr val="000000"/>
-                      </a:solidFill>
-                      <a:prstDash val="solid"/>
-                      <a:round/>
-                      <a:headEnd type="none" w="med" len="med"/>
-                      <a:tailEnd type="none" w="med" len="med"/>
-                    </a:lnL>
-                    <a:lnR w="6350" cap="flat" cmpd="sng" algn="ctr">
-                      <a:solidFill>
-                        <a:srgbClr val="000000"/>
-                      </a:solidFill>
-                      <a:prstDash val="solid"/>
-                      <a:round/>
-                      <a:headEnd type="none" w="med" len="med"/>
-                      <a:tailEnd type="none" w="med" len="med"/>
-                    </a:lnR>
-                    <a:lnT w="6350" cap="flat" cmpd="sng" algn="ctr">
-                      <a:solidFill>
-                        <a:srgbClr val="000000"/>
-                      </a:solidFill>
-                      <a:prstDash val="solid"/>
-                      <a:round/>
-                      <a:headEnd type="none" w="med" len="med"/>
-                      <a:tailEnd type="none" w="med" len="med"/>
-                    </a:lnT>
-                    <a:lnB w="6350" cap="flat" cmpd="sng" algn="ctr">
-                      <a:solidFill>
-                        <a:srgbClr val="000000"/>
-                      </a:solidFill>
-                      <a:prstDash val="solid"/>
-                      <a:round/>
-                      <a:headEnd type="none" w="med" len="med"/>
-                      <a:tailEnd type="none" w="med" len="med"/>
-                    </a:lnB>
-                  </a:tcPr>
-                </a:tc>
-              </a:tr>
-              <a:tr h="390159">
-                <a:tc vMerge="1">
-                  <a:txBody>
-                    <a:bodyPr/>
-                    <a:lstStyle/>
-                    <a:p>
-                      <a:endParaRPr lang="zh-CN" altLang="en-US"/>
-                    </a:p>
-                  </a:txBody>
-                  <a:tcPr/>
-                </a:tc>
-                <a:tc>
-                  <a:txBody>
-                    <a:bodyPr/>
-                    <a:lstStyle/>
-                    <a:p>
-                      <a:pPr algn="l" fontAlgn="ctr"/>
-                      <a:r>
-                        <a:rPr lang="zh-CN" altLang="en-US" sz="1000" b="0" i="0" u="none" strike="noStrike">
-                          <a:solidFill>
-                            <a:srgbClr val="000000"/>
-                          </a:solidFill>
-                          <a:latin typeface="+mn-ea"/>
-                          <a:ea typeface="+mn-ea"/>
-                        </a:rPr>
-                        <a:t>月初至今券销售额（含税）</a:t>
-                      </a:r>
-                    </a:p>
-                  </a:txBody>
-                  <a:tcPr marL="6648" marR="6648" marT="6648" marB="0" anchor="ctr">
-                    <a:lnL w="6350" cap="flat" cmpd="sng" algn="ctr">
-                      <a:solidFill>
-                        <a:srgbClr val="000000"/>
-                      </a:solidFill>
-                      <a:prstDash val="solid"/>
-                      <a:round/>
-                      <a:headEnd type="none" w="med" len="med"/>
-                      <a:tailEnd type="none" w="med" len="med"/>
-                    </a:lnL>
-                    <a:lnR w="6350" cap="flat" cmpd="sng" algn="ctr">
-                      <a:solidFill>
-                        <a:srgbClr val="000000"/>
-                      </a:solidFill>
-                      <a:prstDash val="solid"/>
-                      <a:round/>
-                      <a:headEnd type="none" w="med" len="med"/>
-                      <a:tailEnd type="none" w="med" len="med"/>
-                    </a:lnR>
-                    <a:lnT w="6350" cap="flat" cmpd="sng" algn="ctr">
-                      <a:solidFill>
-                        <a:srgbClr val="000000"/>
-                      </a:solidFill>
-                      <a:prstDash val="solid"/>
-                      <a:round/>
-                      <a:headEnd type="none" w="med" len="med"/>
-                      <a:tailEnd type="none" w="med" len="med"/>
-                    </a:lnT>
-                    <a:lnB w="6350" cap="flat" cmpd="sng" algn="ctr">
-                      <a:solidFill>
-                        <a:srgbClr val="000000"/>
-                      </a:solidFill>
-                      <a:prstDash val="solid"/>
-                      <a:round/>
-                      <a:headEnd type="none" w="med" len="med"/>
-                      <a:tailEnd type="none" w="med" len="med"/>
-                    </a:lnB>
-                  </a:tcPr>
-                </a:tc>
-                <a:tc>
-                  <a:txBody>
-                    <a:bodyPr/>
-                    <a:lstStyle/>
-                    <a:p>
-                      <a:pPr algn="l" fontAlgn="ctr"/>
-                      <a:r>
-                        <a:rPr lang="en-US" sz="1000" b="0" i="0" u="none" strike="noStrike">
-                          <a:solidFill>
-                            <a:srgbClr val="000000"/>
-                          </a:solidFill>
-                          <a:latin typeface="+mn-ea"/>
-                          <a:ea typeface="+mn-ea"/>
-                        </a:rPr>
-                        <a:t>Sales_Net_Sales_Coupon_Amt_Inc_Tax_MTD</a:t>
-                      </a:r>
-                    </a:p>
-                  </a:txBody>
-                  <a:tcPr marL="6648" marR="6648" marT="6648" marB="0" anchor="ctr">
-                    <a:lnL w="6350" cap="flat" cmpd="sng" algn="ctr">
-                      <a:solidFill>
-                        <a:srgbClr val="000000"/>
-                      </a:solidFill>
-                      <a:prstDash val="solid"/>
-                      <a:round/>
-                      <a:headEnd type="none" w="med" len="med"/>
-                      <a:tailEnd type="none" w="med" len="med"/>
-                    </a:lnL>
-                    <a:lnR w="6350" cap="flat" cmpd="sng" algn="ctr">
-                      <a:solidFill>
-                        <a:srgbClr val="000000"/>
-                      </a:solidFill>
-                      <a:prstDash val="solid"/>
-                      <a:round/>
-                      <a:headEnd type="none" w="med" len="med"/>
-                      <a:tailEnd type="none" w="med" len="med"/>
-                    </a:lnR>
-                    <a:lnT w="6350" cap="flat" cmpd="sng" algn="ctr">
-                      <a:solidFill>
-                        <a:srgbClr val="000000"/>
-                      </a:solidFill>
-                      <a:prstDash val="solid"/>
-                      <a:round/>
-                      <a:headEnd type="none" w="med" len="med"/>
-                      <a:tailEnd type="none" w="med" len="med"/>
-                    </a:lnT>
-                    <a:lnB w="6350" cap="flat" cmpd="sng" algn="ctr">
-                      <a:solidFill>
-                        <a:srgbClr val="000000"/>
-                      </a:solidFill>
-                      <a:prstDash val="solid"/>
-                      <a:round/>
-                      <a:headEnd type="none" w="med" len="med"/>
-                      <a:tailEnd type="none" w="med" len="med"/>
-                    </a:lnB>
-                  </a:tcPr>
-                </a:tc>
-                <a:tc>
-                  <a:txBody>
-                    <a:bodyPr/>
-                    <a:lstStyle/>
-                    <a:p>
-                      <a:pPr algn="l" fontAlgn="ctr"/>
-                      <a:r>
-                        <a:rPr lang="zh-CN" altLang="en-US" sz="1000" b="0" i="0" u="none" strike="noStrike">
-                          <a:solidFill>
-                            <a:srgbClr val="000000"/>
-                          </a:solidFill>
-                          <a:latin typeface="+mn-ea"/>
-                          <a:ea typeface="+mn-ea"/>
-                        </a:rPr>
-                        <a:t>当月累计含税券销售金额</a:t>
-                      </a:r>
-                    </a:p>
-                  </a:txBody>
-                  <a:tcPr marL="6648" marR="6648" marT="6648" marB="0" anchor="ctr">
-                    <a:lnL w="6350" cap="flat" cmpd="sng" algn="ctr">
-                      <a:solidFill>
-                        <a:srgbClr val="000000"/>
-                      </a:solidFill>
-                      <a:prstDash val="solid"/>
-                      <a:round/>
-                      <a:headEnd type="none" w="med" len="med"/>
-                      <a:tailEnd type="none" w="med" len="med"/>
-                    </a:lnL>
-                    <a:lnR w="6350" cap="flat" cmpd="sng" algn="ctr">
-                      <a:solidFill>
-                        <a:srgbClr val="000000"/>
-                      </a:solidFill>
-                      <a:prstDash val="solid"/>
-                      <a:round/>
-                      <a:headEnd type="none" w="med" len="med"/>
-                      <a:tailEnd type="none" w="med" len="med"/>
-                    </a:lnR>
-                    <a:lnT w="6350" cap="flat" cmpd="sng" algn="ctr">
-                      <a:solidFill>
-                        <a:srgbClr val="000000"/>
-                      </a:solidFill>
-                      <a:prstDash val="solid"/>
-                      <a:round/>
-                      <a:headEnd type="none" w="med" len="med"/>
-                      <a:tailEnd type="none" w="med" len="med"/>
-                    </a:lnT>
-                    <a:lnB w="6350" cap="flat" cmpd="sng" algn="ctr">
-                      <a:solidFill>
-                        <a:srgbClr val="000000"/>
-                      </a:solidFill>
-                      <a:prstDash val="solid"/>
-                      <a:round/>
-                      <a:headEnd type="none" w="med" len="med"/>
-                      <a:tailEnd type="none" w="med" len="med"/>
-                    </a:lnB>
-                  </a:tcPr>
-                </a:tc>
-                <a:tc>
-                  <a:txBody>
-                    <a:bodyPr/>
-                    <a:lstStyle/>
-                    <a:p>
-                      <a:pPr algn="l" fontAlgn="ctr"/>
-                      <a:r>
-                        <a:rPr lang="zh-CN" altLang="en-US" sz="1000" b="0" i="0" u="none" strike="noStrike">
-                          <a:solidFill>
-                            <a:srgbClr val="000000"/>
-                          </a:solidFill>
-                          <a:latin typeface="+mn-ea"/>
-                          <a:ea typeface="+mn-ea"/>
-                        </a:rPr>
-                        <a:t>知而行券，厂商券，</a:t>
-                      </a:r>
-                      <a:r>
-                        <a:rPr lang="en-US" sz="1000" b="0" i="0" u="none" strike="noStrike">
-                          <a:solidFill>
-                            <a:srgbClr val="000000"/>
-                          </a:solidFill>
-                          <a:latin typeface="+mn-ea"/>
-                          <a:ea typeface="+mn-ea"/>
-                        </a:rPr>
-                        <a:t>siebel</a:t>
-                      </a:r>
-                      <a:r>
-                        <a:rPr lang="zh-CN" altLang="en-US" sz="1000" b="0" i="0" u="none" strike="noStrike">
-                          <a:solidFill>
-                            <a:srgbClr val="000000"/>
-                          </a:solidFill>
-                          <a:latin typeface="+mn-ea"/>
-                          <a:ea typeface="+mn-ea"/>
-                        </a:rPr>
-                        <a:t>券</a:t>
-                      </a:r>
-                    </a:p>
-                  </a:txBody>
-                  <a:tcPr marL="6648" marR="6648" marT="6648" marB="0" anchor="ctr">
-                    <a:lnL w="6350" cap="flat" cmpd="sng" algn="ctr">
-                      <a:solidFill>
-                        <a:srgbClr val="000000"/>
-                      </a:solidFill>
-                      <a:prstDash val="solid"/>
-                      <a:round/>
-                      <a:headEnd type="none" w="med" len="med"/>
-                      <a:tailEnd type="none" w="med" len="med"/>
-                    </a:lnL>
-                    <a:lnR w="6350" cap="flat" cmpd="sng" algn="ctr">
-                      <a:solidFill>
-                        <a:srgbClr val="000000"/>
-                      </a:solidFill>
-                      <a:prstDash val="solid"/>
-                      <a:round/>
-                      <a:headEnd type="none" w="med" len="med"/>
-                      <a:tailEnd type="none" w="med" len="med"/>
-                    </a:lnR>
-                    <a:lnT w="6350" cap="flat" cmpd="sng" algn="ctr">
-                      <a:solidFill>
-                        <a:srgbClr val="000000"/>
-                      </a:solidFill>
-                      <a:prstDash val="solid"/>
-                      <a:round/>
-                      <a:headEnd type="none" w="med" len="med"/>
-                      <a:tailEnd type="none" w="med" len="med"/>
-                    </a:lnT>
-                    <a:lnB w="6350" cap="flat" cmpd="sng" algn="ctr">
-                      <a:solidFill>
-                        <a:srgbClr val="000000"/>
-                      </a:solidFill>
-                      <a:prstDash val="solid"/>
-                      <a:round/>
-                      <a:headEnd type="none" w="med" len="med"/>
-                      <a:tailEnd type="none" w="med" len="med"/>
-                    </a:lnB>
-                  </a:tcPr>
-                </a:tc>
-              </a:tr>
-              <a:tr h="390159">
-                <a:tc vMerge="1">
-                  <a:txBody>
-                    <a:bodyPr/>
-                    <a:lstStyle/>
-                    <a:p>
-                      <a:endParaRPr lang="zh-CN" altLang="en-US"/>
-                    </a:p>
-                  </a:txBody>
-                  <a:tcPr/>
-                </a:tc>
-                <a:tc>
-                  <a:txBody>
-                    <a:bodyPr/>
-                    <a:lstStyle/>
-                    <a:p>
-                      <a:pPr algn="l" fontAlgn="ctr"/>
-                      <a:r>
-                        <a:rPr lang="zh-CN" altLang="en-US" sz="1000" b="0" i="0" u="none" strike="noStrike">
-                          <a:solidFill>
-                            <a:srgbClr val="000000"/>
-                          </a:solidFill>
-                          <a:latin typeface="+mn-ea"/>
-                          <a:ea typeface="+mn-ea"/>
-                        </a:rPr>
-                        <a:t>年初至今券销售额（含税）</a:t>
-                      </a:r>
-                    </a:p>
-                  </a:txBody>
-                  <a:tcPr marL="6648" marR="6648" marT="6648" marB="0" anchor="ctr">
-                    <a:lnL w="6350" cap="flat" cmpd="sng" algn="ctr">
-                      <a:solidFill>
-                        <a:srgbClr val="000000"/>
-                      </a:solidFill>
-                      <a:prstDash val="solid"/>
-                      <a:round/>
-                      <a:headEnd type="none" w="med" len="med"/>
-                      <a:tailEnd type="none" w="med" len="med"/>
-                    </a:lnL>
-                    <a:lnR w="6350" cap="flat" cmpd="sng" algn="ctr">
-                      <a:solidFill>
-                        <a:srgbClr val="000000"/>
-                      </a:solidFill>
-                      <a:prstDash val="solid"/>
-                      <a:round/>
-                      <a:headEnd type="none" w="med" len="med"/>
-                      <a:tailEnd type="none" w="med" len="med"/>
-                    </a:lnR>
-                    <a:lnT w="6350" cap="flat" cmpd="sng" algn="ctr">
-                      <a:solidFill>
-                        <a:srgbClr val="000000"/>
-                      </a:solidFill>
-                      <a:prstDash val="solid"/>
-                      <a:round/>
-                      <a:headEnd type="none" w="med" len="med"/>
-                      <a:tailEnd type="none" w="med" len="med"/>
-                    </a:lnT>
-                    <a:lnB w="6350" cap="flat" cmpd="sng" algn="ctr">
-                      <a:solidFill>
-                        <a:srgbClr val="000000"/>
-                      </a:solidFill>
-                      <a:prstDash val="solid"/>
-                      <a:round/>
-                      <a:headEnd type="none" w="med" len="med"/>
-                      <a:tailEnd type="none" w="med" len="med"/>
-                    </a:lnB>
-                  </a:tcPr>
-                </a:tc>
-                <a:tc>
-                  <a:txBody>
-                    <a:bodyPr/>
-                    <a:lstStyle/>
-                    <a:p>
-                      <a:pPr algn="l" fontAlgn="ctr"/>
-                      <a:r>
-                        <a:rPr lang="en-US" sz="1000" b="0" i="0" u="none" strike="noStrike">
-                          <a:solidFill>
-                            <a:srgbClr val="000000"/>
-                          </a:solidFill>
-                          <a:latin typeface="+mn-ea"/>
-                          <a:ea typeface="+mn-ea"/>
-                        </a:rPr>
-                        <a:t>Sales_Net_Sales_Coupon_Amt_Inc_Tax_YTD</a:t>
-                      </a:r>
-                    </a:p>
-                  </a:txBody>
-                  <a:tcPr marL="6648" marR="6648" marT="6648" marB="0" anchor="ctr">
-                    <a:lnL w="6350" cap="flat" cmpd="sng" algn="ctr">
-                      <a:solidFill>
-                        <a:srgbClr val="000000"/>
-                      </a:solidFill>
-                      <a:prstDash val="solid"/>
-                      <a:round/>
-                      <a:headEnd type="none" w="med" len="med"/>
-                      <a:tailEnd type="none" w="med" len="med"/>
-                    </a:lnL>
-                    <a:lnR w="6350" cap="flat" cmpd="sng" algn="ctr">
-                      <a:solidFill>
-                        <a:srgbClr val="000000"/>
-                      </a:solidFill>
-                      <a:prstDash val="solid"/>
-                      <a:round/>
-                      <a:headEnd type="none" w="med" len="med"/>
-                      <a:tailEnd type="none" w="med" len="med"/>
-                    </a:lnR>
-                    <a:lnT w="6350" cap="flat" cmpd="sng" algn="ctr">
-                      <a:solidFill>
-                        <a:srgbClr val="000000"/>
-                      </a:solidFill>
-                      <a:prstDash val="solid"/>
-                      <a:round/>
-                      <a:headEnd type="none" w="med" len="med"/>
-                      <a:tailEnd type="none" w="med" len="med"/>
-                    </a:lnT>
-                    <a:lnB w="6350" cap="flat" cmpd="sng" algn="ctr">
-                      <a:solidFill>
-                        <a:srgbClr val="000000"/>
-                      </a:solidFill>
-                      <a:prstDash val="solid"/>
-                      <a:round/>
-                      <a:headEnd type="none" w="med" len="med"/>
-                      <a:tailEnd type="none" w="med" len="med"/>
-                    </a:lnB>
-                  </a:tcPr>
-                </a:tc>
-                <a:tc>
-                  <a:txBody>
-                    <a:bodyPr/>
-                    <a:lstStyle/>
-                    <a:p>
-                      <a:pPr algn="l" fontAlgn="ctr"/>
-                      <a:r>
-                        <a:rPr lang="zh-CN" altLang="en-US" sz="1000" b="0" i="0" u="none" strike="noStrike">
-                          <a:solidFill>
-                            <a:srgbClr val="000000"/>
-                          </a:solidFill>
-                          <a:latin typeface="+mn-ea"/>
-                          <a:ea typeface="+mn-ea"/>
-                        </a:rPr>
-                        <a:t>当年累计含税券销售金额</a:t>
-                      </a:r>
-                    </a:p>
-                  </a:txBody>
-                  <a:tcPr marL="6648" marR="6648" marT="6648" marB="0" anchor="ctr">
-                    <a:lnL w="6350" cap="flat" cmpd="sng" algn="ctr">
-                      <a:solidFill>
-                        <a:srgbClr val="000000"/>
-                      </a:solidFill>
-                      <a:prstDash val="solid"/>
-                      <a:round/>
-                      <a:headEnd type="none" w="med" len="med"/>
-                      <a:tailEnd type="none" w="med" len="med"/>
-                    </a:lnL>
-                    <a:lnR w="6350" cap="flat" cmpd="sng" algn="ctr">
-                      <a:solidFill>
-                        <a:srgbClr val="000000"/>
-                      </a:solidFill>
-                      <a:prstDash val="solid"/>
-                      <a:round/>
-                      <a:headEnd type="none" w="med" len="med"/>
-                      <a:tailEnd type="none" w="med" len="med"/>
-                    </a:lnR>
-                    <a:lnT w="6350" cap="flat" cmpd="sng" algn="ctr">
-                      <a:solidFill>
-                        <a:srgbClr val="000000"/>
-                      </a:solidFill>
-                      <a:prstDash val="solid"/>
-                      <a:round/>
-                      <a:headEnd type="none" w="med" len="med"/>
-                      <a:tailEnd type="none" w="med" len="med"/>
-                    </a:lnT>
-                    <a:lnB w="6350" cap="flat" cmpd="sng" algn="ctr">
-                      <a:solidFill>
-                        <a:srgbClr val="000000"/>
-                      </a:solidFill>
-                      <a:prstDash val="solid"/>
-                      <a:round/>
-                      <a:headEnd type="none" w="med" len="med"/>
-                      <a:tailEnd type="none" w="med" len="med"/>
-                    </a:lnB>
-                  </a:tcPr>
-                </a:tc>
-                <a:tc>
-                  <a:txBody>
-                    <a:bodyPr/>
-                    <a:lstStyle/>
-                    <a:p>
-                      <a:pPr algn="l" fontAlgn="ctr"/>
-                      <a:r>
-                        <a:rPr lang="zh-CN" altLang="en-US" sz="1000" b="0" i="0" u="none" strike="noStrike" dirty="0">
-                          <a:solidFill>
-                            <a:srgbClr val="000000"/>
-                          </a:solidFill>
-                          <a:latin typeface="+mn-ea"/>
-                          <a:ea typeface="+mn-ea"/>
-                        </a:rPr>
-                        <a:t>知而行券，厂商券，</a:t>
-                      </a:r>
-                      <a:r>
-                        <a:rPr lang="en-US" sz="1000" b="0" i="0" u="none" strike="noStrike" dirty="0" err="1">
-                          <a:solidFill>
-                            <a:srgbClr val="000000"/>
-                          </a:solidFill>
-                          <a:latin typeface="+mn-ea"/>
-                          <a:ea typeface="+mn-ea"/>
-                        </a:rPr>
-                        <a:t>siebel</a:t>
-                      </a:r>
-                      <a:r>
-                        <a:rPr lang="zh-CN" altLang="en-US" sz="1000" b="0" i="0" u="none" strike="noStrike" dirty="0">
-                          <a:solidFill>
-                            <a:srgbClr val="000000"/>
-                          </a:solidFill>
-                          <a:latin typeface="+mn-ea"/>
-                          <a:ea typeface="+mn-ea"/>
-                        </a:rPr>
-                        <a:t>券</a:t>
-                      </a:r>
-                    </a:p>
-                  </a:txBody>
-                  <a:tcPr marL="6648" marR="6648" marT="6648" marB="0" anchor="ctr">
-                    <a:lnL w="6350" cap="flat" cmpd="sng" algn="ctr">
-                      <a:solidFill>
-                        <a:srgbClr val="000000"/>
-                      </a:solidFill>
-                      <a:prstDash val="solid"/>
-                      <a:round/>
-                      <a:headEnd type="none" w="med" len="med"/>
-                      <a:tailEnd type="none" w="med" len="med"/>
-                    </a:lnL>
-                    <a:lnR w="6350" cap="flat" cmpd="sng" algn="ctr">
-                      <a:solidFill>
-                        <a:srgbClr val="000000"/>
-                      </a:solidFill>
-                      <a:prstDash val="solid"/>
-                      <a:round/>
-                      <a:headEnd type="none" w="med" len="med"/>
-                      <a:tailEnd type="none" w="med" len="med"/>
-                    </a:lnR>
-                    <a:lnT w="6350" cap="flat" cmpd="sng" algn="ctr">
-                      <a:solidFill>
-                        <a:srgbClr val="000000"/>
-                      </a:solidFill>
-                      <a:prstDash val="solid"/>
-                      <a:round/>
-                      <a:headEnd type="none" w="med" len="med"/>
-                      <a:tailEnd type="none" w="med" len="med"/>
-                    </a:lnT>
-                    <a:lnB w="6350" cap="flat" cmpd="sng" algn="ctr">
-                      <a:solidFill>
-                        <a:srgbClr val="000000"/>
-                      </a:solidFill>
-                      <a:prstDash val="solid"/>
-                      <a:round/>
-                      <a:headEnd type="none" w="med" len="med"/>
-                      <a:tailEnd type="none" w="med" len="med"/>
-                    </a:lnB>
-                  </a:tcPr>
-                </a:tc>
-              </a:tr>
-            </a:tbl>
-          </a:graphicData>
-        </a:graphic>
-      </p:graphicFrame>
-    </p:spTree>
-    <p:extLst>
-      <p:ext uri="{BB962C8B-B14F-4D97-AF65-F5344CB8AC3E}">
-        <p14:creationId xmlns="" xmlns:p14="http://schemas.microsoft.com/office/powerpoint/2010/main" val="2778561947"/>
-      </p:ext>
-    </p:extLst>
-  </p:cSld>
-  <p:clrMapOvr>
-    <a:masterClrMapping/>
-  </p:clrMapOvr>
-  <p:timing>
-    <p:tnLst>
-      <p:par>
-        <p:cTn id="1" dur="indefinite" restart="never" nodeType="tmRoot"/>
-      </p:par>
-    </p:tnLst>
-  </p:timing>
-</p:sld>
-</file>
-
-<file path=ppt/slides/slide5.xml><?xml version="1.0" encoding="utf-8"?>
-<p:sld xmlns:a="http://schemas.openxmlformats.org/drawingml/2006/main" xmlns:r="http://schemas.openxmlformats.org/officeDocument/2006/relationships" xmlns:p="http://schemas.openxmlformats.org/presentationml/2006/main">
-  <p:cSld>
-    <p:spTree>
-      <p:nvGrpSpPr>
-        <p:cNvPr id="1" name=""/>
-        <p:cNvGrpSpPr/>
-        <p:nvPr/>
-      </p:nvGrpSpPr>
-      <p:grpSpPr>
-        <a:xfrm>
-          <a:off x="0" y="0"/>
-          <a:ext cx="0" cy="0"/>
-          <a:chOff x="0" y="0"/>
-          <a:chExt cx="0" cy="0"/>
-        </a:xfrm>
-      </p:grpSpPr>
-      <p:sp>
-        <p:nvSpPr>
-          <p:cNvPr id="2" name="标题 1"/>
-          <p:cNvSpPr>
-            <a:spLocks noGrp="1"/>
-          </p:cNvSpPr>
-          <p:nvPr>
-            <p:ph type="title"/>
-          </p:nvPr>
-        </p:nvSpPr>
-        <p:spPr>
-          <a:xfrm>
-            <a:off x="604913" y="486181"/>
-            <a:ext cx="10515600" cy="753990"/>
-          </a:xfrm>
-        </p:spPr>
-        <p:txBody>
-          <a:bodyPr>
-            <a:normAutofit/>
-          </a:bodyPr>
-          <a:lstStyle/>
-          <a:p>
-            <a:r>
-              <a:rPr lang="zh-CN" altLang="en-US" dirty="0" smtClean="0"/>
               <a:t>注意要点</a:t>
             </a:r>
             <a:endParaRPr lang="zh-CN" altLang="en-US" dirty="0"/>
@@ -11330,6 +11122,213 @@
           </a:extLst>
         </p:spPr>
       </p:pic>
+      <p:sp>
+        <p:nvSpPr>
+          <p:cNvPr id="6" name="内容占位符 6"/>
+          <p:cNvSpPr>
+            <a:spLocks noGrp="1"/>
+          </p:cNvSpPr>
+          <p:nvPr>
+            <p:ph idx="1"/>
+          </p:nvPr>
+        </p:nvSpPr>
+        <p:spPr>
+          <a:xfrm>
+            <a:off x="838200" y="1422400"/>
+            <a:ext cx="10515600" cy="4772581"/>
+          </a:xfrm>
+        </p:spPr>
+        <p:txBody>
+          <a:bodyPr/>
+          <a:lstStyle/>
+          <a:p>
+            <a:pPr marL="514350" indent="-514350">
+              <a:buFont typeface="+mj-lt"/>
+              <a:buAutoNum type="arabicPeriod"/>
+            </a:pPr>
+            <a:r>
+              <a:rPr lang="en-US" altLang="zh-CN" dirty="0" smtClean="0"/>
+              <a:t>RA</a:t>
+            </a:r>
+            <a:r>
+              <a:rPr lang="zh-CN" altLang="en-US" dirty="0" smtClean="0"/>
+              <a:t>中的销售事实是含券的。</a:t>
+            </a:r>
+            <a:r>
+              <a:rPr lang="en-US" altLang="zh-CN" dirty="0" smtClean="0"/>
+              <a:t/>
+            </a:r>
+            <a:br>
+              <a:rPr lang="en-US" altLang="zh-CN" dirty="0" smtClean="0"/>
+            </a:br>
+            <a:r>
+              <a:rPr lang="zh-CN" altLang="en-US" dirty="0" smtClean="0"/>
+              <a:t>不含券未税销售额</a:t>
+            </a:r>
+            <a:r>
+              <a:rPr lang="en-US" altLang="zh-CN" dirty="0" smtClean="0"/>
+              <a:t>=</a:t>
+            </a:r>
+            <a:r>
+              <a:rPr lang="zh-CN" altLang="en-US" dirty="0" smtClean="0"/>
+              <a:t>净销售额</a:t>
+            </a:r>
+            <a:r>
+              <a:rPr lang="en-US" altLang="zh-CN" dirty="0" smtClean="0"/>
+              <a:t>-</a:t>
+            </a:r>
+            <a:r>
+              <a:rPr lang="zh-CN" altLang="en-US" dirty="0" smtClean="0"/>
+              <a:t>券销售额</a:t>
+            </a:r>
+            <a:r>
+              <a:rPr lang="en-US" altLang="zh-CN" dirty="0" smtClean="0"/>
+              <a:t>(</a:t>
+            </a:r>
+            <a:r>
+              <a:rPr lang="zh-CN" altLang="en-US" dirty="0" smtClean="0"/>
+              <a:t>未税</a:t>
+            </a:r>
+            <a:r>
+              <a:rPr lang="en-US" altLang="zh-CN" dirty="0" smtClean="0"/>
+              <a:t>)</a:t>
+            </a:r>
+            <a:br>
+              <a:rPr lang="en-US" altLang="zh-CN" dirty="0" smtClean="0"/>
+            </a:br>
+            <a:r>
+              <a:rPr lang="zh-CN" altLang="en-US" dirty="0" smtClean="0"/>
+              <a:t>不含券含税销售额</a:t>
+            </a:r>
+            <a:r>
+              <a:rPr lang="en-US" altLang="zh-CN" dirty="0" smtClean="0"/>
+              <a:t>=</a:t>
+            </a:r>
+            <a:r>
+              <a:rPr lang="zh-CN" altLang="en-US" dirty="0" smtClean="0"/>
+              <a:t>净销售额</a:t>
+            </a:r>
+            <a:r>
+              <a:rPr lang="en-US" altLang="zh-CN" dirty="0" smtClean="0"/>
+              <a:t>+</a:t>
+            </a:r>
+            <a:r>
+              <a:rPr lang="zh-CN" altLang="en-US" dirty="0" smtClean="0"/>
+              <a:t>净税额</a:t>
+            </a:r>
+            <a:r>
+              <a:rPr lang="en-US" altLang="zh-CN" dirty="0" smtClean="0"/>
+              <a:t>-</a:t>
+            </a:r>
+            <a:r>
+              <a:rPr lang="zh-CN" altLang="en-US" dirty="0" smtClean="0"/>
+              <a:t>券销售额</a:t>
+            </a:r>
+            <a:r>
+              <a:rPr lang="en-US" altLang="zh-CN" dirty="0" smtClean="0"/>
+              <a:t>(</a:t>
+            </a:r>
+            <a:r>
+              <a:rPr lang="zh-CN" altLang="en-US" dirty="0" smtClean="0"/>
+              <a:t>含税</a:t>
+            </a:r>
+            <a:r>
+              <a:rPr lang="en-US" altLang="zh-CN" dirty="0" smtClean="0"/>
+              <a:t>)</a:t>
+            </a:r>
+          </a:p>
+          <a:p>
+            <a:pPr marL="514350" indent="-514350">
+              <a:buFont typeface="+mj-lt"/>
+              <a:buAutoNum type="arabicPeriod"/>
+            </a:pPr>
+            <a:r>
+              <a:rPr lang="zh-CN" altLang="en-US" dirty="0" smtClean="0"/>
+              <a:t>如果需要取</a:t>
+            </a:r>
+            <a:r>
+              <a:rPr lang="en-US" altLang="zh-CN" dirty="0" smtClean="0"/>
+              <a:t>2016.6.21</a:t>
+            </a:r>
+            <a:r>
+              <a:rPr lang="zh-CN" altLang="en-US" dirty="0" smtClean="0"/>
+              <a:t>之后的销售去年的同期对比，需要口径一致，都用</a:t>
+            </a:r>
+            <a:r>
+              <a:rPr lang="zh-CN" altLang="en-US" dirty="0" smtClean="0">
+                <a:solidFill>
+                  <a:srgbClr val="FF0000"/>
+                </a:solidFill>
+              </a:rPr>
+              <a:t>含券销售额</a:t>
+            </a:r>
+            <a:r>
+              <a:rPr lang="zh-CN" altLang="en-US" dirty="0" smtClean="0"/>
+              <a:t>做对比。</a:t>
+            </a:r>
+            <a:endParaRPr lang="en-US" altLang="zh-CN" dirty="0" smtClean="0"/>
+          </a:p>
+          <a:p>
+            <a:pPr marL="514350" indent="-514350">
+              <a:buFont typeface="+mj-lt"/>
+              <a:buAutoNum type="arabicPeriod"/>
+            </a:pPr>
+            <a:r>
+              <a:rPr lang="en-US" altLang="zh-CN" dirty="0" smtClean="0"/>
+              <a:t>2016.6.21</a:t>
+            </a:r>
+            <a:r>
+              <a:rPr lang="zh-CN" altLang="en-US" dirty="0" smtClean="0"/>
+              <a:t>之前券销售是记录在付款方式</a:t>
+            </a:r>
+            <a:r>
+              <a:rPr lang="zh-CN" altLang="en-US" dirty="0" smtClean="0"/>
+              <a:t>中</a:t>
+            </a:r>
+            <a:r>
+              <a:rPr lang="en-US" altLang="zh-CN" dirty="0" smtClean="0"/>
+              <a:t>(</a:t>
+            </a:r>
+            <a:r>
+              <a:rPr lang="zh-CN" altLang="en-US" dirty="0" smtClean="0"/>
+              <a:t>不能分摊</a:t>
+            </a:r>
+            <a:r>
+              <a:rPr lang="en-US" altLang="zh-CN" dirty="0" smtClean="0"/>
+              <a:t>)</a:t>
+            </a:r>
+            <a:r>
+              <a:rPr lang="zh-CN" altLang="en-US" dirty="0" smtClean="0"/>
+              <a:t>，</a:t>
+            </a:r>
+            <a:r>
+              <a:rPr lang="zh-CN" altLang="en-US" dirty="0" smtClean="0"/>
+              <a:t>之后记录在促销折扣</a:t>
+            </a:r>
+            <a:r>
+              <a:rPr lang="zh-CN" altLang="en-US" dirty="0" smtClean="0"/>
+              <a:t>中</a:t>
+            </a:r>
+            <a:r>
+              <a:rPr lang="en-US" altLang="zh-CN" dirty="0" smtClean="0"/>
+              <a:t>(</a:t>
+            </a:r>
+            <a:r>
+              <a:rPr lang="zh-CN" altLang="en-US" smtClean="0"/>
+              <a:t>可以分摊</a:t>
+            </a:r>
+            <a:r>
+              <a:rPr lang="en-US" altLang="zh-CN" smtClean="0"/>
+              <a:t>)</a:t>
+            </a:r>
+            <a:r>
+              <a:rPr lang="zh-CN" altLang="en-US" dirty="0" smtClean="0"/>
+              <a:t>。</a:t>
+            </a:r>
+            <a:endParaRPr lang="en-US" altLang="zh-CN" dirty="0" smtClean="0"/>
+          </a:p>
+        </p:txBody>
+      </p:sp>
     </p:spTree>
     <p:extLst>
       <p:ext uri="{BB962C8B-B14F-4D97-AF65-F5344CB8AC3E}">
@@ -11350,7 +11349,7 @@
 </p:sld>
 </file>
 
-<file path=ppt/slides/slide6.xml><?xml version="1.0" encoding="utf-8"?>
+<file path=ppt/slides/slide5.xml><?xml version="1.0" encoding="utf-8"?>
 <p:sld xmlns:a="http://schemas.openxmlformats.org/drawingml/2006/main" xmlns:r="http://schemas.openxmlformats.org/officeDocument/2006/relationships" xmlns:p="http://schemas.openxmlformats.org/presentationml/2006/main">
   <p:cSld>
     <p:spTree>
